--- a/第1章.pptx
+++ b/第1章.pptx
@@ -28,6 +28,15 @@
     <p:sldId id="276" r:id="rId22"/>
     <p:sldId id="277" r:id="rId23"/>
     <p:sldId id="278" r:id="rId24"/>
+    <p:sldId id="280" r:id="rId25"/>
+    <p:sldId id="279" r:id="rId26"/>
+    <p:sldId id="281" r:id="rId27"/>
+    <p:sldId id="282" r:id="rId28"/>
+    <p:sldId id="283" r:id="rId29"/>
+    <p:sldId id="284" r:id="rId30"/>
+    <p:sldId id="285" r:id="rId31"/>
+    <p:sldId id="286" r:id="rId32"/>
+    <p:sldId id="287" r:id="rId33"/>
   </p:sldIdLst>
   <p:sldSz cx="12192000" cy="6858000"/>
   <p:notesSz cx="6858000" cy="9144000"/>
@@ -265,7 +274,7 @@
           <a:p>
             <a:fld id="{4862ADAC-14D0-4FE5-975F-B23D4C382902}" type="datetimeFigureOut">
               <a:rPr kumimoji="1" lang="ja-JP" altLang="en-US" smtClean="0"/>
-              <a:t>2025/9/8</a:t>
+              <a:t>2025/10/5</a:t>
             </a:fld>
             <a:endParaRPr kumimoji="1" lang="ja-JP" altLang="en-US"/>
           </a:p>
@@ -467,7 +476,7 @@
           <a:p>
             <a:fld id="{4862ADAC-14D0-4FE5-975F-B23D4C382902}" type="datetimeFigureOut">
               <a:rPr kumimoji="1" lang="ja-JP" altLang="en-US" smtClean="0"/>
-              <a:t>2025/9/8</a:t>
+              <a:t>2025/10/5</a:t>
             </a:fld>
             <a:endParaRPr kumimoji="1" lang="ja-JP" altLang="en-US"/>
           </a:p>
@@ -679,7 +688,7 @@
           <a:p>
             <a:fld id="{4862ADAC-14D0-4FE5-975F-B23D4C382902}" type="datetimeFigureOut">
               <a:rPr kumimoji="1" lang="ja-JP" altLang="en-US" smtClean="0"/>
-              <a:t>2025/9/8</a:t>
+              <a:t>2025/10/5</a:t>
             </a:fld>
             <a:endParaRPr kumimoji="1" lang="ja-JP" altLang="en-US"/>
           </a:p>
@@ -881,7 +890,7 @@
           <a:p>
             <a:fld id="{4862ADAC-14D0-4FE5-975F-B23D4C382902}" type="datetimeFigureOut">
               <a:rPr kumimoji="1" lang="ja-JP" altLang="en-US" smtClean="0"/>
-              <a:t>2025/9/8</a:t>
+              <a:t>2025/10/5</a:t>
             </a:fld>
             <a:endParaRPr kumimoji="1" lang="ja-JP" altLang="en-US"/>
           </a:p>
@@ -1127,7 +1136,7 @@
           <a:p>
             <a:fld id="{4862ADAC-14D0-4FE5-975F-B23D4C382902}" type="datetimeFigureOut">
               <a:rPr kumimoji="1" lang="ja-JP" altLang="en-US" smtClean="0"/>
-              <a:t>2025/9/8</a:t>
+              <a:t>2025/10/5</a:t>
             </a:fld>
             <a:endParaRPr kumimoji="1" lang="ja-JP" altLang="en-US"/>
           </a:p>
@@ -1423,7 +1432,7 @@
           <a:p>
             <a:fld id="{4862ADAC-14D0-4FE5-975F-B23D4C382902}" type="datetimeFigureOut">
               <a:rPr kumimoji="1" lang="ja-JP" altLang="en-US" smtClean="0"/>
-              <a:t>2025/9/8</a:t>
+              <a:t>2025/10/5</a:t>
             </a:fld>
             <a:endParaRPr kumimoji="1" lang="ja-JP" altLang="en-US"/>
           </a:p>
@@ -1854,7 +1863,7 @@
           <a:p>
             <a:fld id="{4862ADAC-14D0-4FE5-975F-B23D4C382902}" type="datetimeFigureOut">
               <a:rPr kumimoji="1" lang="ja-JP" altLang="en-US" smtClean="0"/>
-              <a:t>2025/9/8</a:t>
+              <a:t>2025/10/5</a:t>
             </a:fld>
             <a:endParaRPr kumimoji="1" lang="ja-JP" altLang="en-US"/>
           </a:p>
@@ -1972,7 +1981,7 @@
           <a:p>
             <a:fld id="{4862ADAC-14D0-4FE5-975F-B23D4C382902}" type="datetimeFigureOut">
               <a:rPr kumimoji="1" lang="ja-JP" altLang="en-US" smtClean="0"/>
-              <a:t>2025/9/8</a:t>
+              <a:t>2025/10/5</a:t>
             </a:fld>
             <a:endParaRPr kumimoji="1" lang="ja-JP" altLang="en-US"/>
           </a:p>
@@ -2067,7 +2076,7 @@
           <a:p>
             <a:fld id="{4862ADAC-14D0-4FE5-975F-B23D4C382902}" type="datetimeFigureOut">
               <a:rPr kumimoji="1" lang="ja-JP" altLang="en-US" smtClean="0"/>
-              <a:t>2025/9/8</a:t>
+              <a:t>2025/10/5</a:t>
             </a:fld>
             <a:endParaRPr kumimoji="1" lang="ja-JP" altLang="en-US"/>
           </a:p>
@@ -2376,7 +2385,7 @@
           <a:p>
             <a:fld id="{4862ADAC-14D0-4FE5-975F-B23D4C382902}" type="datetimeFigureOut">
               <a:rPr kumimoji="1" lang="ja-JP" altLang="en-US" smtClean="0"/>
-              <a:t>2025/9/8</a:t>
+              <a:t>2025/10/5</a:t>
             </a:fld>
             <a:endParaRPr kumimoji="1" lang="ja-JP" altLang="en-US"/>
           </a:p>
@@ -2629,7 +2638,7 @@
           <a:p>
             <a:fld id="{4862ADAC-14D0-4FE5-975F-B23D4C382902}" type="datetimeFigureOut">
               <a:rPr kumimoji="1" lang="ja-JP" altLang="en-US" smtClean="0"/>
-              <a:t>2025/9/8</a:t>
+              <a:t>2025/10/5</a:t>
             </a:fld>
             <a:endParaRPr kumimoji="1" lang="ja-JP" altLang="en-US"/>
           </a:p>
@@ -2874,7 +2883,7 @@
           <a:p>
             <a:fld id="{4862ADAC-14D0-4FE5-975F-B23D4C382902}" type="datetimeFigureOut">
               <a:rPr kumimoji="1" lang="ja-JP" altLang="en-US" smtClean="0"/>
-              <a:t>2025/9/8</a:t>
+              <a:t>2025/10/5</a:t>
             </a:fld>
             <a:endParaRPr kumimoji="1" lang="ja-JP" altLang="en-US"/>
           </a:p>
@@ -12513,8 +12522,8 @@
           </a:p>
         </p:txBody>
       </p:sp>
-      <mc:AlternateContent xmlns:mc="http://schemas.openxmlformats.org/markup-compatibility/2006">
-        <mc:Choice xmlns:a14="http://schemas.microsoft.com/office/drawing/2010/main" Requires="a14">
+      <mc:AlternateContent xmlns:mc="http://schemas.openxmlformats.org/markup-compatibility/2006" xmlns:a14="http://schemas.microsoft.com/office/drawing/2010/main">
+        <mc:Choice Requires="a14">
           <p:sp>
             <p:nvSpPr>
               <p:cNvPr id="3" name="コンテンツ プレースホルダー 2"/>
@@ -13174,11 +13183,7 @@
                 </a14:m>
                 <a:r>
                   <a:rPr lang="ja-JP" altLang="en-US" sz="2000" dirty="0" smtClean="0"/>
-                  <a:t>に関する特殊系である</a:t>
-                </a:r>
-                <a:r>
-                  <a:rPr lang="ja-JP" altLang="en-US" sz="2000" dirty="0" smtClean="0"/>
-                  <a:t>。</a:t>
+                  <a:t>に関する特殊系である。</a:t>
                 </a:r>
                 <a:endParaRPr lang="en-US" altLang="ja-JP" sz="2000" dirty="0" smtClean="0"/>
               </a:p>
@@ -13335,7 +13340,7 @@
                     <m:f>
                       <m:fPr>
                         <m:ctrlPr>
-                          <a:rPr lang="en-US" altLang="ja-JP" sz="2000" b="0" i="0" smtClean="0">
+                          <a:rPr lang="en-US" altLang="ja-JP" sz="2000" b="0" i="1" smtClean="0">
                             <a:latin typeface="Cambria Math" panose="02040503050406030204" pitchFamily="18" charset="0"/>
                           </a:rPr>
                         </m:ctrlPr>
@@ -13437,7 +13442,7 @@
             </p:txBody>
           </p:sp>
         </mc:Choice>
-        <mc:Fallback>
+        <mc:Fallback xmlns="">
           <p:sp>
             <p:nvSpPr>
               <p:cNvPr id="3" name="コンテンツ プレースホルダー 2"/>
@@ -13820,8 +13825,8 @@
           </a:p>
         </p:txBody>
       </p:sp>
-      <mc:AlternateContent xmlns:mc="http://schemas.openxmlformats.org/markup-compatibility/2006">
-        <mc:Choice xmlns:a14="http://schemas.microsoft.com/office/drawing/2010/main" Requires="a14">
+      <mc:AlternateContent xmlns:mc="http://schemas.openxmlformats.org/markup-compatibility/2006" xmlns:a14="http://schemas.microsoft.com/office/drawing/2010/main">
+        <mc:Choice Requires="a14">
           <p:sp>
             <p:nvSpPr>
               <p:cNvPr id="3" name="コンテンツ プレースホルダー 2"/>
@@ -14931,7 +14936,7 @@
             </p:txBody>
           </p:sp>
         </mc:Choice>
-        <mc:Fallback>
+        <mc:Fallback xmlns="">
           <p:sp>
             <p:nvSpPr>
               <p:cNvPr id="3" name="コンテンツ プレースホルダー 2"/>
@@ -15023,19 +15028,11 @@
           <a:p>
             <a:r>
               <a:rPr lang="en-US" altLang="ja-JP" sz="2800" dirty="0" smtClean="0"/>
-              <a:t>§</a:t>
-            </a:r>
-            <a:r>
-              <a:rPr lang="en-US" altLang="ja-JP" sz="2800" dirty="0" smtClean="0"/>
-              <a:t>3.3</a:t>
+              <a:t>§3.3</a:t>
             </a:r>
             <a:r>
               <a:rPr lang="ja-JP" altLang="en-US" sz="2800" dirty="0" smtClean="0"/>
-              <a:t>　</a:t>
-            </a:r>
-            <a:r>
-              <a:rPr lang="ja-JP" altLang="en-US" sz="2800" dirty="0" smtClean="0"/>
-              <a:t>平均分散分析を可能とする効用関数と確率分布</a:t>
+              <a:t>　平均分散分析を可能とする効用関数と確率分布</a:t>
             </a:r>
             <a:endParaRPr kumimoji="1" lang="ja-JP" altLang="en-US" sz="2800" dirty="0"/>
           </a:p>
@@ -15174,26 +15171,18 @@
           <a:p>
             <a:r>
               <a:rPr lang="en-US" altLang="ja-JP" sz="2800" dirty="0" smtClean="0"/>
-              <a:t>§</a:t>
-            </a:r>
-            <a:r>
-              <a:rPr lang="en-US" altLang="ja-JP" sz="2800" dirty="0" smtClean="0"/>
-              <a:t>3.3</a:t>
+              <a:t>§3.3</a:t>
             </a:r>
             <a:r>
               <a:rPr lang="ja-JP" altLang="en-US" sz="2800" dirty="0" smtClean="0"/>
-              <a:t>　</a:t>
-            </a:r>
-            <a:r>
-              <a:rPr lang="ja-JP" altLang="en-US" sz="2800" dirty="0" smtClean="0"/>
-              <a:t>平均分散分析を可能とする効用関数と確率分布</a:t>
+              <a:t>　平均分散分析を可能とする効用関数と確率分布</a:t>
             </a:r>
             <a:endParaRPr kumimoji="1" lang="ja-JP" altLang="en-US" sz="2800" dirty="0"/>
           </a:p>
         </p:txBody>
       </p:sp>
-      <mc:AlternateContent xmlns:mc="http://schemas.openxmlformats.org/markup-compatibility/2006">
-        <mc:Choice xmlns:a14="http://schemas.microsoft.com/office/drawing/2010/main" Requires="a14">
+      <mc:AlternateContent xmlns:mc="http://schemas.openxmlformats.org/markup-compatibility/2006" xmlns:a14="http://schemas.microsoft.com/office/drawing/2010/main">
+        <mc:Choice Requires="a14">
           <p:sp>
             <p:nvSpPr>
               <p:cNvPr id="3" name="コンテンツ プレースホルダー 2"/>
@@ -15308,7 +15297,13 @@
                       <a:rPr lang="en-US" altLang="ja-JP" sz="2000" b="0" i="1" smtClean="0">
                         <a:latin typeface="Cambria Math" panose="02040503050406030204" pitchFamily="18" charset="0"/>
                       </a:rPr>
-                      <m:t>+2</m:t>
+                      <m:t>+</m:t>
+                    </m:r>
+                    <m:r>
+                      <a:rPr lang="en-US" altLang="ja-JP" sz="2000" b="0" i="1" smtClean="0">
+                        <a:latin typeface="Cambria Math" panose="02040503050406030204" pitchFamily="18" charset="0"/>
+                      </a:rPr>
+                      <m:t>2</m:t>
                     </m:r>
                     <m:r>
                       <a:rPr lang="en-US" altLang="ja-JP" sz="2000" b="0" i="1" smtClean="0">
@@ -15834,7 +15829,13 @@
                                 <a:rPr lang="en-US" altLang="ja-JP" sz="2000" b="0" i="1" smtClean="0">
                                   <a:latin typeface="Cambria Math" panose="02040503050406030204" pitchFamily="18" charset="0"/>
                                 </a:rPr>
-                                <m:t>1+</m:t>
+                                <m:t>1</m:t>
+                              </m:r>
+                              <m:r>
+                                <a:rPr lang="en-US" altLang="ja-JP" sz="2000" b="0" i="1" smtClean="0">
+                                  <a:latin typeface="Cambria Math" panose="02040503050406030204" pitchFamily="18" charset="0"/>
+                                </a:rPr>
+                                <m:t>+</m:t>
                               </m:r>
                               <m:sSub>
                                 <m:sSubPr>
@@ -15974,7 +15975,13 @@
                                 <a:rPr lang="en-US" altLang="ja-JP" sz="2000" b="0" i="1" smtClean="0">
                                   <a:latin typeface="Cambria Math" panose="02040503050406030204" pitchFamily="18" charset="0"/>
                                 </a:rPr>
-                                <m:t>1+</m:t>
+                                <m:t>1</m:t>
+                              </m:r>
+                              <m:r>
+                                <a:rPr lang="en-US" altLang="ja-JP" sz="2000" b="0" i="1" smtClean="0">
+                                  <a:latin typeface="Cambria Math" panose="02040503050406030204" pitchFamily="18" charset="0"/>
+                                </a:rPr>
+                                <m:t>+</m:t>
                               </m:r>
                               <m:sSub>
                                 <m:sSubPr>
@@ -16147,7 +16154,13 @@
                                     <a:rPr lang="en-US" altLang="ja-JP" sz="2000" b="0" i="1" smtClean="0">
                                       <a:latin typeface="Cambria Math" panose="02040503050406030204" pitchFamily="18" charset="0"/>
                                     </a:rPr>
-                                    <m:t>1+</m:t>
+                                    <m:t>1</m:t>
+                                  </m:r>
+                                  <m:r>
+                                    <a:rPr lang="en-US" altLang="ja-JP" sz="2000" b="0" i="1" smtClean="0">
+                                      <a:latin typeface="Cambria Math" panose="02040503050406030204" pitchFamily="18" charset="0"/>
+                                    </a:rPr>
+                                    <m:t>+</m:t>
                                   </m:r>
                                   <m:sSub>
                                     <m:sSubPr>
@@ -16192,7 +16205,13 @@
                         <a:rPr lang="en-US" altLang="ja-JP" sz="2000" b="0" i="1" smtClean="0">
                           <a:latin typeface="Cambria Math" panose="02040503050406030204" pitchFamily="18" charset="0"/>
                         </a:rPr>
-                        <m:t>+2</m:t>
+                        <m:t>+</m:t>
+                      </m:r>
+                      <m:r>
+                        <a:rPr lang="en-US" altLang="ja-JP" sz="2000" b="0" i="1" smtClean="0">
+                          <a:latin typeface="Cambria Math" panose="02040503050406030204" pitchFamily="18" charset="0"/>
+                        </a:rPr>
+                        <m:t>2</m:t>
                       </m:r>
                       <m:r>
                         <a:rPr lang="en-US" altLang="ja-JP" sz="2000" b="0" i="1" smtClean="0">
@@ -16238,7 +16257,13 @@
                             <a:rPr lang="en-US" altLang="ja-JP" sz="2000" b="0" i="1" smtClean="0">
                               <a:latin typeface="Cambria Math" panose="02040503050406030204" pitchFamily="18" charset="0"/>
                             </a:rPr>
-                            <m:t>1+</m:t>
+                            <m:t>1</m:t>
+                          </m:r>
+                          <m:r>
+                            <a:rPr lang="en-US" altLang="ja-JP" sz="2000" b="0" i="1" smtClean="0">
+                              <a:latin typeface="Cambria Math" panose="02040503050406030204" pitchFamily="18" charset="0"/>
+                            </a:rPr>
+                            <m:t>+</m:t>
                           </m:r>
                           <m:sSub>
                             <m:sSubPr>
@@ -16472,7 +16497,13 @@
                         <a:rPr lang="en-US" altLang="ja-JP" sz="2000" b="0" i="1" smtClean="0">
                           <a:latin typeface="Cambria Math" panose="02040503050406030204" pitchFamily="18" charset="0"/>
                         </a:rPr>
-                        <m:t>=−2</m:t>
+                        <m:t>=−</m:t>
+                      </m:r>
+                      <m:r>
+                        <a:rPr lang="en-US" altLang="ja-JP" sz="2000" b="0" i="1" smtClean="0">
+                          <a:latin typeface="Cambria Math" panose="02040503050406030204" pitchFamily="18" charset="0"/>
+                        </a:rPr>
+                        <m:t>2</m:t>
                       </m:r>
                       <m:sSubSup>
                         <m:sSubSupPr>
@@ -16520,7 +16551,13 @@
                             <a:rPr lang="en-US" altLang="ja-JP" sz="2000" b="0" i="1" smtClean="0">
                               <a:latin typeface="Cambria Math" panose="02040503050406030204" pitchFamily="18" charset="0"/>
                             </a:rPr>
-                            <m:t>1+</m:t>
+                            <m:t>1</m:t>
+                          </m:r>
+                          <m:r>
+                            <a:rPr lang="en-US" altLang="ja-JP" sz="2000" b="0" i="1" smtClean="0">
+                              <a:latin typeface="Cambria Math" panose="02040503050406030204" pitchFamily="18" charset="0"/>
+                            </a:rPr>
+                            <m:t>+</m:t>
                           </m:r>
                           <m:sSub>
                             <m:sSubPr>
@@ -16553,7 +16590,13 @@
                         <a:rPr lang="en-US" altLang="ja-JP" sz="2000" b="0" i="1" smtClean="0">
                           <a:latin typeface="Cambria Math" panose="02040503050406030204" pitchFamily="18" charset="0"/>
                         </a:rPr>
-                        <m:t>+2</m:t>
+                        <m:t>+</m:t>
+                      </m:r>
+                      <m:r>
+                        <a:rPr lang="en-US" altLang="ja-JP" sz="2000" b="0" i="1" smtClean="0">
+                          <a:latin typeface="Cambria Math" panose="02040503050406030204" pitchFamily="18" charset="0"/>
+                        </a:rPr>
+                        <m:t>2</m:t>
                       </m:r>
                       <m:r>
                         <a:rPr lang="en-US" altLang="ja-JP" sz="2000" b="0" i="1" smtClean="0">
@@ -16590,7 +16633,13 @@
                         <a:rPr lang="en-US" altLang="ja-JP" sz="2000" b="0" i="1" smtClean="0">
                           <a:latin typeface="Cambria Math" panose="02040503050406030204" pitchFamily="18" charset="0"/>
                         </a:rPr>
-                        <m:t>=2</m:t>
+                        <m:t>=</m:t>
+                      </m:r>
+                      <m:r>
+                        <a:rPr lang="en-US" altLang="ja-JP" sz="2000" b="0" i="1" smtClean="0">
+                          <a:latin typeface="Cambria Math" panose="02040503050406030204" pitchFamily="18" charset="0"/>
+                        </a:rPr>
+                        <m:t>2</m:t>
                       </m:r>
                       <m:sSub>
                         <m:sSubPr>
@@ -16682,7 +16731,13 @@
                                 <a:rPr lang="en-US" altLang="ja-JP" sz="2000" b="0" i="1" smtClean="0">
                                   <a:latin typeface="Cambria Math" panose="02040503050406030204" pitchFamily="18" charset="0"/>
                                 </a:rPr>
-                                <m:t>1+</m:t>
+                                <m:t>1</m:t>
+                              </m:r>
+                              <m:r>
+                                <a:rPr lang="en-US" altLang="ja-JP" sz="2000" b="0" i="1" smtClean="0">
+                                  <a:latin typeface="Cambria Math" panose="02040503050406030204" pitchFamily="18" charset="0"/>
+                                </a:rPr>
+                                <m:t>+</m:t>
                               </m:r>
                               <m:sSub>
                                 <m:sSubPr>
@@ -16717,7 +16772,13 @@
                         <a:rPr lang="en-US" altLang="ja-JP" sz="2000" b="0" i="1" smtClean="0">
                           <a:latin typeface="Cambria Math" panose="02040503050406030204" pitchFamily="18" charset="0"/>
                         </a:rPr>
-                        <m:t>&gt;0</m:t>
+                        <m:t>&gt;</m:t>
+                      </m:r>
+                      <m:r>
+                        <a:rPr lang="en-US" altLang="ja-JP" sz="2000" b="0" i="1" smtClean="0">
+                          <a:latin typeface="Cambria Math" panose="02040503050406030204" pitchFamily="18" charset="0"/>
+                        </a:rPr>
+                        <m:t>0</m:t>
                       </m:r>
                     </m:oMath>
                   </m:oMathPara>
@@ -16889,7 +16950,13 @@
                         <a:rPr lang="en-US" altLang="ja-JP" sz="2000" b="0" i="1" smtClean="0">
                           <a:latin typeface="Cambria Math" panose="02040503050406030204" pitchFamily="18" charset="0"/>
                         </a:rPr>
-                        <m:t>&lt;0</m:t>
+                        <m:t>&lt;</m:t>
+                      </m:r>
+                      <m:r>
+                        <a:rPr lang="en-US" altLang="ja-JP" sz="2000" b="0" i="1" smtClean="0">
+                          <a:latin typeface="Cambria Math" panose="02040503050406030204" pitchFamily="18" charset="0"/>
+                        </a:rPr>
+                        <m:t>0</m:t>
                       </m:r>
                     </m:oMath>
                   </m:oMathPara>
@@ -16919,7 +16986,7 @@
             </p:txBody>
           </p:sp>
         </mc:Choice>
-        <mc:Fallback>
+        <mc:Fallback xmlns="">
           <p:sp>
             <p:nvSpPr>
               <p:cNvPr id="3" name="コンテンツ プレースホルダー 2"/>
@@ -17011,26 +17078,18 @@
           <a:p>
             <a:r>
               <a:rPr lang="en-US" altLang="ja-JP" sz="2800" dirty="0" smtClean="0"/>
-              <a:t>§</a:t>
-            </a:r>
-            <a:r>
-              <a:rPr lang="en-US" altLang="ja-JP" sz="2800" dirty="0" smtClean="0"/>
-              <a:t>3.3</a:t>
+              <a:t>§3.3</a:t>
             </a:r>
             <a:r>
               <a:rPr lang="ja-JP" altLang="en-US" sz="2800" dirty="0" smtClean="0"/>
-              <a:t>　</a:t>
-            </a:r>
-            <a:r>
-              <a:rPr lang="ja-JP" altLang="en-US" sz="2800" dirty="0" smtClean="0"/>
-              <a:t>平均分散分析を可能とする効用関数と確率分布</a:t>
+              <a:t>　平均分散分析を可能とする効用関数と確率分布</a:t>
             </a:r>
             <a:endParaRPr kumimoji="1" lang="ja-JP" altLang="en-US" sz="2800" dirty="0"/>
           </a:p>
         </p:txBody>
       </p:sp>
-      <mc:AlternateContent xmlns:mc="http://schemas.openxmlformats.org/markup-compatibility/2006">
-        <mc:Choice xmlns:a14="http://schemas.microsoft.com/office/drawing/2010/main" Requires="a14">
+      <mc:AlternateContent xmlns:mc="http://schemas.openxmlformats.org/markup-compatibility/2006" xmlns:a14="http://schemas.microsoft.com/office/drawing/2010/main">
+        <mc:Choice Requires="a14">
           <p:sp>
             <p:nvSpPr>
               <p:cNvPr id="3" name="コンテンツ プレースホルダー 2"/>
@@ -17106,11 +17165,7 @@
                 </a14:m>
                 <a:r>
                   <a:rPr lang="ja-JP" altLang="en-US" sz="2000" dirty="0" smtClean="0"/>
-                  <a:t>とする。</a:t>
-                </a:r>
-                <a:r>
-                  <a:rPr lang="ja-JP" altLang="en-US" sz="2000" dirty="0" smtClean="0"/>
-                  <a:t>ここで、効用関数の高次の微分が</a:t>
+                  <a:t>とする。ここで、効用関数の高次の微分が</a:t>
                 </a:r>
                 <a:r>
                   <a:rPr lang="en-US" altLang="ja-JP" sz="2000" dirty="0" smtClean="0"/>
@@ -19018,7 +19073,7 @@
             </p:txBody>
           </p:sp>
         </mc:Choice>
-        <mc:Fallback>
+        <mc:Fallback xmlns="">
           <p:sp>
             <p:nvSpPr>
               <p:cNvPr id="3" name="コンテンツ プレースホルダー 2"/>
@@ -19095,6 +19150,4171 @@
     <p:extLst>
       <p:ext uri="{BB962C8B-B14F-4D97-AF65-F5344CB8AC3E}">
         <p14:creationId xmlns:p14="http://schemas.microsoft.com/office/powerpoint/2010/main" val="2212322746"/>
+      </p:ext>
+    </p:extLst>
+  </p:cSld>
+  <p:clrMapOvr>
+    <a:masterClrMapping/>
+  </p:clrMapOvr>
+</p:sld>
+</file>
+
+<file path=ppt/slides/slide24.xml><?xml version="1.0" encoding="utf-8"?>
+<p:sld xmlns:a="http://schemas.openxmlformats.org/drawingml/2006/main" xmlns:r="http://schemas.openxmlformats.org/officeDocument/2006/relationships" xmlns:p="http://schemas.openxmlformats.org/presentationml/2006/main">
+  <p:cSld>
+    <p:spTree>
+      <p:nvGrpSpPr>
+        <p:cNvPr id="1" name=""/>
+        <p:cNvGrpSpPr/>
+        <p:nvPr/>
+      </p:nvGrpSpPr>
+      <p:grpSpPr>
+        <a:xfrm>
+          <a:off x="0" y="0"/>
+          <a:ext cx="0" cy="0"/>
+          <a:chOff x="0" y="0"/>
+          <a:chExt cx="0" cy="0"/>
+        </a:xfrm>
+      </p:grpSpPr>
+      <p:sp>
+        <p:nvSpPr>
+          <p:cNvPr id="2" name="タイトル 1"/>
+          <p:cNvSpPr>
+            <a:spLocks noGrp="1"/>
+          </p:cNvSpPr>
+          <p:nvPr>
+            <p:ph type="title"/>
+          </p:nvPr>
+        </p:nvSpPr>
+        <p:spPr>
+          <a:xfrm>
+            <a:off x="838200" y="2480172"/>
+            <a:ext cx="10515600" cy="1325563"/>
+          </a:xfrm>
+        </p:spPr>
+        <p:txBody>
+          <a:bodyPr>
+            <a:normAutofit/>
+          </a:bodyPr>
+          <a:lstStyle/>
+          <a:p>
+            <a:pPr algn="ctr"/>
+            <a:r>
+              <a:rPr kumimoji="1" lang="ja-JP" altLang="en-US" sz="4000" dirty="0" smtClean="0"/>
+              <a:t>第</a:t>
+            </a:r>
+            <a:r>
+              <a:rPr lang="en-US" altLang="ja-JP" sz="4000" dirty="0"/>
+              <a:t>4</a:t>
+            </a:r>
+            <a:r>
+              <a:rPr lang="ja-JP" altLang="en-US" sz="4000" dirty="0" smtClean="0"/>
+              <a:t>節</a:t>
+            </a:r>
+            <a:r>
+              <a:rPr lang="ja-JP" altLang="en-US" sz="4000" dirty="0" smtClean="0"/>
+              <a:t>　</a:t>
+            </a:r>
+            <a:r>
+              <a:rPr lang="ja-JP" altLang="en-US" sz="4000" dirty="0" smtClean="0"/>
+              <a:t>平均・分散分析と</a:t>
+            </a:r>
+            <a:r>
+              <a:rPr lang="en-US" altLang="ja-JP" sz="4000" dirty="0" smtClean="0"/>
+              <a:t>CAPM</a:t>
+            </a:r>
+            <a:endParaRPr kumimoji="1" lang="ja-JP" altLang="en-US" sz="4000" dirty="0"/>
+          </a:p>
+        </p:txBody>
+      </p:sp>
+    </p:spTree>
+    <p:extLst>
+      <p:ext uri="{BB962C8B-B14F-4D97-AF65-F5344CB8AC3E}">
+        <p14:creationId xmlns:p14="http://schemas.microsoft.com/office/powerpoint/2010/main" val="1405364100"/>
+      </p:ext>
+    </p:extLst>
+  </p:cSld>
+  <p:clrMapOvr>
+    <a:masterClrMapping/>
+  </p:clrMapOvr>
+</p:sld>
+</file>
+
+<file path=ppt/slides/slide25.xml><?xml version="1.0" encoding="utf-8"?>
+<p:sld xmlns:a="http://schemas.openxmlformats.org/drawingml/2006/main" xmlns:r="http://schemas.openxmlformats.org/officeDocument/2006/relationships" xmlns:p="http://schemas.openxmlformats.org/presentationml/2006/main">
+  <p:cSld>
+    <p:spTree>
+      <p:nvGrpSpPr>
+        <p:cNvPr id="1" name=""/>
+        <p:cNvGrpSpPr/>
+        <p:nvPr/>
+      </p:nvGrpSpPr>
+      <p:grpSpPr>
+        <a:xfrm>
+          <a:off x="0" y="0"/>
+          <a:ext cx="0" cy="0"/>
+          <a:chOff x="0" y="0"/>
+          <a:chExt cx="0" cy="0"/>
+        </a:xfrm>
+      </p:grpSpPr>
+      <p:sp>
+        <p:nvSpPr>
+          <p:cNvPr id="2" name="タイトル 1"/>
+          <p:cNvSpPr>
+            <a:spLocks noGrp="1"/>
+          </p:cNvSpPr>
+          <p:nvPr>
+            <p:ph type="title"/>
+          </p:nvPr>
+        </p:nvSpPr>
+        <p:spPr>
+          <a:xfrm>
+            <a:off x="838200" y="365126"/>
+            <a:ext cx="10515600" cy="700350"/>
+          </a:xfrm>
+        </p:spPr>
+        <p:txBody>
+          <a:bodyPr>
+            <a:normAutofit/>
+          </a:bodyPr>
+          <a:lstStyle/>
+          <a:p>
+            <a:r>
+              <a:rPr lang="en-US" altLang="ja-JP" sz="2800" dirty="0" smtClean="0"/>
+              <a:t>§4.1</a:t>
+            </a:r>
+            <a:r>
+              <a:rPr lang="ja-JP" altLang="en-US" sz="2800" dirty="0" smtClean="0"/>
+              <a:t>　</a:t>
+            </a:r>
+            <a:r>
+              <a:rPr lang="ja-JP" altLang="en-US" sz="2800" dirty="0" smtClean="0"/>
+              <a:t>平均・分散分析</a:t>
+            </a:r>
+            <a:endParaRPr kumimoji="1" lang="ja-JP" altLang="en-US" sz="2800" dirty="0"/>
+          </a:p>
+        </p:txBody>
+      </p:sp>
+      <p:sp>
+        <p:nvSpPr>
+          <p:cNvPr id="3" name="コンテンツ プレースホルダー 2"/>
+          <p:cNvSpPr>
+            <a:spLocks noGrp="1"/>
+          </p:cNvSpPr>
+          <p:nvPr>
+            <p:ph idx="1"/>
+          </p:nvPr>
+        </p:nvSpPr>
+        <p:spPr>
+          <a:xfrm>
+            <a:off x="838200" y="1065476"/>
+            <a:ext cx="10515600" cy="5412962"/>
+          </a:xfrm>
+        </p:spPr>
+        <p:txBody>
+          <a:bodyPr>
+            <a:normAutofit/>
+          </a:bodyPr>
+          <a:lstStyle/>
+          <a:p>
+            <a:pPr marL="0" indent="0">
+              <a:buNone/>
+            </a:pPr>
+            <a:r>
+              <a:rPr lang="ja-JP" altLang="en-US" sz="2000" dirty="0" smtClean="0"/>
+              <a:t>前節までで、ある制約の下で期待効用を最大化するポートフォリオは、その投資収益率の期待値と分散のみであらわせることを確認した。</a:t>
+            </a:r>
+            <a:endParaRPr lang="en-US" altLang="ja-JP" sz="2000" dirty="0" smtClean="0"/>
+          </a:p>
+          <a:p>
+            <a:pPr marL="0" indent="0">
+              <a:buNone/>
+            </a:pPr>
+            <a:r>
+              <a:rPr lang="ja-JP" altLang="en-US" sz="2000" dirty="0"/>
+              <a:t>本節</a:t>
+            </a:r>
+            <a:r>
+              <a:rPr lang="ja-JP" altLang="en-US" sz="2000" dirty="0" smtClean="0"/>
+              <a:t>では、複数のリスク性資産の組み入れ比率の決定方法を明らかにする。</a:t>
+            </a:r>
+            <a:endParaRPr lang="en-US" altLang="ja-JP" sz="2000" dirty="0" smtClean="0"/>
+          </a:p>
+          <a:p>
+            <a:pPr marL="0" indent="0">
+              <a:buNone/>
+            </a:pPr>
+            <a:endParaRPr lang="en-US" altLang="ja-JP" sz="2000" dirty="0"/>
+          </a:p>
+          <a:p>
+            <a:pPr marL="0" indent="0">
+              <a:buNone/>
+            </a:pPr>
+            <a:r>
+              <a:rPr lang="ja-JP" altLang="en-US" sz="2000" dirty="0" smtClean="0"/>
+              <a:t>投資家が投資収益率の期待値と分散以外に関心を持たず、同じ分散ならより大きい期待リターンを、同じ期待リターンならより小さな分散を選好する時、その投資家は</a:t>
+            </a:r>
+            <a:r>
+              <a:rPr lang="ja-JP" altLang="en-US" sz="2000" b="1" dirty="0" smtClean="0"/>
+              <a:t>平均・分散選好（</a:t>
+            </a:r>
+            <a:r>
+              <a:rPr lang="en-US" altLang="ja-JP" sz="2000" b="1" dirty="0" smtClean="0"/>
+              <a:t>Mean Variance </a:t>
+            </a:r>
+            <a:r>
+              <a:rPr lang="en-US" altLang="ja-JP" sz="2000" b="1" dirty="0" err="1" smtClean="0"/>
+              <a:t>Preferance</a:t>
+            </a:r>
+            <a:r>
+              <a:rPr lang="ja-JP" altLang="en-US" sz="2000" b="1" dirty="0" smtClean="0"/>
+              <a:t>）</a:t>
+            </a:r>
+            <a:r>
+              <a:rPr lang="ja-JP" altLang="en-US" sz="2000" dirty="0" smtClean="0"/>
+              <a:t>を持つという。</a:t>
+            </a:r>
+            <a:endParaRPr lang="en-US" altLang="ja-JP" sz="2000" dirty="0" smtClean="0"/>
+          </a:p>
+          <a:p>
+            <a:pPr marL="0" indent="0">
+              <a:buNone/>
+            </a:pPr>
+            <a:r>
+              <a:rPr lang="ja-JP" altLang="en-US" sz="2000" dirty="0" smtClean="0"/>
+              <a:t>このとき、効用関数の情報を明示的に扱う必要がなくなり、分析は単純になる。</a:t>
+            </a:r>
+            <a:endParaRPr lang="en-US" altLang="ja-JP" sz="2000" dirty="0" smtClean="0"/>
+          </a:p>
+          <a:p>
+            <a:pPr marL="0" indent="0">
+              <a:buNone/>
+            </a:pPr>
+            <a:r>
+              <a:rPr lang="ja-JP" altLang="en-US" sz="2000" dirty="0" smtClean="0"/>
+              <a:t>すなわち、リスク・リターン平面で幾何学的に扱うことが可能になる。</a:t>
+            </a:r>
+            <a:endParaRPr lang="en-US" altLang="ja-JP" sz="2000" dirty="0" smtClean="0"/>
+          </a:p>
+          <a:p>
+            <a:pPr marL="0" indent="0">
+              <a:buNone/>
+            </a:pPr>
+            <a:endParaRPr lang="en-US" altLang="ja-JP" sz="2000" dirty="0"/>
+          </a:p>
+        </p:txBody>
+      </p:sp>
+    </p:spTree>
+    <p:extLst>
+      <p:ext uri="{BB962C8B-B14F-4D97-AF65-F5344CB8AC3E}">
+        <p14:creationId xmlns:p14="http://schemas.microsoft.com/office/powerpoint/2010/main" val="1274889059"/>
+      </p:ext>
+    </p:extLst>
+  </p:cSld>
+  <p:clrMapOvr>
+    <a:masterClrMapping/>
+  </p:clrMapOvr>
+</p:sld>
+</file>
+
+<file path=ppt/slides/slide26.xml><?xml version="1.0" encoding="utf-8"?>
+<p:sld xmlns:a="http://schemas.openxmlformats.org/drawingml/2006/main" xmlns:r="http://schemas.openxmlformats.org/officeDocument/2006/relationships" xmlns:p="http://schemas.openxmlformats.org/presentationml/2006/main">
+  <p:cSld>
+    <p:spTree>
+      <p:nvGrpSpPr>
+        <p:cNvPr id="1" name=""/>
+        <p:cNvGrpSpPr/>
+        <p:nvPr/>
+      </p:nvGrpSpPr>
+      <p:grpSpPr>
+        <a:xfrm>
+          <a:off x="0" y="0"/>
+          <a:ext cx="0" cy="0"/>
+          <a:chOff x="0" y="0"/>
+          <a:chExt cx="0" cy="0"/>
+        </a:xfrm>
+      </p:grpSpPr>
+      <p:sp>
+        <p:nvSpPr>
+          <p:cNvPr id="2" name="タイトル 1"/>
+          <p:cNvSpPr>
+            <a:spLocks noGrp="1"/>
+          </p:cNvSpPr>
+          <p:nvPr>
+            <p:ph type="title"/>
+          </p:nvPr>
+        </p:nvSpPr>
+        <p:spPr>
+          <a:xfrm>
+            <a:off x="838200" y="365126"/>
+            <a:ext cx="10515600" cy="700350"/>
+          </a:xfrm>
+        </p:spPr>
+        <p:txBody>
+          <a:bodyPr>
+            <a:normAutofit/>
+          </a:bodyPr>
+          <a:lstStyle/>
+          <a:p>
+            <a:r>
+              <a:rPr lang="en-US" altLang="ja-JP" sz="2800" dirty="0" smtClean="0"/>
+              <a:t>§4.1</a:t>
+            </a:r>
+            <a:r>
+              <a:rPr lang="ja-JP" altLang="en-US" sz="2800" dirty="0" smtClean="0"/>
+              <a:t>　</a:t>
+            </a:r>
+            <a:r>
+              <a:rPr lang="ja-JP" altLang="en-US" sz="2800" dirty="0" smtClean="0"/>
+              <a:t>平均・分散分析</a:t>
+            </a:r>
+            <a:endParaRPr kumimoji="1" lang="ja-JP" altLang="en-US" sz="2800" dirty="0"/>
+          </a:p>
+        </p:txBody>
+      </p:sp>
+      <p:sp>
+        <p:nvSpPr>
+          <p:cNvPr id="3" name="コンテンツ プレースホルダー 2"/>
+          <p:cNvSpPr>
+            <a:spLocks noGrp="1"/>
+          </p:cNvSpPr>
+          <p:nvPr>
+            <p:ph idx="1"/>
+          </p:nvPr>
+        </p:nvSpPr>
+        <p:spPr>
+          <a:xfrm>
+            <a:off x="838200" y="1065476"/>
+            <a:ext cx="10515600" cy="5412962"/>
+          </a:xfrm>
+        </p:spPr>
+        <p:txBody>
+          <a:bodyPr>
+            <a:normAutofit/>
+          </a:bodyPr>
+          <a:lstStyle/>
+          <a:p>
+            <a:pPr marL="0" indent="0">
+              <a:buNone/>
+            </a:pPr>
+            <a:r>
+              <a:rPr lang="en-US" altLang="ja-JP" sz="2000" dirty="0" smtClean="0"/>
+              <a:t>【</a:t>
+            </a:r>
+            <a:r>
+              <a:rPr lang="ja-JP" altLang="en-US" sz="2000" dirty="0" smtClean="0"/>
+              <a:t>期待収益率所与の下での分散最小化問題</a:t>
+            </a:r>
+            <a:r>
+              <a:rPr lang="en-US" altLang="ja-JP" sz="2000" dirty="0" smtClean="0"/>
+              <a:t>】</a:t>
+            </a:r>
+          </a:p>
+          <a:p>
+            <a:pPr marL="0" indent="0">
+              <a:buNone/>
+            </a:pPr>
+            <a:endParaRPr lang="en-US" altLang="ja-JP" sz="2000" dirty="0" smtClean="0"/>
+          </a:p>
+          <a:p>
+            <a:pPr marL="0" indent="0">
+              <a:buNone/>
+            </a:pPr>
+            <a:endParaRPr lang="en-US" altLang="ja-JP" sz="2000" dirty="0"/>
+          </a:p>
+          <a:p>
+            <a:pPr marL="0" indent="0">
+              <a:buNone/>
+            </a:pPr>
+            <a:endParaRPr lang="en-US" altLang="ja-JP" sz="2000" dirty="0" smtClean="0"/>
+          </a:p>
+          <a:p>
+            <a:pPr marL="0" indent="0">
+              <a:buNone/>
+            </a:pPr>
+            <a:endParaRPr lang="en-US" altLang="ja-JP" sz="2000" dirty="0" smtClean="0"/>
+          </a:p>
+          <a:p>
+            <a:pPr marL="0" indent="0">
+              <a:buNone/>
+            </a:pPr>
+            <a:r>
+              <a:rPr lang="en-US" altLang="ja-JP" sz="2000" dirty="0" smtClean="0"/>
+              <a:t>【</a:t>
+            </a:r>
+            <a:r>
+              <a:rPr lang="ja-JP" altLang="en-US" sz="2000" dirty="0" smtClean="0"/>
+              <a:t>分散所与の下での期待収益率最大化問題</a:t>
+            </a:r>
+            <a:r>
+              <a:rPr lang="en-US" altLang="ja-JP" sz="2000" dirty="0" smtClean="0"/>
+              <a:t>】</a:t>
+            </a:r>
+          </a:p>
+          <a:p>
+            <a:pPr marL="0" indent="0">
+              <a:buNone/>
+            </a:pPr>
+            <a:endParaRPr lang="en-US" altLang="ja-JP" sz="2000" dirty="0"/>
+          </a:p>
+          <a:p>
+            <a:pPr marL="0" indent="0">
+              <a:buNone/>
+            </a:pPr>
+            <a:endParaRPr lang="en-US" altLang="ja-JP" sz="2000" dirty="0" smtClean="0"/>
+          </a:p>
+          <a:p>
+            <a:pPr marL="0" indent="0">
+              <a:buNone/>
+            </a:pPr>
+            <a:endParaRPr lang="en-US" altLang="ja-JP" sz="2000" dirty="0"/>
+          </a:p>
+          <a:p>
+            <a:pPr marL="0" indent="0">
+              <a:buNone/>
+            </a:pPr>
+            <a:endParaRPr lang="en-US" altLang="ja-JP" sz="2000" dirty="0" smtClean="0"/>
+          </a:p>
+          <a:p>
+            <a:pPr marL="0" indent="0">
+              <a:buNone/>
+            </a:pPr>
+            <a:r>
+              <a:rPr lang="ja-JP" altLang="en-US" sz="2000" dirty="0" smtClean="0"/>
+              <a:t>上記は平均分散分析を用いた最適化問題であり、空売りに</a:t>
+            </a:r>
+            <a:r>
+              <a:rPr lang="ja-JP" altLang="en-US" sz="2000" dirty="0"/>
+              <a:t>制約</a:t>
+            </a:r>
+            <a:r>
+              <a:rPr lang="ja-JP" altLang="en-US" sz="2000" dirty="0" smtClean="0"/>
+              <a:t>がなければ互いに双対な問題である。</a:t>
+            </a:r>
+            <a:endParaRPr lang="en-US" altLang="ja-JP" sz="2000" dirty="0" smtClean="0"/>
+          </a:p>
+          <a:p>
+            <a:pPr marL="0" indent="0">
+              <a:buNone/>
+            </a:pPr>
+            <a:r>
+              <a:rPr lang="ja-JP" altLang="en-US" sz="2000" dirty="0" smtClean="0"/>
+              <a:t>すなわち、同じ効率的フロンティアが導かれる。</a:t>
+            </a:r>
+            <a:endParaRPr lang="en-US" altLang="ja-JP" sz="2000" dirty="0" smtClean="0"/>
+          </a:p>
+          <a:p>
+            <a:pPr marL="0" indent="0">
+              <a:buNone/>
+            </a:pPr>
+            <a:endParaRPr lang="en-US" altLang="ja-JP" sz="2000" dirty="0"/>
+          </a:p>
+        </p:txBody>
+      </p:sp>
+      <mc:AlternateContent xmlns:mc="http://schemas.openxmlformats.org/markup-compatibility/2006">
+        <mc:Choice xmlns:a14="http://schemas.microsoft.com/office/drawing/2010/main" Requires="a14">
+          <p:sp>
+            <p:nvSpPr>
+              <p:cNvPr id="4" name="テキスト ボックス 3"/>
+              <p:cNvSpPr txBox="1"/>
+              <p:nvPr/>
+            </p:nvSpPr>
+            <p:spPr>
+              <a:xfrm>
+                <a:off x="854101" y="1630017"/>
+                <a:ext cx="4842346" cy="1270669"/>
+              </a:xfrm>
+              <a:prstGeom prst="rect">
+                <a:avLst/>
+              </a:prstGeom>
+              <a:noFill/>
+            </p:spPr>
+            <p:txBody>
+              <a:bodyPr wrap="square" rtlCol="0">
+                <a:spAutoFit/>
+              </a:bodyPr>
+              <a:lstStyle/>
+              <a:p>
+                <a:r>
+                  <a:rPr kumimoji="1" lang="en-US" altLang="ja-JP" b="0" dirty="0" smtClean="0"/>
+                  <a:t>	</a:t>
+                </a:r>
+                <a14:m>
+                  <m:oMath xmlns:m="http://schemas.openxmlformats.org/officeDocument/2006/math">
+                    <m:r>
+                      <a:rPr kumimoji="1" lang="en-US" altLang="ja-JP" b="0" i="1" smtClean="0">
+                        <a:latin typeface="Cambria Math" panose="02040503050406030204" pitchFamily="18" charset="0"/>
+                      </a:rPr>
+                      <m:t>𝑀𝑎𝑥𝑖𝑚𝑖𝑧</m:t>
+                    </m:r>
+                    <m:sSub>
+                      <m:sSubPr>
+                        <m:ctrlPr>
+                          <a:rPr kumimoji="1" lang="en-US" altLang="ja-JP" b="0" i="1" smtClean="0">
+                            <a:latin typeface="Cambria Math" panose="02040503050406030204" pitchFamily="18" charset="0"/>
+                          </a:rPr>
+                        </m:ctrlPr>
+                      </m:sSubPr>
+                      <m:e>
+                        <m:r>
+                          <a:rPr kumimoji="1" lang="en-US" altLang="ja-JP" b="0" i="1" smtClean="0">
+                            <a:latin typeface="Cambria Math" panose="02040503050406030204" pitchFamily="18" charset="0"/>
+                          </a:rPr>
+                          <m:t>𝑒</m:t>
+                        </m:r>
+                      </m:e>
+                      <m:sub>
+                        <m:d>
+                          <m:dPr>
+                            <m:begChr m:val="{"/>
+                            <m:endChr m:val="}"/>
+                            <m:ctrlPr>
+                              <a:rPr kumimoji="1" lang="en-US" altLang="ja-JP" b="0" i="1" smtClean="0">
+                                <a:latin typeface="Cambria Math" panose="02040503050406030204" pitchFamily="18" charset="0"/>
+                              </a:rPr>
+                            </m:ctrlPr>
+                          </m:dPr>
+                          <m:e>
+                            <m:r>
+                              <a:rPr kumimoji="1" lang="en-US" altLang="ja-JP" b="1" i="1" smtClean="0">
+                                <a:latin typeface="Cambria Math" panose="02040503050406030204" pitchFamily="18" charset="0"/>
+                              </a:rPr>
+                              <m:t>𝒘</m:t>
+                            </m:r>
+                          </m:e>
+                        </m:d>
+                      </m:sub>
+                    </m:sSub>
+                    <m:r>
+                      <a:rPr kumimoji="1" lang="en-US" altLang="ja-JP" b="0" i="1" smtClean="0">
+                        <a:latin typeface="Cambria Math" panose="02040503050406030204" pitchFamily="18" charset="0"/>
+                      </a:rPr>
+                      <m:t>                     </m:t>
+                    </m:r>
+                    <m:sSub>
+                      <m:sSubPr>
+                        <m:ctrlPr>
+                          <a:rPr kumimoji="1" lang="en-US" altLang="ja-JP" b="0" i="1" smtClean="0">
+                            <a:latin typeface="Cambria Math" panose="02040503050406030204" pitchFamily="18" charset="0"/>
+                          </a:rPr>
+                        </m:ctrlPr>
+                      </m:sSubPr>
+                      <m:e>
+                        <m:r>
+                          <a:rPr kumimoji="1" lang="en-US" altLang="ja-JP" b="0" i="1" smtClean="0">
+                            <a:latin typeface="Cambria Math" panose="02040503050406030204" pitchFamily="18" charset="0"/>
+                          </a:rPr>
+                          <m:t>𝜇</m:t>
+                        </m:r>
+                      </m:e>
+                      <m:sub>
+                        <m:r>
+                          <a:rPr kumimoji="1" lang="en-US" altLang="ja-JP" b="0" i="1" smtClean="0">
+                            <a:latin typeface="Cambria Math" panose="02040503050406030204" pitchFamily="18" charset="0"/>
+                          </a:rPr>
+                          <m:t>𝑝</m:t>
+                        </m:r>
+                      </m:sub>
+                    </m:sSub>
+                    <m:r>
+                      <a:rPr kumimoji="1" lang="en-US" altLang="ja-JP" b="0" i="1" smtClean="0">
+                        <a:latin typeface="Cambria Math" panose="02040503050406030204" pitchFamily="18" charset="0"/>
+                      </a:rPr>
+                      <m:t>=</m:t>
+                    </m:r>
+                    <m:sSup>
+                      <m:sSupPr>
+                        <m:ctrlPr>
+                          <a:rPr kumimoji="1" lang="en-US" altLang="ja-JP" b="1" i="1" smtClean="0">
+                            <a:latin typeface="Cambria Math" panose="02040503050406030204" pitchFamily="18" charset="0"/>
+                          </a:rPr>
+                        </m:ctrlPr>
+                      </m:sSupPr>
+                      <m:e>
+                        <m:r>
+                          <a:rPr kumimoji="1" lang="en-US" altLang="ja-JP" b="1" i="1" smtClean="0">
+                            <a:latin typeface="Cambria Math" panose="02040503050406030204" pitchFamily="18" charset="0"/>
+                          </a:rPr>
+                          <m:t>𝒘</m:t>
+                        </m:r>
+                      </m:e>
+                      <m:sup>
+                        <m:r>
+                          <a:rPr kumimoji="1" lang="en-US" altLang="ja-JP" b="1" i="1" smtClean="0">
+                            <a:latin typeface="Cambria Math" panose="02040503050406030204" pitchFamily="18" charset="0"/>
+                          </a:rPr>
+                          <m:t>𝑻</m:t>
+                        </m:r>
+                      </m:sup>
+                    </m:sSup>
+                    <m:r>
+                      <a:rPr kumimoji="1" lang="en-US" altLang="ja-JP" b="1" i="1" smtClean="0">
+                        <a:latin typeface="Cambria Math" panose="02040503050406030204" pitchFamily="18" charset="0"/>
+                      </a:rPr>
+                      <m:t>𝝁</m:t>
+                    </m:r>
+                  </m:oMath>
+                </a14:m>
+                <a:endParaRPr kumimoji="1" lang="en-US" altLang="ja-JP" b="1" i="1" dirty="0" smtClean="0">
+                  <a:latin typeface="Cambria Math" panose="02040503050406030204" pitchFamily="18" charset="0"/>
+                </a:endParaRPr>
+              </a:p>
+              <a:p>
+                <a:r>
+                  <a:rPr kumimoji="1" lang="en-US" altLang="ja-JP" b="0" dirty="0" smtClean="0"/>
+                  <a:t>		</a:t>
+                </a:r>
+                <a14:m>
+                  <m:oMath xmlns:m="http://schemas.openxmlformats.org/officeDocument/2006/math">
+                    <m:r>
+                      <a:rPr kumimoji="1" lang="en-US" altLang="ja-JP" b="0" i="1" smtClean="0">
+                        <a:latin typeface="Cambria Math" panose="02040503050406030204" pitchFamily="18" charset="0"/>
+                      </a:rPr>
+                      <m:t>𝑠𝑢𝑏𝑗𝑒𝑐𝑡</m:t>
+                    </m:r>
+                    <m:r>
+                      <a:rPr kumimoji="1" lang="en-US" altLang="ja-JP" b="0" i="1" smtClean="0">
+                        <a:latin typeface="Cambria Math" panose="02040503050406030204" pitchFamily="18" charset="0"/>
+                      </a:rPr>
+                      <m:t> </m:t>
+                    </m:r>
+                    <m:r>
+                      <a:rPr kumimoji="1" lang="en-US" altLang="ja-JP" b="0" i="1" smtClean="0">
+                        <a:latin typeface="Cambria Math" panose="02040503050406030204" pitchFamily="18" charset="0"/>
+                      </a:rPr>
+                      <m:t>𝑡𝑜</m:t>
+                    </m:r>
+                    <m:r>
+                      <a:rPr kumimoji="1" lang="en-US" altLang="ja-JP" b="0" i="1" smtClean="0">
+                        <a:latin typeface="Cambria Math" panose="02040503050406030204" pitchFamily="18" charset="0"/>
+                      </a:rPr>
+                      <m:t>        </m:t>
+                    </m:r>
+                    <m:sSup>
+                      <m:sSupPr>
+                        <m:ctrlPr>
+                          <a:rPr kumimoji="1" lang="en-US" altLang="ja-JP" b="1" i="1" smtClean="0">
+                            <a:latin typeface="Cambria Math" panose="02040503050406030204" pitchFamily="18" charset="0"/>
+                          </a:rPr>
+                        </m:ctrlPr>
+                      </m:sSupPr>
+                      <m:e>
+                        <m:r>
+                          <a:rPr kumimoji="1" lang="en-US" altLang="ja-JP" b="1" i="1" smtClean="0">
+                            <a:latin typeface="Cambria Math" panose="02040503050406030204" pitchFamily="18" charset="0"/>
+                          </a:rPr>
+                          <m:t>𝒘</m:t>
+                        </m:r>
+                      </m:e>
+                      <m:sup>
+                        <m:r>
+                          <a:rPr kumimoji="1" lang="en-US" altLang="ja-JP" b="1" i="1" smtClean="0">
+                            <a:latin typeface="Cambria Math" panose="02040503050406030204" pitchFamily="18" charset="0"/>
+                          </a:rPr>
+                          <m:t>𝑻</m:t>
+                        </m:r>
+                      </m:sup>
+                    </m:sSup>
+                    <m:r>
+                      <a:rPr kumimoji="1" lang="en-US" altLang="ja-JP" b="1" i="0" smtClean="0">
+                        <a:latin typeface="Cambria Math" panose="02040503050406030204" pitchFamily="18" charset="0"/>
+                      </a:rPr>
+                      <m:t>𝛀</m:t>
+                    </m:r>
+                    <m:r>
+                      <a:rPr kumimoji="1" lang="en-US" altLang="ja-JP" b="1" i="1" smtClean="0">
+                        <a:latin typeface="Cambria Math" panose="02040503050406030204" pitchFamily="18" charset="0"/>
+                      </a:rPr>
+                      <m:t>𝒘</m:t>
+                    </m:r>
+                    <m:r>
+                      <a:rPr kumimoji="1" lang="en-US" altLang="ja-JP" b="0" i="1" smtClean="0">
+                        <a:latin typeface="Cambria Math" panose="02040503050406030204" pitchFamily="18" charset="0"/>
+                      </a:rPr>
+                      <m:t>=</m:t>
+                    </m:r>
+                    <m:sSubSup>
+                      <m:sSubSupPr>
+                        <m:ctrlPr>
+                          <a:rPr kumimoji="1" lang="en-US" altLang="ja-JP" b="0" i="1" smtClean="0">
+                            <a:latin typeface="Cambria Math" panose="02040503050406030204" pitchFamily="18" charset="0"/>
+                          </a:rPr>
+                        </m:ctrlPr>
+                      </m:sSubSupPr>
+                      <m:e>
+                        <m:r>
+                          <a:rPr kumimoji="1" lang="en-US" altLang="ja-JP" b="0" i="1" smtClean="0">
+                            <a:latin typeface="Cambria Math" panose="02040503050406030204" pitchFamily="18" charset="0"/>
+                          </a:rPr>
+                          <m:t>𝜎</m:t>
+                        </m:r>
+                      </m:e>
+                      <m:sub>
+                        <m:r>
+                          <a:rPr kumimoji="1" lang="en-US" altLang="ja-JP" b="0" i="1" smtClean="0">
+                            <a:latin typeface="Cambria Math" panose="02040503050406030204" pitchFamily="18" charset="0"/>
+                          </a:rPr>
+                          <m:t>𝑝</m:t>
+                        </m:r>
+                      </m:sub>
+                      <m:sup>
+                        <m:r>
+                          <a:rPr kumimoji="1" lang="en-US" altLang="ja-JP" b="0" i="1" smtClean="0">
+                            <a:latin typeface="Cambria Math" panose="02040503050406030204" pitchFamily="18" charset="0"/>
+                          </a:rPr>
+                          <m:t>2</m:t>
+                        </m:r>
+                      </m:sup>
+                    </m:sSubSup>
+                  </m:oMath>
+                </a14:m>
+                <a:r>
+                  <a:rPr kumimoji="1" lang="en-US" altLang="ja-JP" b="0" dirty="0" smtClean="0"/>
+                  <a:t/>
+                </a:r>
+                <a:br>
+                  <a:rPr kumimoji="1" lang="en-US" altLang="ja-JP" b="0" dirty="0" smtClean="0"/>
+                </a:br>
+                <a:r>
+                  <a:rPr kumimoji="1" lang="en-US" altLang="ja-JP" b="0" dirty="0" smtClean="0"/>
+                  <a:t>			   </a:t>
+                </a:r>
+                <a14:m>
+                  <m:oMath xmlns:m="http://schemas.openxmlformats.org/officeDocument/2006/math">
+                    <m:r>
+                      <a:rPr kumimoji="1" lang="en-US" altLang="ja-JP" b="0" i="0" smtClean="0">
+                        <a:latin typeface="Cambria Math" panose="02040503050406030204" pitchFamily="18" charset="0"/>
+                      </a:rPr>
+                      <m:t>      </m:t>
+                    </m:r>
+                    <m:sSup>
+                      <m:sSupPr>
+                        <m:ctrlPr>
+                          <a:rPr kumimoji="1" lang="en-US" altLang="ja-JP" b="1" i="1" smtClean="0">
+                            <a:latin typeface="Cambria Math" panose="02040503050406030204" pitchFamily="18" charset="0"/>
+                          </a:rPr>
+                        </m:ctrlPr>
+                      </m:sSupPr>
+                      <m:e>
+                        <m:r>
+                          <a:rPr kumimoji="1" lang="en-US" altLang="ja-JP" b="1" i="1" smtClean="0">
+                            <a:latin typeface="Cambria Math" panose="02040503050406030204" pitchFamily="18" charset="0"/>
+                          </a:rPr>
+                          <m:t>𝒘</m:t>
+                        </m:r>
+                      </m:e>
+                      <m:sup>
+                        <m:r>
+                          <a:rPr kumimoji="1" lang="en-US" altLang="ja-JP" b="1" i="1" smtClean="0">
+                            <a:latin typeface="Cambria Math" panose="02040503050406030204" pitchFamily="18" charset="0"/>
+                          </a:rPr>
+                          <m:t>𝑻</m:t>
+                        </m:r>
+                      </m:sup>
+                    </m:sSup>
+                    <m:r>
+                      <a:rPr kumimoji="1" lang="en-US" altLang="ja-JP" b="1" i="1" smtClean="0">
+                        <a:latin typeface="Cambria Math" panose="02040503050406030204" pitchFamily="18" charset="0"/>
+                      </a:rPr>
+                      <m:t>𝟏</m:t>
+                    </m:r>
+                    <m:r>
+                      <a:rPr kumimoji="1" lang="en-US" altLang="ja-JP" b="0" i="1" smtClean="0">
+                        <a:latin typeface="Cambria Math" panose="02040503050406030204" pitchFamily="18" charset="0"/>
+                      </a:rPr>
+                      <m:t>=</m:t>
+                    </m:r>
+                    <m:r>
+                      <a:rPr kumimoji="1" lang="en-US" altLang="ja-JP" b="0" i="1" smtClean="0">
+                        <a:latin typeface="Cambria Math" panose="02040503050406030204" pitchFamily="18" charset="0"/>
+                      </a:rPr>
+                      <m:t>1</m:t>
+                    </m:r>
+                  </m:oMath>
+                </a14:m>
+                <a:endParaRPr kumimoji="1" lang="en-US" altLang="ja-JP" dirty="0" smtClean="0"/>
+              </a:p>
+              <a:p>
+                <a:r>
+                  <a:rPr kumimoji="1" lang="ja-JP" altLang="en-US" dirty="0" smtClean="0"/>
+                  <a:t> </a:t>
+                </a:r>
+                <a:endParaRPr kumimoji="1" lang="ja-JP" altLang="en-US" dirty="0"/>
+              </a:p>
+            </p:txBody>
+          </p:sp>
+        </mc:Choice>
+        <mc:Fallback>
+          <p:sp>
+            <p:nvSpPr>
+              <p:cNvPr id="4" name="テキスト ボックス 3"/>
+              <p:cNvSpPr txBox="1">
+                <a:spLocks noRot="1" noChangeAspect="1" noMove="1" noResize="1" noEditPoints="1" noAdjustHandles="1" noChangeArrowheads="1" noChangeShapeType="1" noTextEdit="1"/>
+              </p:cNvSpPr>
+              <p:nvPr/>
+            </p:nvSpPr>
+            <p:spPr>
+              <a:xfrm>
+                <a:off x="854101" y="1630017"/>
+                <a:ext cx="4842346" cy="1270669"/>
+              </a:xfrm>
+              <a:prstGeom prst="rect">
+                <a:avLst/>
+              </a:prstGeom>
+              <a:blipFill>
+                <a:blip r:embed="rId2"/>
+                <a:stretch>
+                  <a:fillRect/>
+                </a:stretch>
+              </a:blipFill>
+            </p:spPr>
+            <p:txBody>
+              <a:bodyPr/>
+              <a:lstStyle/>
+              <a:p>
+                <a:r>
+                  <a:rPr lang="ja-JP" altLang="en-US">
+                    <a:noFill/>
+                  </a:rPr>
+                  <a:t> </a:t>
+                </a:r>
+              </a:p>
+            </p:txBody>
+          </p:sp>
+        </mc:Fallback>
+      </mc:AlternateContent>
+      <mc:AlternateContent xmlns:mc="http://schemas.openxmlformats.org/markup-compatibility/2006">
+        <mc:Choice xmlns:a14="http://schemas.microsoft.com/office/drawing/2010/main" Requires="a14">
+          <p:sp>
+            <p:nvSpPr>
+              <p:cNvPr id="5" name="テキスト ボックス 4"/>
+              <p:cNvSpPr txBox="1"/>
+              <p:nvPr/>
+            </p:nvSpPr>
+            <p:spPr>
+              <a:xfrm>
+                <a:off x="854101" y="3476217"/>
+                <a:ext cx="4842346" cy="1270669"/>
+              </a:xfrm>
+              <a:prstGeom prst="rect">
+                <a:avLst/>
+              </a:prstGeom>
+              <a:noFill/>
+            </p:spPr>
+            <p:txBody>
+              <a:bodyPr wrap="square" rtlCol="0">
+                <a:spAutoFit/>
+              </a:bodyPr>
+              <a:lstStyle/>
+              <a:p>
+                <a:r>
+                  <a:rPr kumimoji="1" lang="en-US" altLang="ja-JP" b="0" dirty="0" smtClean="0"/>
+                  <a:t>	</a:t>
+                </a:r>
+                <a14:m>
+                  <m:oMath xmlns:m="http://schemas.openxmlformats.org/officeDocument/2006/math">
+                    <m:r>
+                      <a:rPr kumimoji="1" lang="en-US" altLang="ja-JP" b="0" i="1" smtClean="0">
+                        <a:latin typeface="Cambria Math" panose="02040503050406030204" pitchFamily="18" charset="0"/>
+                      </a:rPr>
+                      <m:t>𝑀𝑎𝑥𝑖𝑚𝑖𝑧</m:t>
+                    </m:r>
+                    <m:sSub>
+                      <m:sSubPr>
+                        <m:ctrlPr>
+                          <a:rPr kumimoji="1" lang="en-US" altLang="ja-JP" b="0" i="1" smtClean="0">
+                            <a:latin typeface="Cambria Math" panose="02040503050406030204" pitchFamily="18" charset="0"/>
+                          </a:rPr>
+                        </m:ctrlPr>
+                      </m:sSubPr>
+                      <m:e>
+                        <m:r>
+                          <a:rPr kumimoji="1" lang="en-US" altLang="ja-JP" b="0" i="1" smtClean="0">
+                            <a:latin typeface="Cambria Math" panose="02040503050406030204" pitchFamily="18" charset="0"/>
+                          </a:rPr>
+                          <m:t>𝑒</m:t>
+                        </m:r>
+                      </m:e>
+                      <m:sub>
+                        <m:d>
+                          <m:dPr>
+                            <m:begChr m:val="{"/>
+                            <m:endChr m:val="}"/>
+                            <m:ctrlPr>
+                              <a:rPr kumimoji="1" lang="en-US" altLang="ja-JP" b="0" i="1" smtClean="0">
+                                <a:latin typeface="Cambria Math" panose="02040503050406030204" pitchFamily="18" charset="0"/>
+                              </a:rPr>
+                            </m:ctrlPr>
+                          </m:dPr>
+                          <m:e>
+                            <m:r>
+                              <a:rPr kumimoji="1" lang="en-US" altLang="ja-JP" b="1" i="1" smtClean="0">
+                                <a:latin typeface="Cambria Math" panose="02040503050406030204" pitchFamily="18" charset="0"/>
+                              </a:rPr>
+                              <m:t>𝒘</m:t>
+                            </m:r>
+                          </m:e>
+                        </m:d>
+                      </m:sub>
+                    </m:sSub>
+                    <m:sSup>
+                      <m:sSupPr>
+                        <m:ctrlPr>
+                          <a:rPr lang="en-US" altLang="ja-JP" b="1" i="1">
+                            <a:latin typeface="Cambria Math" panose="02040503050406030204" pitchFamily="18" charset="0"/>
+                          </a:rPr>
+                        </m:ctrlPr>
+                      </m:sSupPr>
+                      <m:e>
+                        <m:r>
+                          <a:rPr lang="en-US" altLang="ja-JP" b="1" i="1" smtClean="0">
+                            <a:latin typeface="Cambria Math" panose="02040503050406030204" pitchFamily="18" charset="0"/>
+                          </a:rPr>
+                          <m:t>                    </m:t>
+                        </m:r>
+                        <m:r>
+                          <a:rPr lang="en-US" altLang="ja-JP" b="0" i="1" smtClean="0">
+                            <a:latin typeface="Cambria Math" panose="02040503050406030204" pitchFamily="18" charset="0"/>
+                          </a:rPr>
+                          <m:t> </m:t>
+                        </m:r>
+                        <m:sSubSup>
+                          <m:sSubSupPr>
+                            <m:ctrlPr>
+                              <a:rPr lang="en-US" altLang="ja-JP" i="1" smtClean="0">
+                                <a:latin typeface="Cambria Math" panose="02040503050406030204" pitchFamily="18" charset="0"/>
+                              </a:rPr>
+                            </m:ctrlPr>
+                          </m:sSubSupPr>
+                          <m:e>
+                            <m:r>
+                              <a:rPr lang="en-US" altLang="ja-JP" b="0" i="1" smtClean="0">
+                                <a:latin typeface="Cambria Math" panose="02040503050406030204" pitchFamily="18" charset="0"/>
+                              </a:rPr>
+                              <m:t>𝜎</m:t>
+                            </m:r>
+                          </m:e>
+                          <m:sub>
+                            <m:r>
+                              <a:rPr lang="en-US" altLang="ja-JP" b="0" i="1" smtClean="0">
+                                <a:latin typeface="Cambria Math" panose="02040503050406030204" pitchFamily="18" charset="0"/>
+                              </a:rPr>
+                              <m:t>𝑝</m:t>
+                            </m:r>
+                          </m:sub>
+                          <m:sup>
+                            <m:r>
+                              <a:rPr lang="en-US" altLang="ja-JP" b="0" i="1" smtClean="0">
+                                <a:latin typeface="Cambria Math" panose="02040503050406030204" pitchFamily="18" charset="0"/>
+                              </a:rPr>
+                              <m:t>2</m:t>
+                            </m:r>
+                          </m:sup>
+                        </m:sSubSup>
+                        <m:r>
+                          <a:rPr lang="en-US" altLang="ja-JP" b="1" i="1" smtClean="0">
+                            <a:latin typeface="Cambria Math" panose="02040503050406030204" pitchFamily="18" charset="0"/>
+                          </a:rPr>
+                          <m:t>=</m:t>
+                        </m:r>
+                        <m:r>
+                          <a:rPr lang="en-US" altLang="ja-JP" b="1" i="1">
+                            <a:latin typeface="Cambria Math" panose="02040503050406030204" pitchFamily="18" charset="0"/>
+                          </a:rPr>
+                          <m:t>𝒘</m:t>
+                        </m:r>
+                      </m:e>
+                      <m:sup>
+                        <m:r>
+                          <a:rPr lang="en-US" altLang="ja-JP" b="1" i="1">
+                            <a:latin typeface="Cambria Math" panose="02040503050406030204" pitchFamily="18" charset="0"/>
+                          </a:rPr>
+                          <m:t>𝑻</m:t>
+                        </m:r>
+                      </m:sup>
+                    </m:sSup>
+                    <m:r>
+                      <a:rPr lang="en-US" altLang="ja-JP" b="1">
+                        <a:latin typeface="Cambria Math" panose="02040503050406030204" pitchFamily="18" charset="0"/>
+                      </a:rPr>
+                      <m:t>𝛀</m:t>
+                    </m:r>
+                    <m:r>
+                      <a:rPr lang="en-US" altLang="ja-JP" b="1" i="1">
+                        <a:latin typeface="Cambria Math" panose="02040503050406030204" pitchFamily="18" charset="0"/>
+                      </a:rPr>
+                      <m:t>𝒘</m:t>
+                    </m:r>
+                  </m:oMath>
+                </a14:m>
+                <a:endParaRPr kumimoji="1" lang="en-US" altLang="ja-JP" b="1" i="1" dirty="0" smtClean="0">
+                  <a:latin typeface="Cambria Math" panose="02040503050406030204" pitchFamily="18" charset="0"/>
+                </a:endParaRPr>
+              </a:p>
+              <a:p>
+                <a:r>
+                  <a:rPr kumimoji="1" lang="en-US" altLang="ja-JP" b="0" dirty="0" smtClean="0"/>
+                  <a:t>		</a:t>
+                </a:r>
+                <a14:m>
+                  <m:oMath xmlns:m="http://schemas.openxmlformats.org/officeDocument/2006/math">
+                    <m:r>
+                      <a:rPr kumimoji="1" lang="en-US" altLang="ja-JP" b="0" i="1" smtClean="0">
+                        <a:latin typeface="Cambria Math" panose="02040503050406030204" pitchFamily="18" charset="0"/>
+                      </a:rPr>
+                      <m:t>𝑠𝑢𝑏𝑗𝑒𝑐𝑡</m:t>
+                    </m:r>
+                    <m:r>
+                      <a:rPr kumimoji="1" lang="en-US" altLang="ja-JP" b="0" i="1" smtClean="0">
+                        <a:latin typeface="Cambria Math" panose="02040503050406030204" pitchFamily="18" charset="0"/>
+                      </a:rPr>
+                      <m:t> </m:t>
+                    </m:r>
+                    <m:r>
+                      <a:rPr kumimoji="1" lang="en-US" altLang="ja-JP" b="0" i="1" smtClean="0">
+                        <a:latin typeface="Cambria Math" panose="02040503050406030204" pitchFamily="18" charset="0"/>
+                      </a:rPr>
+                      <m:t>𝑡𝑜</m:t>
+                    </m:r>
+                    <m:r>
+                      <a:rPr kumimoji="1" lang="en-US" altLang="ja-JP" b="0" i="1" smtClean="0">
+                        <a:latin typeface="Cambria Math" panose="02040503050406030204" pitchFamily="18" charset="0"/>
+                      </a:rPr>
+                      <m:t>        </m:t>
+                    </m:r>
+                    <m:sSup>
+                      <m:sSupPr>
+                        <m:ctrlPr>
+                          <a:rPr lang="en-US" altLang="ja-JP" b="1" i="1" smtClean="0">
+                            <a:latin typeface="Cambria Math" panose="02040503050406030204" pitchFamily="18" charset="0"/>
+                          </a:rPr>
+                        </m:ctrlPr>
+                      </m:sSupPr>
+                      <m:e>
+                        <m:r>
+                          <a:rPr lang="en-US" altLang="ja-JP" b="1" i="1">
+                            <a:latin typeface="Cambria Math" panose="02040503050406030204" pitchFamily="18" charset="0"/>
+                          </a:rPr>
+                          <m:t>𝒘</m:t>
+                        </m:r>
+                      </m:e>
+                      <m:sup>
+                        <m:r>
+                          <a:rPr lang="en-US" altLang="ja-JP" b="1" i="1">
+                            <a:latin typeface="Cambria Math" panose="02040503050406030204" pitchFamily="18" charset="0"/>
+                          </a:rPr>
+                          <m:t>𝑻</m:t>
+                        </m:r>
+                      </m:sup>
+                    </m:sSup>
+                    <m:r>
+                      <a:rPr lang="en-US" altLang="ja-JP" b="1" i="1">
+                        <a:latin typeface="Cambria Math" panose="02040503050406030204" pitchFamily="18" charset="0"/>
+                      </a:rPr>
+                      <m:t>𝝁</m:t>
+                    </m:r>
+                    <m:r>
+                      <a:rPr lang="en-US" altLang="ja-JP" b="1" i="1" smtClean="0">
+                        <a:latin typeface="Cambria Math" panose="02040503050406030204" pitchFamily="18" charset="0"/>
+                      </a:rPr>
+                      <m:t>=</m:t>
+                    </m:r>
+                    <m:sSub>
+                      <m:sSubPr>
+                        <m:ctrlPr>
+                          <a:rPr lang="en-US" altLang="ja-JP" i="1" smtClean="0">
+                            <a:latin typeface="Cambria Math" panose="02040503050406030204" pitchFamily="18" charset="0"/>
+                          </a:rPr>
+                        </m:ctrlPr>
+                      </m:sSubPr>
+                      <m:e>
+                        <m:r>
+                          <a:rPr lang="en-US" altLang="ja-JP" b="0" i="1" smtClean="0">
+                            <a:latin typeface="Cambria Math" panose="02040503050406030204" pitchFamily="18" charset="0"/>
+                          </a:rPr>
+                          <m:t>𝜇</m:t>
+                        </m:r>
+                      </m:e>
+                      <m:sub>
+                        <m:r>
+                          <a:rPr lang="en-US" altLang="ja-JP" b="0" i="1" smtClean="0">
+                            <a:latin typeface="Cambria Math" panose="02040503050406030204" pitchFamily="18" charset="0"/>
+                          </a:rPr>
+                          <m:t>𝑝</m:t>
+                        </m:r>
+                      </m:sub>
+                    </m:sSub>
+                  </m:oMath>
+                </a14:m>
+                <a:r>
+                  <a:rPr kumimoji="1" lang="en-US" altLang="ja-JP" b="0" dirty="0" smtClean="0"/>
+                  <a:t/>
+                </a:r>
+                <a:br>
+                  <a:rPr kumimoji="1" lang="en-US" altLang="ja-JP" b="0" dirty="0" smtClean="0"/>
+                </a:br>
+                <a:r>
+                  <a:rPr kumimoji="1" lang="en-US" altLang="ja-JP" b="0" dirty="0" smtClean="0"/>
+                  <a:t>			   </a:t>
+                </a:r>
+                <a14:m>
+                  <m:oMath xmlns:m="http://schemas.openxmlformats.org/officeDocument/2006/math">
+                    <m:r>
+                      <a:rPr kumimoji="1" lang="en-US" altLang="ja-JP" b="0" i="0" smtClean="0">
+                        <a:latin typeface="Cambria Math" panose="02040503050406030204" pitchFamily="18" charset="0"/>
+                      </a:rPr>
+                      <m:t>      </m:t>
+                    </m:r>
+                    <m:sSup>
+                      <m:sSupPr>
+                        <m:ctrlPr>
+                          <a:rPr kumimoji="1" lang="en-US" altLang="ja-JP" b="1" i="1" smtClean="0">
+                            <a:latin typeface="Cambria Math" panose="02040503050406030204" pitchFamily="18" charset="0"/>
+                          </a:rPr>
+                        </m:ctrlPr>
+                      </m:sSupPr>
+                      <m:e>
+                        <m:r>
+                          <a:rPr kumimoji="1" lang="en-US" altLang="ja-JP" b="1" i="1" smtClean="0">
+                            <a:latin typeface="Cambria Math" panose="02040503050406030204" pitchFamily="18" charset="0"/>
+                          </a:rPr>
+                          <m:t>𝒘</m:t>
+                        </m:r>
+                      </m:e>
+                      <m:sup>
+                        <m:r>
+                          <a:rPr kumimoji="1" lang="en-US" altLang="ja-JP" b="1" i="1" smtClean="0">
+                            <a:latin typeface="Cambria Math" panose="02040503050406030204" pitchFamily="18" charset="0"/>
+                          </a:rPr>
+                          <m:t>𝑻</m:t>
+                        </m:r>
+                      </m:sup>
+                    </m:sSup>
+                    <m:r>
+                      <a:rPr kumimoji="1" lang="en-US" altLang="ja-JP" b="1" i="1" smtClean="0">
+                        <a:latin typeface="Cambria Math" panose="02040503050406030204" pitchFamily="18" charset="0"/>
+                      </a:rPr>
+                      <m:t>𝟏</m:t>
+                    </m:r>
+                    <m:r>
+                      <a:rPr kumimoji="1" lang="en-US" altLang="ja-JP" b="0" i="1" smtClean="0">
+                        <a:latin typeface="Cambria Math" panose="02040503050406030204" pitchFamily="18" charset="0"/>
+                      </a:rPr>
+                      <m:t>=</m:t>
+                    </m:r>
+                    <m:r>
+                      <a:rPr kumimoji="1" lang="en-US" altLang="ja-JP" b="0" i="1" smtClean="0">
+                        <a:latin typeface="Cambria Math" panose="02040503050406030204" pitchFamily="18" charset="0"/>
+                      </a:rPr>
+                      <m:t>1</m:t>
+                    </m:r>
+                  </m:oMath>
+                </a14:m>
+                <a:endParaRPr kumimoji="1" lang="en-US" altLang="ja-JP" dirty="0" smtClean="0"/>
+              </a:p>
+              <a:p>
+                <a:r>
+                  <a:rPr kumimoji="1" lang="ja-JP" altLang="en-US" dirty="0" smtClean="0"/>
+                  <a:t> </a:t>
+                </a:r>
+                <a:endParaRPr kumimoji="1" lang="ja-JP" altLang="en-US" dirty="0"/>
+              </a:p>
+            </p:txBody>
+          </p:sp>
+        </mc:Choice>
+        <mc:Fallback>
+          <p:sp>
+            <p:nvSpPr>
+              <p:cNvPr id="5" name="テキスト ボックス 4"/>
+              <p:cNvSpPr txBox="1">
+                <a:spLocks noRot="1" noChangeAspect="1" noMove="1" noResize="1" noEditPoints="1" noAdjustHandles="1" noChangeArrowheads="1" noChangeShapeType="1" noTextEdit="1"/>
+              </p:cNvSpPr>
+              <p:nvPr/>
+            </p:nvSpPr>
+            <p:spPr>
+              <a:xfrm>
+                <a:off x="854101" y="3476217"/>
+                <a:ext cx="4842346" cy="1270669"/>
+              </a:xfrm>
+              <a:prstGeom prst="rect">
+                <a:avLst/>
+              </a:prstGeom>
+              <a:blipFill>
+                <a:blip r:embed="rId3"/>
+                <a:stretch>
+                  <a:fillRect/>
+                </a:stretch>
+              </a:blipFill>
+            </p:spPr>
+            <p:txBody>
+              <a:bodyPr/>
+              <a:lstStyle/>
+              <a:p>
+                <a:r>
+                  <a:rPr lang="ja-JP" altLang="en-US">
+                    <a:noFill/>
+                  </a:rPr>
+                  <a:t> </a:t>
+                </a:r>
+              </a:p>
+            </p:txBody>
+          </p:sp>
+        </mc:Fallback>
+      </mc:AlternateContent>
+    </p:spTree>
+    <p:extLst>
+      <p:ext uri="{BB962C8B-B14F-4D97-AF65-F5344CB8AC3E}">
+        <p14:creationId xmlns:p14="http://schemas.microsoft.com/office/powerpoint/2010/main" val="345714467"/>
+      </p:ext>
+    </p:extLst>
+  </p:cSld>
+  <p:clrMapOvr>
+    <a:masterClrMapping/>
+  </p:clrMapOvr>
+</p:sld>
+</file>
+
+<file path=ppt/slides/slide27.xml><?xml version="1.0" encoding="utf-8"?>
+<p:sld xmlns:a="http://schemas.openxmlformats.org/drawingml/2006/main" xmlns:r="http://schemas.openxmlformats.org/officeDocument/2006/relationships" xmlns:p="http://schemas.openxmlformats.org/presentationml/2006/main">
+  <p:cSld>
+    <p:spTree>
+      <p:nvGrpSpPr>
+        <p:cNvPr id="1" name=""/>
+        <p:cNvGrpSpPr/>
+        <p:nvPr/>
+      </p:nvGrpSpPr>
+      <p:grpSpPr>
+        <a:xfrm>
+          <a:off x="0" y="0"/>
+          <a:ext cx="0" cy="0"/>
+          <a:chOff x="0" y="0"/>
+          <a:chExt cx="0" cy="0"/>
+        </a:xfrm>
+      </p:grpSpPr>
+      <p:sp>
+        <p:nvSpPr>
+          <p:cNvPr id="2" name="タイトル 1"/>
+          <p:cNvSpPr>
+            <a:spLocks noGrp="1"/>
+          </p:cNvSpPr>
+          <p:nvPr>
+            <p:ph type="title"/>
+          </p:nvPr>
+        </p:nvSpPr>
+        <p:spPr>
+          <a:xfrm>
+            <a:off x="838200" y="365126"/>
+            <a:ext cx="10515600" cy="700350"/>
+          </a:xfrm>
+        </p:spPr>
+        <p:txBody>
+          <a:bodyPr>
+            <a:normAutofit/>
+          </a:bodyPr>
+          <a:lstStyle/>
+          <a:p>
+            <a:r>
+              <a:rPr lang="en-US" altLang="ja-JP" sz="2800" dirty="0" smtClean="0"/>
+              <a:t>§4.1</a:t>
+            </a:r>
+            <a:r>
+              <a:rPr lang="ja-JP" altLang="en-US" sz="2800" dirty="0" smtClean="0"/>
+              <a:t>　</a:t>
+            </a:r>
+            <a:r>
+              <a:rPr lang="ja-JP" altLang="en-US" sz="2800" dirty="0" smtClean="0"/>
+              <a:t>平均・分散分析</a:t>
+            </a:r>
+            <a:endParaRPr kumimoji="1" lang="ja-JP" altLang="en-US" sz="2800" dirty="0"/>
+          </a:p>
+        </p:txBody>
+      </p:sp>
+      <mc:AlternateContent xmlns:mc="http://schemas.openxmlformats.org/markup-compatibility/2006">
+        <mc:Choice xmlns:a14="http://schemas.microsoft.com/office/drawing/2010/main" Requires="a14">
+          <p:sp>
+            <p:nvSpPr>
+              <p:cNvPr id="3" name="コンテンツ プレースホルダー 2"/>
+              <p:cNvSpPr>
+                <a:spLocks noGrp="1"/>
+              </p:cNvSpPr>
+              <p:nvPr>
+                <p:ph idx="1"/>
+              </p:nvPr>
+            </p:nvSpPr>
+            <p:spPr>
+              <a:xfrm>
+                <a:off x="838200" y="1065476"/>
+                <a:ext cx="10515600" cy="5412962"/>
+              </a:xfrm>
+            </p:spPr>
+            <p:txBody>
+              <a:bodyPr>
+                <a:normAutofit/>
+              </a:bodyPr>
+              <a:lstStyle/>
+              <a:p>
+                <a:pPr marL="0" indent="0">
+                  <a:buNone/>
+                </a:pPr>
+                <a:r>
+                  <a:rPr lang="en-US" altLang="ja-JP" sz="2000" dirty="0"/>
+                  <a:t>【</a:t>
+                </a:r>
+                <a:r>
+                  <a:rPr lang="ja-JP" altLang="en-US" sz="2000" dirty="0"/>
+                  <a:t>分散所与の下での期待収益率最大化問題</a:t>
+                </a:r>
+                <a:r>
+                  <a:rPr lang="en-US" altLang="ja-JP" sz="2000" dirty="0"/>
+                  <a:t>】</a:t>
+                </a:r>
+                <a:endParaRPr lang="en-US" altLang="ja-JP" sz="2000" dirty="0" smtClean="0"/>
+              </a:p>
+              <a:p>
+                <a:pPr marL="0" indent="0">
+                  <a:buNone/>
+                </a:pPr>
+                <a:r>
+                  <a:rPr lang="ja-JP" altLang="en-US" sz="2000" dirty="0" smtClean="0"/>
+                  <a:t>前頁の最適化問題はラングランジュの未定乗数法を用いて解くことができる。</a:t>
+                </a:r>
+                <a:endParaRPr lang="en-US" altLang="ja-JP" sz="2000" dirty="0" smtClean="0"/>
+              </a:p>
+              <a:p>
+                <a:pPr marL="0" indent="0">
+                  <a:buNone/>
+                </a:pPr>
+                <a14:m>
+                  <m:oMathPara xmlns:m="http://schemas.openxmlformats.org/officeDocument/2006/math">
+                    <m:oMathParaPr>
+                      <m:jc m:val="centerGroup"/>
+                    </m:oMathParaPr>
+                    <m:oMath xmlns:m="http://schemas.openxmlformats.org/officeDocument/2006/math">
+                      <m:r>
+                        <a:rPr lang="en-US" altLang="ja-JP" sz="2000" b="0" i="1" smtClean="0">
+                          <a:latin typeface="Cambria Math" panose="02040503050406030204" pitchFamily="18" charset="0"/>
+                        </a:rPr>
+                        <m:t>𝐿</m:t>
+                      </m:r>
+                      <m:r>
+                        <a:rPr lang="en-US" altLang="ja-JP" sz="2000" b="0" i="1" smtClean="0">
+                          <a:latin typeface="Cambria Math" panose="02040503050406030204" pitchFamily="18" charset="0"/>
+                        </a:rPr>
+                        <m:t>=</m:t>
+                      </m:r>
+                      <m:sSup>
+                        <m:sSupPr>
+                          <m:ctrlPr>
+                            <a:rPr lang="en-US" altLang="ja-JP" sz="2000" b="1" i="1" smtClean="0">
+                              <a:latin typeface="Cambria Math" panose="02040503050406030204" pitchFamily="18" charset="0"/>
+                            </a:rPr>
+                          </m:ctrlPr>
+                        </m:sSupPr>
+                        <m:e>
+                          <m:r>
+                            <a:rPr lang="en-US" altLang="ja-JP" sz="2000" b="1" i="1" smtClean="0">
+                              <a:latin typeface="Cambria Math" panose="02040503050406030204" pitchFamily="18" charset="0"/>
+                            </a:rPr>
+                            <m:t>𝒘</m:t>
+                          </m:r>
+                        </m:e>
+                        <m:sup>
+                          <m:r>
+                            <a:rPr lang="en-US" altLang="ja-JP" sz="2000" b="1" i="1" smtClean="0">
+                              <a:latin typeface="Cambria Math" panose="02040503050406030204" pitchFamily="18" charset="0"/>
+                            </a:rPr>
+                            <m:t>𝑻</m:t>
+                          </m:r>
+                        </m:sup>
+                      </m:sSup>
+                      <m:r>
+                        <a:rPr lang="en-US" altLang="ja-JP" sz="2000" b="1" i="1" smtClean="0">
+                          <a:latin typeface="Cambria Math" panose="02040503050406030204" pitchFamily="18" charset="0"/>
+                        </a:rPr>
+                        <m:t>𝝁</m:t>
+                      </m:r>
+                      <m:r>
+                        <a:rPr lang="en-US" altLang="ja-JP" sz="2000" b="0" i="1" smtClean="0">
+                          <a:latin typeface="Cambria Math" panose="02040503050406030204" pitchFamily="18" charset="0"/>
+                        </a:rPr>
+                        <m:t>+</m:t>
+                      </m:r>
+                      <m:sSub>
+                        <m:sSubPr>
+                          <m:ctrlPr>
+                            <a:rPr lang="en-US" altLang="ja-JP" sz="2000" b="0" i="1" smtClean="0">
+                              <a:latin typeface="Cambria Math" panose="02040503050406030204" pitchFamily="18" charset="0"/>
+                            </a:rPr>
+                          </m:ctrlPr>
+                        </m:sSubPr>
+                        <m:e>
+                          <m:r>
+                            <a:rPr lang="en-US" altLang="ja-JP" sz="2000" b="0" i="1" smtClean="0">
+                              <a:latin typeface="Cambria Math" panose="02040503050406030204" pitchFamily="18" charset="0"/>
+                            </a:rPr>
+                            <m:t>𝜆</m:t>
+                          </m:r>
+                        </m:e>
+                        <m:sub>
+                          <m:r>
+                            <a:rPr lang="en-US" altLang="ja-JP" sz="2000" b="0" i="1" smtClean="0">
+                              <a:latin typeface="Cambria Math" panose="02040503050406030204" pitchFamily="18" charset="0"/>
+                            </a:rPr>
+                            <m:t>1</m:t>
+                          </m:r>
+                        </m:sub>
+                      </m:sSub>
+                      <m:d>
+                        <m:dPr>
+                          <m:ctrlPr>
+                            <a:rPr lang="en-US" altLang="ja-JP" sz="2000" b="0" i="1" smtClean="0">
+                              <a:latin typeface="Cambria Math" panose="02040503050406030204" pitchFamily="18" charset="0"/>
+                            </a:rPr>
+                          </m:ctrlPr>
+                        </m:dPr>
+                        <m:e>
+                          <m:sSubSup>
+                            <m:sSubSupPr>
+                              <m:ctrlPr>
+                                <a:rPr lang="en-US" altLang="ja-JP" sz="2000" b="0" i="1" smtClean="0">
+                                  <a:latin typeface="Cambria Math" panose="02040503050406030204" pitchFamily="18" charset="0"/>
+                                </a:rPr>
+                              </m:ctrlPr>
+                            </m:sSubSupPr>
+                            <m:e>
+                              <m:r>
+                                <a:rPr lang="en-US" altLang="ja-JP" sz="2000" b="0" i="1" smtClean="0">
+                                  <a:latin typeface="Cambria Math" panose="02040503050406030204" pitchFamily="18" charset="0"/>
+                                </a:rPr>
+                                <m:t>𝜎</m:t>
+                              </m:r>
+                            </m:e>
+                            <m:sub>
+                              <m:r>
+                                <a:rPr lang="en-US" altLang="ja-JP" sz="2000" b="0" i="1" smtClean="0">
+                                  <a:latin typeface="Cambria Math" panose="02040503050406030204" pitchFamily="18" charset="0"/>
+                                </a:rPr>
+                                <m:t>𝑝</m:t>
+                              </m:r>
+                            </m:sub>
+                            <m:sup>
+                              <m:r>
+                                <a:rPr lang="en-US" altLang="ja-JP" sz="2000" b="0" i="1" smtClean="0">
+                                  <a:latin typeface="Cambria Math" panose="02040503050406030204" pitchFamily="18" charset="0"/>
+                                </a:rPr>
+                                <m:t>2</m:t>
+                              </m:r>
+                            </m:sup>
+                          </m:sSubSup>
+                          <m:r>
+                            <a:rPr lang="en-US" altLang="ja-JP" sz="2000" b="0" i="1" smtClean="0">
+                              <a:latin typeface="Cambria Math" panose="02040503050406030204" pitchFamily="18" charset="0"/>
+                            </a:rPr>
+                            <m:t>−</m:t>
+                          </m:r>
+                          <m:sSup>
+                            <m:sSupPr>
+                              <m:ctrlPr>
+                                <a:rPr lang="en-US" altLang="ja-JP" sz="2000" b="1" i="1" smtClean="0">
+                                  <a:latin typeface="Cambria Math" panose="02040503050406030204" pitchFamily="18" charset="0"/>
+                                </a:rPr>
+                              </m:ctrlPr>
+                            </m:sSupPr>
+                            <m:e>
+                              <m:r>
+                                <a:rPr lang="en-US" altLang="ja-JP" sz="2000" b="1" i="1" smtClean="0">
+                                  <a:latin typeface="Cambria Math" panose="02040503050406030204" pitchFamily="18" charset="0"/>
+                                </a:rPr>
+                                <m:t>𝒘</m:t>
+                              </m:r>
+                            </m:e>
+                            <m:sup>
+                              <m:r>
+                                <a:rPr lang="en-US" altLang="ja-JP" sz="2000" b="1" i="1" smtClean="0">
+                                  <a:latin typeface="Cambria Math" panose="02040503050406030204" pitchFamily="18" charset="0"/>
+                                </a:rPr>
+                                <m:t>𝑻</m:t>
+                              </m:r>
+                            </m:sup>
+                          </m:sSup>
+                          <m:r>
+                            <a:rPr lang="en-US" altLang="ja-JP" sz="2000" b="1" i="0" smtClean="0">
+                              <a:latin typeface="Cambria Math" panose="02040503050406030204" pitchFamily="18" charset="0"/>
+                            </a:rPr>
+                            <m:t>𝛀</m:t>
+                          </m:r>
+                          <m:r>
+                            <a:rPr lang="en-US" altLang="ja-JP" sz="2000" b="1" i="1" smtClean="0">
+                              <a:latin typeface="Cambria Math" panose="02040503050406030204" pitchFamily="18" charset="0"/>
+                            </a:rPr>
+                            <m:t>𝒘</m:t>
+                          </m:r>
+                        </m:e>
+                      </m:d>
+                      <m:r>
+                        <a:rPr lang="en-US" altLang="ja-JP" sz="2000" b="0" i="1" smtClean="0">
+                          <a:latin typeface="Cambria Math" panose="02040503050406030204" pitchFamily="18" charset="0"/>
+                        </a:rPr>
+                        <m:t>+</m:t>
+                      </m:r>
+                      <m:sSub>
+                        <m:sSubPr>
+                          <m:ctrlPr>
+                            <a:rPr lang="en-US" altLang="ja-JP" sz="2000" b="0" i="1" smtClean="0">
+                              <a:latin typeface="Cambria Math" panose="02040503050406030204" pitchFamily="18" charset="0"/>
+                            </a:rPr>
+                          </m:ctrlPr>
+                        </m:sSubPr>
+                        <m:e>
+                          <m:r>
+                            <a:rPr lang="en-US" altLang="ja-JP" sz="2000" b="0" i="1" smtClean="0">
+                              <a:latin typeface="Cambria Math" panose="02040503050406030204" pitchFamily="18" charset="0"/>
+                            </a:rPr>
+                            <m:t>𝜆</m:t>
+                          </m:r>
+                        </m:e>
+                        <m:sub>
+                          <m:r>
+                            <a:rPr lang="en-US" altLang="ja-JP" sz="2000" b="0" i="1" smtClean="0">
+                              <a:latin typeface="Cambria Math" panose="02040503050406030204" pitchFamily="18" charset="0"/>
+                            </a:rPr>
+                            <m:t>2</m:t>
+                          </m:r>
+                        </m:sub>
+                      </m:sSub>
+                      <m:r>
+                        <a:rPr lang="en-US" altLang="ja-JP" sz="2000" b="0" i="1" smtClean="0">
+                          <a:latin typeface="Cambria Math" panose="02040503050406030204" pitchFamily="18" charset="0"/>
+                        </a:rPr>
+                        <m:t>(</m:t>
+                      </m:r>
+                      <m:r>
+                        <a:rPr lang="en-US" altLang="ja-JP" sz="2000" b="0" i="1" smtClean="0">
+                          <a:latin typeface="Cambria Math" panose="02040503050406030204" pitchFamily="18" charset="0"/>
+                        </a:rPr>
+                        <m:t>1</m:t>
+                      </m:r>
+                      <m:r>
+                        <a:rPr lang="en-US" altLang="ja-JP" sz="2000" b="0" i="1" smtClean="0">
+                          <a:latin typeface="Cambria Math" panose="02040503050406030204" pitchFamily="18" charset="0"/>
+                        </a:rPr>
+                        <m:t>−</m:t>
+                      </m:r>
+                      <m:sSup>
+                        <m:sSupPr>
+                          <m:ctrlPr>
+                            <a:rPr lang="en-US" altLang="ja-JP" sz="2000" b="1" i="1" smtClean="0">
+                              <a:latin typeface="Cambria Math" panose="02040503050406030204" pitchFamily="18" charset="0"/>
+                            </a:rPr>
+                          </m:ctrlPr>
+                        </m:sSupPr>
+                        <m:e>
+                          <m:r>
+                            <a:rPr lang="en-US" altLang="ja-JP" sz="2000" b="1" i="1" smtClean="0">
+                              <a:latin typeface="Cambria Math" panose="02040503050406030204" pitchFamily="18" charset="0"/>
+                            </a:rPr>
+                            <m:t>𝒘</m:t>
+                          </m:r>
+                        </m:e>
+                        <m:sup>
+                          <m:r>
+                            <a:rPr lang="en-US" altLang="ja-JP" sz="2000" b="1" i="1" smtClean="0">
+                              <a:latin typeface="Cambria Math" panose="02040503050406030204" pitchFamily="18" charset="0"/>
+                            </a:rPr>
+                            <m:t>𝑻</m:t>
+                          </m:r>
+                        </m:sup>
+                      </m:sSup>
+                      <m:r>
+                        <a:rPr lang="en-US" altLang="ja-JP" sz="2000" b="1" i="1" smtClean="0">
+                          <a:latin typeface="Cambria Math" panose="02040503050406030204" pitchFamily="18" charset="0"/>
+                        </a:rPr>
+                        <m:t>𝟏</m:t>
+                      </m:r>
+                      <m:r>
+                        <a:rPr lang="en-US" altLang="ja-JP" sz="2000" b="0" i="1" smtClean="0">
+                          <a:latin typeface="Cambria Math" panose="02040503050406030204" pitchFamily="18" charset="0"/>
+                        </a:rPr>
+                        <m:t>)</m:t>
+                      </m:r>
+                    </m:oMath>
+                  </m:oMathPara>
+                </a14:m>
+                <a:endParaRPr lang="en-US" altLang="ja-JP" sz="2000" dirty="0" smtClean="0"/>
+              </a:p>
+              <a:p>
+                <a:pPr marL="0" indent="0">
+                  <a:buNone/>
+                </a:pPr>
+                <a14:m>
+                  <m:oMathPara xmlns:m="http://schemas.openxmlformats.org/officeDocument/2006/math">
+                    <m:oMathParaPr>
+                      <m:jc m:val="centerGroup"/>
+                    </m:oMathParaPr>
+                    <m:oMath xmlns:m="http://schemas.openxmlformats.org/officeDocument/2006/math">
+                      <m:f>
+                        <m:fPr>
+                          <m:ctrlPr>
+                            <a:rPr lang="en-US" altLang="ja-JP" sz="2000" b="0" i="1" smtClean="0">
+                              <a:latin typeface="Cambria Math" panose="02040503050406030204" pitchFamily="18" charset="0"/>
+                            </a:rPr>
+                          </m:ctrlPr>
+                        </m:fPr>
+                        <m:num>
+                          <m:r>
+                            <a:rPr lang="en-US" altLang="ja-JP" sz="2000" b="0" i="1" smtClean="0">
+                              <a:latin typeface="Cambria Math" panose="02040503050406030204" pitchFamily="18" charset="0"/>
+                            </a:rPr>
+                            <m:t>𝜕</m:t>
+                          </m:r>
+                          <m:r>
+                            <a:rPr lang="en-US" altLang="ja-JP" sz="2000" b="0" i="1" smtClean="0">
+                              <a:latin typeface="Cambria Math" panose="02040503050406030204" pitchFamily="18" charset="0"/>
+                            </a:rPr>
+                            <m:t>𝐿</m:t>
+                          </m:r>
+                        </m:num>
+                        <m:den>
+                          <m:r>
+                            <a:rPr lang="en-US" altLang="ja-JP" sz="2000" b="0" i="1" smtClean="0">
+                              <a:latin typeface="Cambria Math" panose="02040503050406030204" pitchFamily="18" charset="0"/>
+                            </a:rPr>
+                            <m:t>𝜕</m:t>
+                          </m:r>
+                          <m:r>
+                            <a:rPr lang="en-US" altLang="ja-JP" sz="2000" b="1" i="1" smtClean="0">
+                              <a:latin typeface="Cambria Math" panose="02040503050406030204" pitchFamily="18" charset="0"/>
+                            </a:rPr>
+                            <m:t>𝒘</m:t>
+                          </m:r>
+                        </m:den>
+                      </m:f>
+                      <m:r>
+                        <a:rPr lang="en-US" altLang="ja-JP" sz="2000" b="0" i="1" smtClean="0">
+                          <a:latin typeface="Cambria Math" panose="02040503050406030204" pitchFamily="18" charset="0"/>
+                        </a:rPr>
+                        <m:t>=</m:t>
+                      </m:r>
+                      <m:r>
+                        <a:rPr lang="en-US" altLang="ja-JP" sz="2000" b="1" i="1" smtClean="0">
+                          <a:latin typeface="Cambria Math" panose="02040503050406030204" pitchFamily="18" charset="0"/>
+                        </a:rPr>
+                        <m:t>𝝁</m:t>
+                      </m:r>
+                      <m:r>
+                        <a:rPr lang="en-US" altLang="ja-JP" sz="2000" b="0" i="1" smtClean="0">
+                          <a:latin typeface="Cambria Math" panose="02040503050406030204" pitchFamily="18" charset="0"/>
+                        </a:rPr>
+                        <m:t>−</m:t>
+                      </m:r>
+                      <m:r>
+                        <a:rPr lang="en-US" altLang="ja-JP" sz="2000" b="0" i="1" smtClean="0">
+                          <a:latin typeface="Cambria Math" panose="02040503050406030204" pitchFamily="18" charset="0"/>
+                        </a:rPr>
+                        <m:t>2</m:t>
+                      </m:r>
+                      <m:sSub>
+                        <m:sSubPr>
+                          <m:ctrlPr>
+                            <a:rPr lang="en-US" altLang="ja-JP" sz="2000" b="0" i="1" smtClean="0">
+                              <a:latin typeface="Cambria Math" panose="02040503050406030204" pitchFamily="18" charset="0"/>
+                            </a:rPr>
+                          </m:ctrlPr>
+                        </m:sSubPr>
+                        <m:e>
+                          <m:r>
+                            <a:rPr lang="en-US" altLang="ja-JP" sz="2000" b="0" i="1" smtClean="0">
+                              <a:latin typeface="Cambria Math" panose="02040503050406030204" pitchFamily="18" charset="0"/>
+                            </a:rPr>
+                            <m:t>𝜆</m:t>
+                          </m:r>
+                        </m:e>
+                        <m:sub>
+                          <m:r>
+                            <a:rPr lang="en-US" altLang="ja-JP" sz="2000" b="0" i="1" smtClean="0">
+                              <a:latin typeface="Cambria Math" panose="02040503050406030204" pitchFamily="18" charset="0"/>
+                            </a:rPr>
+                            <m:t>1</m:t>
+                          </m:r>
+                        </m:sub>
+                      </m:sSub>
+                      <m:r>
+                        <a:rPr lang="en-US" altLang="ja-JP" sz="2000" b="1" i="0" smtClean="0">
+                          <a:latin typeface="Cambria Math" panose="02040503050406030204" pitchFamily="18" charset="0"/>
+                        </a:rPr>
+                        <m:t>𝛀</m:t>
+                      </m:r>
+                      <m:r>
+                        <a:rPr lang="en-US" altLang="ja-JP" sz="2000" b="1" i="1" smtClean="0">
+                          <a:latin typeface="Cambria Math" panose="02040503050406030204" pitchFamily="18" charset="0"/>
+                        </a:rPr>
+                        <m:t>𝒘</m:t>
+                      </m:r>
+                      <m:r>
+                        <a:rPr lang="en-US" altLang="ja-JP" sz="2000" b="0" i="1" smtClean="0">
+                          <a:latin typeface="Cambria Math" panose="02040503050406030204" pitchFamily="18" charset="0"/>
+                        </a:rPr>
+                        <m:t>−</m:t>
+                      </m:r>
+                      <m:sSub>
+                        <m:sSubPr>
+                          <m:ctrlPr>
+                            <a:rPr lang="en-US" altLang="ja-JP" sz="2000" i="1" smtClean="0">
+                              <a:latin typeface="Cambria Math" panose="02040503050406030204" pitchFamily="18" charset="0"/>
+                            </a:rPr>
+                          </m:ctrlPr>
+                        </m:sSubPr>
+                        <m:e>
+                          <m:r>
+                            <a:rPr lang="en-US" altLang="ja-JP" sz="2000" b="0" i="1" smtClean="0">
+                              <a:latin typeface="Cambria Math" panose="02040503050406030204" pitchFamily="18" charset="0"/>
+                            </a:rPr>
+                            <m:t>𝜆</m:t>
+                          </m:r>
+                        </m:e>
+                        <m:sub>
+                          <m:r>
+                            <a:rPr lang="en-US" altLang="ja-JP" sz="2000" b="0" i="1" smtClean="0">
+                              <a:latin typeface="Cambria Math" panose="02040503050406030204" pitchFamily="18" charset="0"/>
+                            </a:rPr>
+                            <m:t>2</m:t>
+                          </m:r>
+                        </m:sub>
+                      </m:sSub>
+                      <m:r>
+                        <a:rPr lang="en-US" altLang="ja-JP" sz="2000" b="1" i="1" smtClean="0">
+                          <a:latin typeface="Cambria Math" panose="02040503050406030204" pitchFamily="18" charset="0"/>
+                        </a:rPr>
+                        <m:t>𝟏</m:t>
+                      </m:r>
+                      <m:r>
+                        <a:rPr lang="en-US" altLang="ja-JP" sz="2000" b="1" i="1" smtClean="0">
+                          <a:latin typeface="Cambria Math" panose="02040503050406030204" pitchFamily="18" charset="0"/>
+                        </a:rPr>
+                        <m:t>=</m:t>
+                      </m:r>
+                      <m:r>
+                        <a:rPr lang="en-US" altLang="ja-JP" sz="2000" b="1" i="1" smtClean="0">
+                          <a:latin typeface="Cambria Math" panose="02040503050406030204" pitchFamily="18" charset="0"/>
+                        </a:rPr>
+                        <m:t>𝟎</m:t>
+                      </m:r>
+                    </m:oMath>
+                  </m:oMathPara>
+                </a14:m>
+                <a:endParaRPr lang="en-US" altLang="ja-JP" sz="2000" b="1" dirty="0" smtClean="0"/>
+              </a:p>
+              <a:p>
+                <a:pPr marL="0" indent="0">
+                  <a:buNone/>
+                </a:pPr>
+                <a14:m>
+                  <m:oMathPara xmlns:m="http://schemas.openxmlformats.org/officeDocument/2006/math">
+                    <m:oMathParaPr>
+                      <m:jc m:val="centerGroup"/>
+                    </m:oMathParaPr>
+                    <m:oMath xmlns:m="http://schemas.openxmlformats.org/officeDocument/2006/math">
+                      <m:r>
+                        <a:rPr lang="en-US" altLang="ja-JP" sz="2000" b="1" i="1" smtClean="0">
+                          <a:latin typeface="Cambria Math" panose="02040503050406030204" pitchFamily="18" charset="0"/>
+                          <a:ea typeface="Cambria Math" panose="02040503050406030204" pitchFamily="18" charset="0"/>
+                        </a:rPr>
+                        <m:t>∴</m:t>
+                      </m:r>
+                      <m:sSup>
+                        <m:sSupPr>
+                          <m:ctrlPr>
+                            <a:rPr lang="en-US" altLang="ja-JP" sz="2000" b="1" i="1" smtClean="0">
+                              <a:latin typeface="Cambria Math" panose="02040503050406030204" pitchFamily="18" charset="0"/>
+                            </a:rPr>
+                          </m:ctrlPr>
+                        </m:sSupPr>
+                        <m:e>
+                          <m:r>
+                            <a:rPr lang="en-US" altLang="ja-JP" sz="2000" b="1" i="1" smtClean="0">
+                              <a:latin typeface="Cambria Math" panose="02040503050406030204" pitchFamily="18" charset="0"/>
+                            </a:rPr>
+                            <m:t>𝒘</m:t>
+                          </m:r>
+                        </m:e>
+                        <m:sup>
+                          <m:r>
+                            <a:rPr lang="en-US" altLang="ja-JP" sz="2000" b="1" i="1" smtClean="0">
+                              <a:latin typeface="Cambria Math" panose="02040503050406030204" pitchFamily="18" charset="0"/>
+                            </a:rPr>
+                            <m:t>∗</m:t>
+                          </m:r>
+                        </m:sup>
+                      </m:sSup>
+                      <m:r>
+                        <a:rPr lang="en-US" altLang="ja-JP" sz="2000" b="1" i="1" smtClean="0">
+                          <a:latin typeface="Cambria Math" panose="02040503050406030204" pitchFamily="18" charset="0"/>
+                        </a:rPr>
+                        <m:t>=</m:t>
+                      </m:r>
+                      <m:f>
+                        <m:fPr>
+                          <m:ctrlPr>
+                            <a:rPr lang="en-US" altLang="ja-JP" sz="2000" b="0" i="1" smtClean="0">
+                              <a:latin typeface="Cambria Math" panose="02040503050406030204" pitchFamily="18" charset="0"/>
+                            </a:rPr>
+                          </m:ctrlPr>
+                        </m:fPr>
+                        <m:num>
+                          <m:r>
+                            <a:rPr lang="en-US" altLang="ja-JP" sz="2000" b="0" i="1" smtClean="0">
+                              <a:latin typeface="Cambria Math" panose="02040503050406030204" pitchFamily="18" charset="0"/>
+                            </a:rPr>
+                            <m:t>1</m:t>
+                          </m:r>
+                        </m:num>
+                        <m:den>
+                          <m:r>
+                            <a:rPr lang="en-US" altLang="ja-JP" sz="2000" b="0" i="1" smtClean="0">
+                              <a:latin typeface="Cambria Math" panose="02040503050406030204" pitchFamily="18" charset="0"/>
+                            </a:rPr>
+                            <m:t>2</m:t>
+                          </m:r>
+                          <m:sSub>
+                            <m:sSubPr>
+                              <m:ctrlPr>
+                                <a:rPr lang="en-US" altLang="ja-JP" sz="2000" b="0" i="1" smtClean="0">
+                                  <a:latin typeface="Cambria Math" panose="02040503050406030204" pitchFamily="18" charset="0"/>
+                                </a:rPr>
+                              </m:ctrlPr>
+                            </m:sSubPr>
+                            <m:e>
+                              <m:r>
+                                <a:rPr lang="en-US" altLang="ja-JP" sz="2000" b="0" i="1" smtClean="0">
+                                  <a:latin typeface="Cambria Math" panose="02040503050406030204" pitchFamily="18" charset="0"/>
+                                </a:rPr>
+                                <m:t>𝜆</m:t>
+                              </m:r>
+                            </m:e>
+                            <m:sub>
+                              <m:r>
+                                <a:rPr lang="en-US" altLang="ja-JP" sz="2000" b="0" i="1" smtClean="0">
+                                  <a:latin typeface="Cambria Math" panose="02040503050406030204" pitchFamily="18" charset="0"/>
+                                </a:rPr>
+                                <m:t>1</m:t>
+                              </m:r>
+                            </m:sub>
+                          </m:sSub>
+                        </m:den>
+                      </m:f>
+                      <m:sSup>
+                        <m:sSupPr>
+                          <m:ctrlPr>
+                            <a:rPr lang="en-US" altLang="ja-JP" sz="2000" b="0" i="1" smtClean="0">
+                              <a:latin typeface="Cambria Math" panose="02040503050406030204" pitchFamily="18" charset="0"/>
+                            </a:rPr>
+                          </m:ctrlPr>
+                        </m:sSupPr>
+                        <m:e>
+                          <m:r>
+                            <a:rPr lang="en-US" altLang="ja-JP" sz="2000" b="1" i="0" smtClean="0">
+                              <a:latin typeface="Cambria Math" panose="02040503050406030204" pitchFamily="18" charset="0"/>
+                            </a:rPr>
+                            <m:t>𝛀</m:t>
+                          </m:r>
+                        </m:e>
+                        <m:sup>
+                          <m:r>
+                            <a:rPr lang="en-US" altLang="ja-JP" sz="2000" b="0" i="1" smtClean="0">
+                              <a:latin typeface="Cambria Math" panose="02040503050406030204" pitchFamily="18" charset="0"/>
+                            </a:rPr>
+                            <m:t>−</m:t>
+                          </m:r>
+                          <m:r>
+                            <a:rPr lang="en-US" altLang="ja-JP" sz="2000" b="0" i="1" smtClean="0">
+                              <a:latin typeface="Cambria Math" panose="02040503050406030204" pitchFamily="18" charset="0"/>
+                            </a:rPr>
+                            <m:t>1</m:t>
+                          </m:r>
+                        </m:sup>
+                      </m:sSup>
+                      <m:r>
+                        <a:rPr lang="en-US" altLang="ja-JP" sz="2000" b="0" i="1" smtClean="0">
+                          <a:latin typeface="Cambria Math" panose="02040503050406030204" pitchFamily="18" charset="0"/>
+                        </a:rPr>
+                        <m:t>(</m:t>
+                      </m:r>
+                      <m:r>
+                        <a:rPr lang="en-US" altLang="ja-JP" sz="2000" b="1" i="1" smtClean="0">
+                          <a:latin typeface="Cambria Math" panose="02040503050406030204" pitchFamily="18" charset="0"/>
+                        </a:rPr>
+                        <m:t>𝝁</m:t>
+                      </m:r>
+                      <m:r>
+                        <a:rPr lang="en-US" altLang="ja-JP" sz="2000" b="0" i="1" smtClean="0">
+                          <a:latin typeface="Cambria Math" panose="02040503050406030204" pitchFamily="18" charset="0"/>
+                        </a:rPr>
+                        <m:t>−</m:t>
+                      </m:r>
+                      <m:sSub>
+                        <m:sSubPr>
+                          <m:ctrlPr>
+                            <a:rPr lang="en-US" altLang="ja-JP" sz="2000" b="0" i="1" smtClean="0">
+                              <a:latin typeface="Cambria Math" panose="02040503050406030204" pitchFamily="18" charset="0"/>
+                            </a:rPr>
+                          </m:ctrlPr>
+                        </m:sSubPr>
+                        <m:e>
+                          <m:r>
+                            <a:rPr lang="en-US" altLang="ja-JP" sz="2000" b="0" i="1" smtClean="0">
+                              <a:latin typeface="Cambria Math" panose="02040503050406030204" pitchFamily="18" charset="0"/>
+                            </a:rPr>
+                            <m:t>𝜆</m:t>
+                          </m:r>
+                        </m:e>
+                        <m:sub>
+                          <m:r>
+                            <a:rPr lang="en-US" altLang="ja-JP" sz="2000" b="0" i="1" smtClean="0">
+                              <a:latin typeface="Cambria Math" panose="02040503050406030204" pitchFamily="18" charset="0"/>
+                            </a:rPr>
+                            <m:t>2</m:t>
+                          </m:r>
+                        </m:sub>
+                      </m:sSub>
+                      <m:r>
+                        <a:rPr lang="en-US" altLang="ja-JP" sz="2000" b="1" i="1" smtClean="0">
+                          <a:latin typeface="Cambria Math" panose="02040503050406030204" pitchFamily="18" charset="0"/>
+                        </a:rPr>
+                        <m:t>𝟏</m:t>
+                      </m:r>
+                      <m:r>
+                        <a:rPr lang="en-US" altLang="ja-JP" sz="2000" b="0" i="1" smtClean="0">
+                          <a:latin typeface="Cambria Math" panose="02040503050406030204" pitchFamily="18" charset="0"/>
+                        </a:rPr>
+                        <m:t>)</m:t>
+                      </m:r>
+                    </m:oMath>
+                  </m:oMathPara>
+                </a14:m>
+                <a:endParaRPr lang="en-US" altLang="ja-JP" sz="2000" dirty="0" smtClean="0"/>
+              </a:p>
+              <a:p>
+                <a:pPr marL="0" indent="0">
+                  <a:buNone/>
+                </a:pPr>
+                <a14:m>
+                  <m:oMathPara xmlns:m="http://schemas.openxmlformats.org/officeDocument/2006/math">
+                    <m:oMathParaPr>
+                      <m:jc m:val="centerGroup"/>
+                    </m:oMathParaPr>
+                    <m:oMath xmlns:m="http://schemas.openxmlformats.org/officeDocument/2006/math">
+                      <m:sSubSup>
+                        <m:sSubSupPr>
+                          <m:ctrlPr>
+                            <a:rPr lang="en-US" altLang="ja-JP" sz="2000" b="0" i="1" smtClean="0">
+                              <a:latin typeface="Cambria Math" panose="02040503050406030204" pitchFamily="18" charset="0"/>
+                            </a:rPr>
+                          </m:ctrlPr>
+                        </m:sSubSupPr>
+                        <m:e>
+                          <m:r>
+                            <a:rPr lang="en-US" altLang="ja-JP" sz="2000" b="0" i="1" smtClean="0">
+                              <a:latin typeface="Cambria Math" panose="02040503050406030204" pitchFamily="18" charset="0"/>
+                            </a:rPr>
+                            <m:t>𝜎</m:t>
+                          </m:r>
+                        </m:e>
+                        <m:sub>
+                          <m:r>
+                            <a:rPr lang="en-US" altLang="ja-JP" sz="2000" b="0" i="1" smtClean="0">
+                              <a:latin typeface="Cambria Math" panose="02040503050406030204" pitchFamily="18" charset="0"/>
+                            </a:rPr>
+                            <m:t>𝑝</m:t>
+                          </m:r>
+                        </m:sub>
+                        <m:sup>
+                          <m:r>
+                            <a:rPr lang="en-US" altLang="ja-JP" sz="2000" b="0" i="1" smtClean="0">
+                              <a:latin typeface="Cambria Math" panose="02040503050406030204" pitchFamily="18" charset="0"/>
+                            </a:rPr>
+                            <m:t>2</m:t>
+                          </m:r>
+                        </m:sup>
+                      </m:sSubSup>
+                      <m:r>
+                        <a:rPr lang="en-US" altLang="ja-JP" sz="2000" b="0" i="1" smtClean="0">
+                          <a:latin typeface="Cambria Math" panose="02040503050406030204" pitchFamily="18" charset="0"/>
+                        </a:rPr>
+                        <m:t>=</m:t>
+                      </m:r>
+                      <m:sSup>
+                        <m:sSupPr>
+                          <m:ctrlPr>
+                            <a:rPr lang="en-US" altLang="ja-JP" sz="2000" b="1" i="1" smtClean="0">
+                              <a:latin typeface="Cambria Math" panose="02040503050406030204" pitchFamily="18" charset="0"/>
+                            </a:rPr>
+                          </m:ctrlPr>
+                        </m:sSupPr>
+                        <m:e>
+                          <m:r>
+                            <a:rPr lang="en-US" altLang="ja-JP" sz="2000" b="1" i="1" smtClean="0">
+                              <a:latin typeface="Cambria Math" panose="02040503050406030204" pitchFamily="18" charset="0"/>
+                            </a:rPr>
+                            <m:t>𝒘</m:t>
+                          </m:r>
+                        </m:e>
+                        <m:sup>
+                          <m:r>
+                            <a:rPr lang="en-US" altLang="ja-JP" sz="2000" b="1" i="1" smtClean="0">
+                              <a:latin typeface="Cambria Math" panose="02040503050406030204" pitchFamily="18" charset="0"/>
+                            </a:rPr>
+                            <m:t>∗</m:t>
+                          </m:r>
+                          <m:r>
+                            <a:rPr lang="en-US" altLang="ja-JP" sz="2000" b="1" i="1" smtClean="0">
+                              <a:latin typeface="Cambria Math" panose="02040503050406030204" pitchFamily="18" charset="0"/>
+                            </a:rPr>
+                            <m:t>𝑻</m:t>
+                          </m:r>
+                        </m:sup>
+                      </m:sSup>
+                      <m:r>
+                        <a:rPr lang="en-US" altLang="ja-JP" sz="2000" b="1" i="0" smtClean="0">
+                          <a:latin typeface="Cambria Math" panose="02040503050406030204" pitchFamily="18" charset="0"/>
+                        </a:rPr>
+                        <m:t>𝛀</m:t>
+                      </m:r>
+                      <m:sSup>
+                        <m:sSupPr>
+                          <m:ctrlPr>
+                            <a:rPr lang="en-US" altLang="ja-JP" sz="2000" b="1" i="1" smtClean="0">
+                              <a:latin typeface="Cambria Math" panose="02040503050406030204" pitchFamily="18" charset="0"/>
+                            </a:rPr>
+                          </m:ctrlPr>
+                        </m:sSupPr>
+                        <m:e>
+                          <m:r>
+                            <a:rPr lang="en-US" altLang="ja-JP" sz="2000" b="1" i="1" smtClean="0">
+                              <a:latin typeface="Cambria Math" panose="02040503050406030204" pitchFamily="18" charset="0"/>
+                            </a:rPr>
+                            <m:t>𝒘</m:t>
+                          </m:r>
+                        </m:e>
+                        <m:sup>
+                          <m:r>
+                            <a:rPr lang="en-US" altLang="ja-JP" sz="2000" b="1" i="1" smtClean="0">
+                              <a:latin typeface="Cambria Math" panose="02040503050406030204" pitchFamily="18" charset="0"/>
+                            </a:rPr>
+                            <m:t>∗</m:t>
+                          </m:r>
+                        </m:sup>
+                      </m:sSup>
+                      <m:r>
+                        <a:rPr lang="en-US" altLang="ja-JP" sz="2000" b="0" i="1" smtClean="0">
+                          <a:latin typeface="Cambria Math" panose="02040503050406030204" pitchFamily="18" charset="0"/>
+                        </a:rPr>
+                        <m:t>=</m:t>
+                      </m:r>
+                      <m:f>
+                        <m:fPr>
+                          <m:ctrlPr>
+                            <a:rPr lang="en-US" altLang="ja-JP" sz="2000" b="0" i="1" smtClean="0">
+                              <a:latin typeface="Cambria Math" panose="02040503050406030204" pitchFamily="18" charset="0"/>
+                            </a:rPr>
+                          </m:ctrlPr>
+                        </m:fPr>
+                        <m:num>
+                          <m:r>
+                            <a:rPr lang="en-US" altLang="ja-JP" sz="2000" b="0" i="1" smtClean="0">
+                              <a:latin typeface="Cambria Math" panose="02040503050406030204" pitchFamily="18" charset="0"/>
+                            </a:rPr>
+                            <m:t>1</m:t>
+                          </m:r>
+                        </m:num>
+                        <m:den>
+                          <m:r>
+                            <a:rPr lang="en-US" altLang="ja-JP" sz="2000" b="0" i="1" smtClean="0">
+                              <a:latin typeface="Cambria Math" panose="02040503050406030204" pitchFamily="18" charset="0"/>
+                            </a:rPr>
+                            <m:t>4</m:t>
+                          </m:r>
+                          <m:sSubSup>
+                            <m:sSubSupPr>
+                              <m:ctrlPr>
+                                <a:rPr lang="en-US" altLang="ja-JP" sz="2000" b="0" i="1" smtClean="0">
+                                  <a:latin typeface="Cambria Math" panose="02040503050406030204" pitchFamily="18" charset="0"/>
+                                </a:rPr>
+                              </m:ctrlPr>
+                            </m:sSubSupPr>
+                            <m:e>
+                              <m:r>
+                                <a:rPr lang="en-US" altLang="ja-JP" sz="2000" b="0" i="1" smtClean="0">
+                                  <a:latin typeface="Cambria Math" panose="02040503050406030204" pitchFamily="18" charset="0"/>
+                                </a:rPr>
+                                <m:t>𝜆</m:t>
+                              </m:r>
+                            </m:e>
+                            <m:sub>
+                              <m:r>
+                                <a:rPr lang="en-US" altLang="ja-JP" sz="2000" b="0" i="1" smtClean="0">
+                                  <a:latin typeface="Cambria Math" panose="02040503050406030204" pitchFamily="18" charset="0"/>
+                                </a:rPr>
+                                <m:t>1</m:t>
+                              </m:r>
+                            </m:sub>
+                            <m:sup>
+                              <m:r>
+                                <a:rPr lang="en-US" altLang="ja-JP" sz="2000" b="0" i="1" smtClean="0">
+                                  <a:latin typeface="Cambria Math" panose="02040503050406030204" pitchFamily="18" charset="0"/>
+                                </a:rPr>
+                                <m:t>2</m:t>
+                              </m:r>
+                            </m:sup>
+                          </m:sSubSup>
+                        </m:den>
+                      </m:f>
+                      <m:sSup>
+                        <m:sSupPr>
+                          <m:ctrlPr>
+                            <a:rPr lang="en-US" altLang="ja-JP" sz="2000" b="0" i="1" smtClean="0">
+                              <a:latin typeface="Cambria Math" panose="02040503050406030204" pitchFamily="18" charset="0"/>
+                            </a:rPr>
+                          </m:ctrlPr>
+                        </m:sSupPr>
+                        <m:e>
+                          <m:d>
+                            <m:dPr>
+                              <m:ctrlPr>
+                                <a:rPr lang="en-US" altLang="ja-JP" sz="2000" b="1" i="1" smtClean="0">
+                                  <a:latin typeface="Cambria Math" panose="02040503050406030204" pitchFamily="18" charset="0"/>
+                                </a:rPr>
+                              </m:ctrlPr>
+                            </m:dPr>
+                            <m:e>
+                              <m:r>
+                                <a:rPr lang="en-US" altLang="ja-JP" sz="2000" b="1" i="1" smtClean="0">
+                                  <a:latin typeface="Cambria Math" panose="02040503050406030204" pitchFamily="18" charset="0"/>
+                                </a:rPr>
+                                <m:t>𝝁</m:t>
+                              </m:r>
+                              <m:r>
+                                <a:rPr lang="en-US" altLang="ja-JP" sz="2000" b="1" i="1" smtClean="0">
+                                  <a:latin typeface="Cambria Math" panose="02040503050406030204" pitchFamily="18" charset="0"/>
+                                </a:rPr>
+                                <m:t>−</m:t>
+                              </m:r>
+                              <m:sSub>
+                                <m:sSubPr>
+                                  <m:ctrlPr>
+                                    <a:rPr lang="en-US" altLang="ja-JP" sz="2000" i="1" smtClean="0">
+                                      <a:latin typeface="Cambria Math" panose="02040503050406030204" pitchFamily="18" charset="0"/>
+                                    </a:rPr>
+                                  </m:ctrlPr>
+                                </m:sSubPr>
+                                <m:e>
+                                  <m:r>
+                                    <a:rPr lang="en-US" altLang="ja-JP" sz="2000" b="0" i="1" smtClean="0">
+                                      <a:latin typeface="Cambria Math" panose="02040503050406030204" pitchFamily="18" charset="0"/>
+                                    </a:rPr>
+                                    <m:t>𝜆</m:t>
+                                  </m:r>
+                                </m:e>
+                                <m:sub>
+                                  <m:r>
+                                    <a:rPr lang="en-US" altLang="ja-JP" sz="2000" b="0" i="1" smtClean="0">
+                                      <a:latin typeface="Cambria Math" panose="02040503050406030204" pitchFamily="18" charset="0"/>
+                                    </a:rPr>
+                                    <m:t>2</m:t>
+                                  </m:r>
+                                </m:sub>
+                              </m:sSub>
+                              <m:r>
+                                <a:rPr lang="en-US" altLang="ja-JP" sz="2000" b="1" i="1" smtClean="0">
+                                  <a:latin typeface="Cambria Math" panose="02040503050406030204" pitchFamily="18" charset="0"/>
+                                </a:rPr>
+                                <m:t>𝟏</m:t>
+                              </m:r>
+                            </m:e>
+                          </m:d>
+                        </m:e>
+                        <m:sup>
+                          <m:r>
+                            <a:rPr lang="en-US" altLang="ja-JP" sz="2000" b="0" i="1" smtClean="0">
+                              <a:latin typeface="Cambria Math" panose="02040503050406030204" pitchFamily="18" charset="0"/>
+                            </a:rPr>
+                            <m:t>𝑇</m:t>
+                          </m:r>
+                        </m:sup>
+                      </m:sSup>
+                      <m:sSup>
+                        <m:sSupPr>
+                          <m:ctrlPr>
+                            <a:rPr lang="en-US" altLang="ja-JP" sz="2000" b="0" i="1" smtClean="0">
+                              <a:latin typeface="Cambria Math" panose="02040503050406030204" pitchFamily="18" charset="0"/>
+                            </a:rPr>
+                          </m:ctrlPr>
+                        </m:sSupPr>
+                        <m:e>
+                          <m:r>
+                            <a:rPr lang="en-US" altLang="ja-JP" sz="2000" b="1" i="0" smtClean="0">
+                              <a:latin typeface="Cambria Math" panose="02040503050406030204" pitchFamily="18" charset="0"/>
+                            </a:rPr>
+                            <m:t>𝛀</m:t>
+                          </m:r>
+                        </m:e>
+                        <m:sup>
+                          <m:r>
+                            <a:rPr lang="en-US" altLang="ja-JP" sz="2000" b="0" i="1" smtClean="0">
+                              <a:latin typeface="Cambria Math" panose="02040503050406030204" pitchFamily="18" charset="0"/>
+                            </a:rPr>
+                            <m:t>−</m:t>
+                          </m:r>
+                          <m:r>
+                            <a:rPr lang="en-US" altLang="ja-JP" sz="2000" b="0" i="1" smtClean="0">
+                              <a:latin typeface="Cambria Math" panose="02040503050406030204" pitchFamily="18" charset="0"/>
+                            </a:rPr>
+                            <m:t>1</m:t>
+                          </m:r>
+                        </m:sup>
+                      </m:sSup>
+                      <m:r>
+                        <a:rPr lang="en-US" altLang="ja-JP" sz="2000" b="1" i="0" smtClean="0">
+                          <a:latin typeface="Cambria Math" panose="02040503050406030204" pitchFamily="18" charset="0"/>
+                        </a:rPr>
+                        <m:t>𝛀</m:t>
+                      </m:r>
+                      <m:sSup>
+                        <m:sSupPr>
+                          <m:ctrlPr>
+                            <a:rPr lang="en-US" altLang="ja-JP" sz="2000" b="0" i="1" smtClean="0">
+                              <a:latin typeface="Cambria Math" panose="02040503050406030204" pitchFamily="18" charset="0"/>
+                            </a:rPr>
+                          </m:ctrlPr>
+                        </m:sSupPr>
+                        <m:e>
+                          <m:r>
+                            <a:rPr lang="en-US" altLang="ja-JP" sz="2000" b="1" i="0" smtClean="0">
+                              <a:latin typeface="Cambria Math" panose="02040503050406030204" pitchFamily="18" charset="0"/>
+                            </a:rPr>
+                            <m:t>𝛀</m:t>
+                          </m:r>
+                        </m:e>
+                        <m:sup>
+                          <m:r>
+                            <a:rPr lang="en-US" altLang="ja-JP" sz="2000" b="0" i="1" smtClean="0">
+                              <a:latin typeface="Cambria Math" panose="02040503050406030204" pitchFamily="18" charset="0"/>
+                            </a:rPr>
+                            <m:t>−</m:t>
+                          </m:r>
+                          <m:r>
+                            <a:rPr lang="en-US" altLang="ja-JP" sz="2000" b="0" i="1" smtClean="0">
+                              <a:latin typeface="Cambria Math" panose="02040503050406030204" pitchFamily="18" charset="0"/>
+                            </a:rPr>
+                            <m:t>1</m:t>
+                          </m:r>
+                        </m:sup>
+                      </m:sSup>
+                      <m:d>
+                        <m:dPr>
+                          <m:ctrlPr>
+                            <a:rPr lang="en-US" altLang="ja-JP" sz="2000" b="0" i="1" smtClean="0">
+                              <a:latin typeface="Cambria Math" panose="02040503050406030204" pitchFamily="18" charset="0"/>
+                            </a:rPr>
+                          </m:ctrlPr>
+                        </m:dPr>
+                        <m:e>
+                          <m:r>
+                            <a:rPr lang="en-US" altLang="ja-JP" sz="2000" b="1" i="1" smtClean="0">
+                              <a:latin typeface="Cambria Math" panose="02040503050406030204" pitchFamily="18" charset="0"/>
+                            </a:rPr>
+                            <m:t>𝝁</m:t>
+                          </m:r>
+                          <m:r>
+                            <a:rPr lang="en-US" altLang="ja-JP" sz="2000" b="0" i="1" smtClean="0">
+                              <a:latin typeface="Cambria Math" panose="02040503050406030204" pitchFamily="18" charset="0"/>
+                            </a:rPr>
+                            <m:t>−</m:t>
+                          </m:r>
+                          <m:sSub>
+                            <m:sSubPr>
+                              <m:ctrlPr>
+                                <a:rPr lang="en-US" altLang="ja-JP" sz="2000" b="0" i="1" smtClean="0">
+                                  <a:latin typeface="Cambria Math" panose="02040503050406030204" pitchFamily="18" charset="0"/>
+                                </a:rPr>
+                              </m:ctrlPr>
+                            </m:sSubPr>
+                            <m:e>
+                              <m:r>
+                                <a:rPr lang="en-US" altLang="ja-JP" sz="2000" b="0" i="1" smtClean="0">
+                                  <a:latin typeface="Cambria Math" panose="02040503050406030204" pitchFamily="18" charset="0"/>
+                                </a:rPr>
+                                <m:t>𝜆</m:t>
+                              </m:r>
+                            </m:e>
+                            <m:sub>
+                              <m:r>
+                                <a:rPr lang="en-US" altLang="ja-JP" sz="2000" b="0" i="1" smtClean="0">
+                                  <a:latin typeface="Cambria Math" panose="02040503050406030204" pitchFamily="18" charset="0"/>
+                                </a:rPr>
+                                <m:t>2</m:t>
+                              </m:r>
+                            </m:sub>
+                          </m:sSub>
+                          <m:r>
+                            <a:rPr lang="en-US" altLang="ja-JP" sz="2000" b="1" i="1" smtClean="0">
+                              <a:latin typeface="Cambria Math" panose="02040503050406030204" pitchFamily="18" charset="0"/>
+                            </a:rPr>
+                            <m:t>𝟏</m:t>
+                          </m:r>
+                        </m:e>
+                      </m:d>
+                    </m:oMath>
+                    <m:oMath xmlns:m="http://schemas.openxmlformats.org/officeDocument/2006/math">
+                      <m:r>
+                        <a:rPr lang="en-US" altLang="ja-JP" sz="2000" b="0" i="1" smtClean="0">
+                          <a:latin typeface="Cambria Math" panose="02040503050406030204" pitchFamily="18" charset="0"/>
+                        </a:rPr>
+                        <m:t>4</m:t>
+                      </m:r>
+                      <m:sSubSup>
+                        <m:sSubSupPr>
+                          <m:ctrlPr>
+                            <a:rPr lang="en-US" altLang="ja-JP" sz="2000" b="0" i="1" smtClean="0">
+                              <a:latin typeface="Cambria Math" panose="02040503050406030204" pitchFamily="18" charset="0"/>
+                            </a:rPr>
+                          </m:ctrlPr>
+                        </m:sSubSupPr>
+                        <m:e>
+                          <m:r>
+                            <a:rPr lang="en-US" altLang="ja-JP" sz="2000" b="0" i="1" smtClean="0">
+                              <a:latin typeface="Cambria Math" panose="02040503050406030204" pitchFamily="18" charset="0"/>
+                            </a:rPr>
+                            <m:t>𝜎</m:t>
+                          </m:r>
+                        </m:e>
+                        <m:sub>
+                          <m:r>
+                            <a:rPr lang="en-US" altLang="ja-JP" sz="2000" b="0" i="1" smtClean="0">
+                              <a:latin typeface="Cambria Math" panose="02040503050406030204" pitchFamily="18" charset="0"/>
+                            </a:rPr>
+                            <m:t>𝑝</m:t>
+                          </m:r>
+                        </m:sub>
+                        <m:sup>
+                          <m:r>
+                            <a:rPr lang="en-US" altLang="ja-JP" sz="2000" b="0" i="1" smtClean="0">
+                              <a:latin typeface="Cambria Math" panose="02040503050406030204" pitchFamily="18" charset="0"/>
+                            </a:rPr>
+                            <m:t>2</m:t>
+                          </m:r>
+                        </m:sup>
+                      </m:sSubSup>
+                      <m:sSubSup>
+                        <m:sSubSupPr>
+                          <m:ctrlPr>
+                            <a:rPr lang="en-US" altLang="ja-JP" sz="2000" b="0" i="1" smtClean="0">
+                              <a:latin typeface="Cambria Math" panose="02040503050406030204" pitchFamily="18" charset="0"/>
+                            </a:rPr>
+                          </m:ctrlPr>
+                        </m:sSubSupPr>
+                        <m:e>
+                          <m:r>
+                            <a:rPr lang="en-US" altLang="ja-JP" sz="2000" b="0" i="1" smtClean="0">
+                              <a:latin typeface="Cambria Math" panose="02040503050406030204" pitchFamily="18" charset="0"/>
+                            </a:rPr>
+                            <m:t>𝜆</m:t>
+                          </m:r>
+                        </m:e>
+                        <m:sub>
+                          <m:r>
+                            <a:rPr lang="en-US" altLang="ja-JP" sz="2000" b="0" i="1" smtClean="0">
+                              <a:latin typeface="Cambria Math" panose="02040503050406030204" pitchFamily="18" charset="0"/>
+                            </a:rPr>
+                            <m:t>1</m:t>
+                          </m:r>
+                        </m:sub>
+                        <m:sup>
+                          <m:r>
+                            <a:rPr lang="en-US" altLang="ja-JP" sz="2000" b="0" i="1" smtClean="0">
+                              <a:latin typeface="Cambria Math" panose="02040503050406030204" pitchFamily="18" charset="0"/>
+                            </a:rPr>
+                            <m:t>2</m:t>
+                          </m:r>
+                        </m:sup>
+                      </m:sSubSup>
+                      <m:r>
+                        <a:rPr lang="en-US" altLang="ja-JP" sz="2000" b="0" i="1" smtClean="0">
+                          <a:latin typeface="Cambria Math" panose="02040503050406030204" pitchFamily="18" charset="0"/>
+                        </a:rPr>
+                        <m:t>=</m:t>
+                      </m:r>
+                      <m:sSup>
+                        <m:sSupPr>
+                          <m:ctrlPr>
+                            <a:rPr lang="en-US" altLang="ja-JP" sz="2000" b="0" i="1" smtClean="0">
+                              <a:latin typeface="Cambria Math" panose="02040503050406030204" pitchFamily="18" charset="0"/>
+                            </a:rPr>
+                          </m:ctrlPr>
+                        </m:sSupPr>
+                        <m:e>
+                          <m:r>
+                            <a:rPr lang="en-US" altLang="ja-JP" sz="2000" b="1" i="1" smtClean="0">
+                              <a:latin typeface="Cambria Math" panose="02040503050406030204" pitchFamily="18" charset="0"/>
+                            </a:rPr>
+                            <m:t>𝝁</m:t>
+                          </m:r>
+                        </m:e>
+                        <m:sup>
+                          <m:r>
+                            <a:rPr lang="en-US" altLang="ja-JP" sz="2000" b="0" i="1" smtClean="0">
+                              <a:latin typeface="Cambria Math" panose="02040503050406030204" pitchFamily="18" charset="0"/>
+                            </a:rPr>
+                            <m:t>𝑇</m:t>
+                          </m:r>
+                        </m:sup>
+                      </m:sSup>
+                      <m:sSup>
+                        <m:sSupPr>
+                          <m:ctrlPr>
+                            <a:rPr lang="en-US" altLang="ja-JP" sz="2000" b="0" i="1" smtClean="0">
+                              <a:latin typeface="Cambria Math" panose="02040503050406030204" pitchFamily="18" charset="0"/>
+                            </a:rPr>
+                          </m:ctrlPr>
+                        </m:sSupPr>
+                        <m:e>
+                          <m:r>
+                            <a:rPr lang="en-US" altLang="ja-JP" sz="2000" b="1" i="0" smtClean="0">
+                              <a:latin typeface="Cambria Math" panose="02040503050406030204" pitchFamily="18" charset="0"/>
+                            </a:rPr>
+                            <m:t>𝛀</m:t>
+                          </m:r>
+                        </m:e>
+                        <m:sup>
+                          <m:r>
+                            <a:rPr lang="en-US" altLang="ja-JP" sz="2000" b="0" i="1" smtClean="0">
+                              <a:latin typeface="Cambria Math" panose="02040503050406030204" pitchFamily="18" charset="0"/>
+                            </a:rPr>
+                            <m:t>−</m:t>
+                          </m:r>
+                          <m:r>
+                            <a:rPr lang="en-US" altLang="ja-JP" sz="2000" b="0" i="1" smtClean="0">
+                              <a:latin typeface="Cambria Math" panose="02040503050406030204" pitchFamily="18" charset="0"/>
+                            </a:rPr>
+                            <m:t>1</m:t>
+                          </m:r>
+                        </m:sup>
+                      </m:sSup>
+                      <m:r>
+                        <a:rPr lang="en-US" altLang="ja-JP" sz="2000" b="1" i="1" smtClean="0">
+                          <a:latin typeface="Cambria Math" panose="02040503050406030204" pitchFamily="18" charset="0"/>
+                        </a:rPr>
+                        <m:t>𝝁</m:t>
+                      </m:r>
+                      <m:r>
+                        <a:rPr lang="en-US" altLang="ja-JP" sz="2000" b="0" i="1" smtClean="0">
+                          <a:latin typeface="Cambria Math" panose="02040503050406030204" pitchFamily="18" charset="0"/>
+                        </a:rPr>
+                        <m:t>−</m:t>
+                      </m:r>
+                      <m:sSub>
+                        <m:sSubPr>
+                          <m:ctrlPr>
+                            <a:rPr lang="en-US" altLang="ja-JP" sz="2000" b="0" i="1" smtClean="0">
+                              <a:latin typeface="Cambria Math" panose="02040503050406030204" pitchFamily="18" charset="0"/>
+                            </a:rPr>
+                          </m:ctrlPr>
+                        </m:sSubPr>
+                        <m:e>
+                          <m:r>
+                            <a:rPr lang="en-US" altLang="ja-JP" sz="2000" b="0" i="1" smtClean="0">
+                              <a:latin typeface="Cambria Math" panose="02040503050406030204" pitchFamily="18" charset="0"/>
+                            </a:rPr>
+                            <m:t>𝜆</m:t>
+                          </m:r>
+                        </m:e>
+                        <m:sub>
+                          <m:r>
+                            <a:rPr lang="en-US" altLang="ja-JP" sz="2000" b="0" i="1" smtClean="0">
+                              <a:latin typeface="Cambria Math" panose="02040503050406030204" pitchFamily="18" charset="0"/>
+                            </a:rPr>
+                            <m:t>2</m:t>
+                          </m:r>
+                        </m:sub>
+                      </m:sSub>
+                      <m:sSup>
+                        <m:sSupPr>
+                          <m:ctrlPr>
+                            <a:rPr lang="en-US" altLang="ja-JP" sz="2000" b="0" i="1" smtClean="0">
+                              <a:latin typeface="Cambria Math" panose="02040503050406030204" pitchFamily="18" charset="0"/>
+                            </a:rPr>
+                          </m:ctrlPr>
+                        </m:sSupPr>
+                        <m:e>
+                          <m:r>
+                            <a:rPr lang="en-US" altLang="ja-JP" sz="2000" b="1" i="1" smtClean="0">
+                              <a:latin typeface="Cambria Math" panose="02040503050406030204" pitchFamily="18" charset="0"/>
+                            </a:rPr>
+                            <m:t>𝟏</m:t>
+                          </m:r>
+                        </m:e>
+                        <m:sup>
+                          <m:r>
+                            <a:rPr lang="en-US" altLang="ja-JP" sz="2000" b="0" i="1" smtClean="0">
+                              <a:latin typeface="Cambria Math" panose="02040503050406030204" pitchFamily="18" charset="0"/>
+                            </a:rPr>
+                            <m:t>𝑇</m:t>
+                          </m:r>
+                        </m:sup>
+                      </m:sSup>
+                      <m:sSup>
+                        <m:sSupPr>
+                          <m:ctrlPr>
+                            <a:rPr lang="en-US" altLang="ja-JP" sz="2000" b="0" i="1" smtClean="0">
+                              <a:latin typeface="Cambria Math" panose="02040503050406030204" pitchFamily="18" charset="0"/>
+                            </a:rPr>
+                          </m:ctrlPr>
+                        </m:sSupPr>
+                        <m:e>
+                          <m:r>
+                            <a:rPr lang="en-US" altLang="ja-JP" sz="2000" b="1" i="0" smtClean="0">
+                              <a:latin typeface="Cambria Math" panose="02040503050406030204" pitchFamily="18" charset="0"/>
+                            </a:rPr>
+                            <m:t>𝛀</m:t>
+                          </m:r>
+                        </m:e>
+                        <m:sup>
+                          <m:r>
+                            <a:rPr lang="en-US" altLang="ja-JP" sz="2000" b="0" i="1" smtClean="0">
+                              <a:latin typeface="Cambria Math" panose="02040503050406030204" pitchFamily="18" charset="0"/>
+                            </a:rPr>
+                            <m:t>−</m:t>
+                          </m:r>
+                          <m:r>
+                            <a:rPr lang="en-US" altLang="ja-JP" sz="2000" b="0" i="1" smtClean="0">
+                              <a:latin typeface="Cambria Math" panose="02040503050406030204" pitchFamily="18" charset="0"/>
+                            </a:rPr>
+                            <m:t>1</m:t>
+                          </m:r>
+                        </m:sup>
+                      </m:sSup>
+                      <m:r>
+                        <a:rPr lang="en-US" altLang="ja-JP" sz="2000" b="1" i="1" smtClean="0">
+                          <a:latin typeface="Cambria Math" panose="02040503050406030204" pitchFamily="18" charset="0"/>
+                        </a:rPr>
+                        <m:t>𝝁</m:t>
+                      </m:r>
+                      <m:r>
+                        <a:rPr lang="en-US" altLang="ja-JP" sz="2000" b="0" i="1" smtClean="0">
+                          <a:latin typeface="Cambria Math" panose="02040503050406030204" pitchFamily="18" charset="0"/>
+                        </a:rPr>
+                        <m:t>−</m:t>
+                      </m:r>
+                      <m:sSub>
+                        <m:sSubPr>
+                          <m:ctrlPr>
+                            <a:rPr lang="en-US" altLang="ja-JP" sz="2000" b="0" i="1" smtClean="0">
+                              <a:latin typeface="Cambria Math" panose="02040503050406030204" pitchFamily="18" charset="0"/>
+                            </a:rPr>
+                          </m:ctrlPr>
+                        </m:sSubPr>
+                        <m:e>
+                          <m:r>
+                            <a:rPr lang="en-US" altLang="ja-JP" sz="2000" b="0" i="1" smtClean="0">
+                              <a:latin typeface="Cambria Math" panose="02040503050406030204" pitchFamily="18" charset="0"/>
+                            </a:rPr>
+                            <m:t>𝜆</m:t>
+                          </m:r>
+                        </m:e>
+                        <m:sub>
+                          <m:r>
+                            <a:rPr lang="en-US" altLang="ja-JP" sz="2000" b="0" i="1" smtClean="0">
+                              <a:latin typeface="Cambria Math" panose="02040503050406030204" pitchFamily="18" charset="0"/>
+                            </a:rPr>
+                            <m:t>2</m:t>
+                          </m:r>
+                        </m:sub>
+                      </m:sSub>
+                      <m:sSup>
+                        <m:sSupPr>
+                          <m:ctrlPr>
+                            <a:rPr lang="en-US" altLang="ja-JP" sz="2000" b="0" i="1" smtClean="0">
+                              <a:latin typeface="Cambria Math" panose="02040503050406030204" pitchFamily="18" charset="0"/>
+                            </a:rPr>
+                          </m:ctrlPr>
+                        </m:sSupPr>
+                        <m:e>
+                          <m:r>
+                            <a:rPr lang="en-US" altLang="ja-JP" sz="2000" b="1" i="1" smtClean="0">
+                              <a:latin typeface="Cambria Math" panose="02040503050406030204" pitchFamily="18" charset="0"/>
+                            </a:rPr>
+                            <m:t>𝝁</m:t>
+                          </m:r>
+                        </m:e>
+                        <m:sup>
+                          <m:r>
+                            <a:rPr lang="en-US" altLang="ja-JP" sz="2000" b="0" i="1" smtClean="0">
+                              <a:latin typeface="Cambria Math" panose="02040503050406030204" pitchFamily="18" charset="0"/>
+                            </a:rPr>
+                            <m:t>𝑇</m:t>
+                          </m:r>
+                        </m:sup>
+                      </m:sSup>
+                      <m:sSup>
+                        <m:sSupPr>
+                          <m:ctrlPr>
+                            <a:rPr lang="en-US" altLang="ja-JP" sz="2000" b="0" i="1" smtClean="0">
+                              <a:latin typeface="Cambria Math" panose="02040503050406030204" pitchFamily="18" charset="0"/>
+                            </a:rPr>
+                          </m:ctrlPr>
+                        </m:sSupPr>
+                        <m:e>
+                          <m:r>
+                            <a:rPr lang="en-US" altLang="ja-JP" sz="2000" b="1" i="0" smtClean="0">
+                              <a:latin typeface="Cambria Math" panose="02040503050406030204" pitchFamily="18" charset="0"/>
+                            </a:rPr>
+                            <m:t>𝛀</m:t>
+                          </m:r>
+                        </m:e>
+                        <m:sup>
+                          <m:r>
+                            <a:rPr lang="en-US" altLang="ja-JP" sz="2000" b="0" i="1" smtClean="0">
+                              <a:latin typeface="Cambria Math" panose="02040503050406030204" pitchFamily="18" charset="0"/>
+                            </a:rPr>
+                            <m:t>−</m:t>
+                          </m:r>
+                          <m:r>
+                            <a:rPr lang="en-US" altLang="ja-JP" sz="2000" b="0" i="1" smtClean="0">
+                              <a:latin typeface="Cambria Math" panose="02040503050406030204" pitchFamily="18" charset="0"/>
+                            </a:rPr>
+                            <m:t>1</m:t>
+                          </m:r>
+                        </m:sup>
+                      </m:sSup>
+                      <m:r>
+                        <a:rPr lang="en-US" altLang="ja-JP" sz="2000" b="1" i="1" smtClean="0">
+                          <a:latin typeface="Cambria Math" panose="02040503050406030204" pitchFamily="18" charset="0"/>
+                        </a:rPr>
+                        <m:t>𝟏</m:t>
+                      </m:r>
+                      <m:r>
+                        <a:rPr lang="en-US" altLang="ja-JP" sz="2000" b="0" i="1" smtClean="0">
+                          <a:latin typeface="Cambria Math" panose="02040503050406030204" pitchFamily="18" charset="0"/>
+                        </a:rPr>
+                        <m:t>+</m:t>
+                      </m:r>
+                      <m:sSubSup>
+                        <m:sSubSupPr>
+                          <m:ctrlPr>
+                            <a:rPr lang="en-US" altLang="ja-JP" sz="2000" b="0" i="1" smtClean="0">
+                              <a:latin typeface="Cambria Math" panose="02040503050406030204" pitchFamily="18" charset="0"/>
+                            </a:rPr>
+                          </m:ctrlPr>
+                        </m:sSubSupPr>
+                        <m:e>
+                          <m:r>
+                            <a:rPr lang="en-US" altLang="ja-JP" sz="2000" b="0" i="1" smtClean="0">
+                              <a:latin typeface="Cambria Math" panose="02040503050406030204" pitchFamily="18" charset="0"/>
+                            </a:rPr>
+                            <m:t>𝜆</m:t>
+                          </m:r>
+                        </m:e>
+                        <m:sub>
+                          <m:r>
+                            <a:rPr lang="en-US" altLang="ja-JP" sz="2000" b="0" i="1" smtClean="0">
+                              <a:latin typeface="Cambria Math" panose="02040503050406030204" pitchFamily="18" charset="0"/>
+                            </a:rPr>
+                            <m:t>2</m:t>
+                          </m:r>
+                        </m:sub>
+                        <m:sup>
+                          <m:r>
+                            <a:rPr lang="en-US" altLang="ja-JP" sz="2000" b="0" i="1" smtClean="0">
+                              <a:latin typeface="Cambria Math" panose="02040503050406030204" pitchFamily="18" charset="0"/>
+                            </a:rPr>
+                            <m:t>2</m:t>
+                          </m:r>
+                        </m:sup>
+                      </m:sSubSup>
+                      <m:sSup>
+                        <m:sSupPr>
+                          <m:ctrlPr>
+                            <a:rPr lang="en-US" altLang="ja-JP" sz="2000" b="0" i="1" smtClean="0">
+                              <a:latin typeface="Cambria Math" panose="02040503050406030204" pitchFamily="18" charset="0"/>
+                            </a:rPr>
+                          </m:ctrlPr>
+                        </m:sSupPr>
+                        <m:e>
+                          <m:r>
+                            <a:rPr lang="en-US" altLang="ja-JP" sz="2000" b="1" i="1" smtClean="0">
+                              <a:latin typeface="Cambria Math" panose="02040503050406030204" pitchFamily="18" charset="0"/>
+                            </a:rPr>
+                            <m:t>𝟏</m:t>
+                          </m:r>
+                        </m:e>
+                        <m:sup>
+                          <m:r>
+                            <a:rPr lang="en-US" altLang="ja-JP" sz="2000" b="0" i="1" smtClean="0">
+                              <a:latin typeface="Cambria Math" panose="02040503050406030204" pitchFamily="18" charset="0"/>
+                            </a:rPr>
+                            <m:t>𝑇</m:t>
+                          </m:r>
+                        </m:sup>
+                      </m:sSup>
+                      <m:r>
+                        <a:rPr lang="en-US" altLang="ja-JP" sz="2000" b="1" i="0" smtClean="0">
+                          <a:latin typeface="Cambria Math" panose="02040503050406030204" pitchFamily="18" charset="0"/>
+                        </a:rPr>
+                        <m:t>𝛀</m:t>
+                      </m:r>
+                      <m:r>
+                        <a:rPr lang="en-US" altLang="ja-JP" sz="2000" b="1" i="1" smtClean="0">
+                          <a:latin typeface="Cambria Math" panose="02040503050406030204" pitchFamily="18" charset="0"/>
+                        </a:rPr>
+                        <m:t>𝟏</m:t>
+                      </m:r>
+                    </m:oMath>
+                  </m:oMathPara>
+                </a14:m>
+                <a:endParaRPr lang="en-US" altLang="ja-JP" sz="2000" b="1" dirty="0" smtClean="0"/>
+              </a:p>
+              <a:p>
+                <a:pPr marL="0" indent="0">
+                  <a:buNone/>
+                </a:pPr>
+                <a:r>
+                  <a:rPr lang="ja-JP" altLang="en-US" sz="2000" dirty="0" smtClean="0"/>
+                  <a:t>ここで、</a:t>
+                </a:r>
+                <a14:m>
+                  <m:oMath xmlns:m="http://schemas.openxmlformats.org/officeDocument/2006/math">
+                    <m:r>
+                      <a:rPr lang="en-US" altLang="ja-JP" sz="2000" b="0" i="1" smtClean="0">
+                        <a:latin typeface="Cambria Math" panose="02040503050406030204" pitchFamily="18" charset="0"/>
+                      </a:rPr>
+                      <m:t>𝐴</m:t>
+                    </m:r>
+                    <m:r>
+                      <a:rPr lang="en-US" altLang="ja-JP" sz="2000" b="0" i="1" smtClean="0">
+                        <a:latin typeface="Cambria Math" panose="02040503050406030204" pitchFamily="18" charset="0"/>
+                      </a:rPr>
+                      <m:t>=</m:t>
+                    </m:r>
+                    <m:sSup>
+                      <m:sSupPr>
+                        <m:ctrlPr>
+                          <a:rPr lang="en-US" altLang="ja-JP" sz="2000" b="0" i="1" smtClean="0">
+                            <a:latin typeface="Cambria Math" panose="02040503050406030204" pitchFamily="18" charset="0"/>
+                          </a:rPr>
+                        </m:ctrlPr>
+                      </m:sSupPr>
+                      <m:e>
+                        <m:r>
+                          <a:rPr lang="en-US" altLang="ja-JP" sz="2000" b="1" i="1" smtClean="0">
+                            <a:latin typeface="Cambria Math" panose="02040503050406030204" pitchFamily="18" charset="0"/>
+                          </a:rPr>
+                          <m:t>𝟏</m:t>
+                        </m:r>
+                      </m:e>
+                      <m:sup>
+                        <m:r>
+                          <a:rPr lang="en-US" altLang="ja-JP" sz="2000" b="0" i="1" smtClean="0">
+                            <a:latin typeface="Cambria Math" panose="02040503050406030204" pitchFamily="18" charset="0"/>
+                          </a:rPr>
+                          <m:t>𝑇</m:t>
+                        </m:r>
+                      </m:sup>
+                    </m:sSup>
+                    <m:sSup>
+                      <m:sSupPr>
+                        <m:ctrlPr>
+                          <a:rPr lang="en-US" altLang="ja-JP" sz="2000" b="0" i="1" smtClean="0">
+                            <a:latin typeface="Cambria Math" panose="02040503050406030204" pitchFamily="18" charset="0"/>
+                          </a:rPr>
+                        </m:ctrlPr>
+                      </m:sSupPr>
+                      <m:e>
+                        <m:r>
+                          <a:rPr lang="en-US" altLang="ja-JP" sz="2000" b="1" i="0" smtClean="0">
+                            <a:latin typeface="Cambria Math" panose="02040503050406030204" pitchFamily="18" charset="0"/>
+                          </a:rPr>
+                          <m:t>𝛀</m:t>
+                        </m:r>
+                      </m:e>
+                      <m:sup>
+                        <m:r>
+                          <a:rPr lang="en-US" altLang="ja-JP" sz="2000" b="0" i="1" smtClean="0">
+                            <a:latin typeface="Cambria Math" panose="02040503050406030204" pitchFamily="18" charset="0"/>
+                          </a:rPr>
+                          <m:t>−</m:t>
+                        </m:r>
+                        <m:r>
+                          <a:rPr lang="en-US" altLang="ja-JP" sz="2000" b="0" i="1" smtClean="0">
+                            <a:latin typeface="Cambria Math" panose="02040503050406030204" pitchFamily="18" charset="0"/>
+                          </a:rPr>
+                          <m:t>1</m:t>
+                        </m:r>
+                      </m:sup>
+                    </m:sSup>
+                    <m:r>
+                      <a:rPr lang="en-US" altLang="ja-JP" sz="2000" b="1" i="1" smtClean="0">
+                        <a:latin typeface="Cambria Math" panose="02040503050406030204" pitchFamily="18" charset="0"/>
+                      </a:rPr>
+                      <m:t>𝒘</m:t>
+                    </m:r>
+                    <m:r>
+                      <a:rPr lang="en-US" altLang="ja-JP" sz="2000" b="1" i="1" smtClean="0">
+                        <a:latin typeface="Cambria Math" panose="02040503050406030204" pitchFamily="18" charset="0"/>
+                      </a:rPr>
+                      <m:t>, </m:t>
+                    </m:r>
+                    <m:r>
+                      <a:rPr lang="en-US" altLang="ja-JP" sz="2000" b="0" i="1" smtClean="0">
+                        <a:latin typeface="Cambria Math" panose="02040503050406030204" pitchFamily="18" charset="0"/>
+                      </a:rPr>
+                      <m:t>𝐵</m:t>
+                    </m:r>
+                    <m:r>
+                      <a:rPr lang="en-US" altLang="ja-JP" sz="2000" b="0" i="1" smtClean="0">
+                        <a:latin typeface="Cambria Math" panose="02040503050406030204" pitchFamily="18" charset="0"/>
+                      </a:rPr>
+                      <m:t>=</m:t>
+                    </m:r>
+                    <m:sSup>
+                      <m:sSupPr>
+                        <m:ctrlPr>
+                          <a:rPr lang="en-US" altLang="ja-JP" sz="2000" b="1" i="1" smtClean="0">
+                            <a:latin typeface="Cambria Math" panose="02040503050406030204" pitchFamily="18" charset="0"/>
+                          </a:rPr>
+                        </m:ctrlPr>
+                      </m:sSupPr>
+                      <m:e>
+                        <m:r>
+                          <a:rPr lang="en-US" altLang="ja-JP" sz="2000" b="1" i="1" smtClean="0">
+                            <a:latin typeface="Cambria Math" panose="02040503050406030204" pitchFamily="18" charset="0"/>
+                          </a:rPr>
+                          <m:t>𝝁</m:t>
+                        </m:r>
+                      </m:e>
+                      <m:sup>
+                        <m:r>
+                          <a:rPr lang="en-US" altLang="ja-JP" sz="2000" b="0" i="1" smtClean="0">
+                            <a:latin typeface="Cambria Math" panose="02040503050406030204" pitchFamily="18" charset="0"/>
+                          </a:rPr>
+                          <m:t>𝑇</m:t>
+                        </m:r>
+                      </m:sup>
+                    </m:sSup>
+                    <m:sSup>
+                      <m:sSupPr>
+                        <m:ctrlPr>
+                          <a:rPr lang="en-US" altLang="ja-JP" sz="2000" b="1" i="0" smtClean="0">
+                            <a:latin typeface="Cambria Math" panose="02040503050406030204" pitchFamily="18" charset="0"/>
+                          </a:rPr>
+                        </m:ctrlPr>
+                      </m:sSupPr>
+                      <m:e>
+                        <m:r>
+                          <a:rPr lang="en-US" altLang="ja-JP" sz="2000" b="1" i="0" smtClean="0">
+                            <a:latin typeface="Cambria Math" panose="02040503050406030204" pitchFamily="18" charset="0"/>
+                          </a:rPr>
+                          <m:t>𝛀</m:t>
+                        </m:r>
+                      </m:e>
+                      <m:sup>
+                        <m:r>
+                          <a:rPr lang="en-US" altLang="ja-JP" sz="2000" b="0" i="0" smtClean="0">
+                            <a:latin typeface="Cambria Math" panose="02040503050406030204" pitchFamily="18" charset="0"/>
+                          </a:rPr>
+                          <m:t>−</m:t>
+                        </m:r>
+                        <m:r>
+                          <a:rPr lang="en-US" altLang="ja-JP" sz="2000" b="0" i="0" smtClean="0">
+                            <a:latin typeface="Cambria Math" panose="02040503050406030204" pitchFamily="18" charset="0"/>
+                          </a:rPr>
+                          <m:t>1</m:t>
+                        </m:r>
+                      </m:sup>
+                    </m:sSup>
+                    <m:r>
+                      <a:rPr lang="en-US" altLang="ja-JP" sz="2000" b="1" i="1" smtClean="0">
+                        <a:latin typeface="Cambria Math" panose="02040503050406030204" pitchFamily="18" charset="0"/>
+                      </a:rPr>
+                      <m:t>𝝁</m:t>
+                    </m:r>
+                    <m:r>
+                      <a:rPr lang="en-US" altLang="ja-JP" sz="2000" b="1" i="1" smtClean="0">
+                        <a:latin typeface="Cambria Math" panose="02040503050406030204" pitchFamily="18" charset="0"/>
+                      </a:rPr>
+                      <m:t>, </m:t>
+                    </m:r>
+                    <m:r>
+                      <a:rPr lang="en-US" altLang="ja-JP" sz="2000" b="0" i="1" smtClean="0">
+                        <a:latin typeface="Cambria Math" panose="02040503050406030204" pitchFamily="18" charset="0"/>
+                      </a:rPr>
+                      <m:t>𝐶</m:t>
+                    </m:r>
+                    <m:r>
+                      <a:rPr lang="en-US" altLang="ja-JP" sz="2000" b="0" i="1" smtClean="0">
+                        <a:latin typeface="Cambria Math" panose="02040503050406030204" pitchFamily="18" charset="0"/>
+                      </a:rPr>
+                      <m:t>=</m:t>
+                    </m:r>
+                    <m:sSup>
+                      <m:sSupPr>
+                        <m:ctrlPr>
+                          <a:rPr lang="en-US" altLang="ja-JP" sz="2000" b="1" i="1" smtClean="0">
+                            <a:latin typeface="Cambria Math" panose="02040503050406030204" pitchFamily="18" charset="0"/>
+                          </a:rPr>
+                        </m:ctrlPr>
+                      </m:sSupPr>
+                      <m:e>
+                        <m:r>
+                          <a:rPr lang="en-US" altLang="ja-JP" sz="2000" b="1" i="1" smtClean="0">
+                            <a:latin typeface="Cambria Math" panose="02040503050406030204" pitchFamily="18" charset="0"/>
+                          </a:rPr>
+                          <m:t>𝟏</m:t>
+                        </m:r>
+                      </m:e>
+                      <m:sup>
+                        <m:r>
+                          <a:rPr lang="en-US" altLang="ja-JP" sz="2000" b="0" i="1" smtClean="0">
+                            <a:latin typeface="Cambria Math" panose="02040503050406030204" pitchFamily="18" charset="0"/>
+                          </a:rPr>
+                          <m:t>𝑇</m:t>
+                        </m:r>
+                      </m:sup>
+                    </m:sSup>
+                    <m:r>
+                      <a:rPr lang="en-US" altLang="ja-JP" sz="2000" b="1" i="0" smtClean="0">
+                        <a:latin typeface="Cambria Math" panose="02040503050406030204" pitchFamily="18" charset="0"/>
+                      </a:rPr>
+                      <m:t>𝛀</m:t>
+                    </m:r>
+                    <m:r>
+                      <a:rPr lang="en-US" altLang="ja-JP" sz="2000" b="1" i="0" smtClean="0">
+                        <a:latin typeface="Cambria Math" panose="02040503050406030204" pitchFamily="18" charset="0"/>
+                      </a:rPr>
+                      <m:t>𝟏</m:t>
+                    </m:r>
+                  </m:oMath>
+                </a14:m>
+                <a:r>
+                  <a:rPr lang="ja-JP" altLang="en-US" sz="2000" dirty="0" smtClean="0"/>
+                  <a:t>とする。</a:t>
+                </a:r>
+                <a:r>
+                  <a:rPr lang="ja-JP" altLang="en-US" sz="2000" dirty="0"/>
+                  <a:t>（</a:t>
+                </a:r>
+                <a14:m>
+                  <m:oMath xmlns:m="http://schemas.openxmlformats.org/officeDocument/2006/math">
+                    <m:r>
+                      <a:rPr lang="en-US" altLang="ja-JP" sz="2000" b="0" i="1" smtClean="0">
+                        <a:latin typeface="Cambria Math" panose="02040503050406030204" pitchFamily="18" charset="0"/>
+                      </a:rPr>
+                      <m:t>4</m:t>
+                    </m:r>
+                    <m:sSubSup>
+                      <m:sSubSupPr>
+                        <m:ctrlPr>
+                          <a:rPr lang="en-US" altLang="ja-JP" sz="2000" i="1" smtClean="0">
+                            <a:latin typeface="Cambria Math" panose="02040503050406030204" pitchFamily="18" charset="0"/>
+                          </a:rPr>
+                        </m:ctrlPr>
+                      </m:sSubSupPr>
+                      <m:e>
+                        <m:r>
+                          <a:rPr lang="en-US" altLang="ja-JP" sz="2000" b="0" i="1" smtClean="0">
+                            <a:latin typeface="Cambria Math" panose="02040503050406030204" pitchFamily="18" charset="0"/>
+                          </a:rPr>
+                          <m:t>𝜎</m:t>
+                        </m:r>
+                      </m:e>
+                      <m:sub>
+                        <m:r>
+                          <a:rPr lang="en-US" altLang="ja-JP" sz="2000" b="0" i="1" smtClean="0">
+                            <a:latin typeface="Cambria Math" panose="02040503050406030204" pitchFamily="18" charset="0"/>
+                          </a:rPr>
+                          <m:t>𝑝</m:t>
+                        </m:r>
+                      </m:sub>
+                      <m:sup>
+                        <m:r>
+                          <a:rPr lang="en-US" altLang="ja-JP" sz="2000" b="0" i="1" smtClean="0">
+                            <a:latin typeface="Cambria Math" panose="02040503050406030204" pitchFamily="18" charset="0"/>
+                          </a:rPr>
+                          <m:t>2</m:t>
+                        </m:r>
+                      </m:sup>
+                    </m:sSubSup>
+                    <m:sSubSup>
+                      <m:sSubSupPr>
+                        <m:ctrlPr>
+                          <a:rPr lang="en-US" altLang="ja-JP" sz="2000" i="1" smtClean="0">
+                            <a:latin typeface="Cambria Math" panose="02040503050406030204" pitchFamily="18" charset="0"/>
+                          </a:rPr>
+                        </m:ctrlPr>
+                      </m:sSubSupPr>
+                      <m:e>
+                        <m:r>
+                          <a:rPr lang="en-US" altLang="ja-JP" sz="2000" b="0" i="1" smtClean="0">
+                            <a:latin typeface="Cambria Math" panose="02040503050406030204" pitchFamily="18" charset="0"/>
+                          </a:rPr>
+                          <m:t>𝜆</m:t>
+                        </m:r>
+                      </m:e>
+                      <m:sub>
+                        <m:r>
+                          <a:rPr lang="en-US" altLang="ja-JP" sz="2000" b="0" i="1" smtClean="0">
+                            <a:latin typeface="Cambria Math" panose="02040503050406030204" pitchFamily="18" charset="0"/>
+                          </a:rPr>
+                          <m:t>1</m:t>
+                        </m:r>
+                      </m:sub>
+                      <m:sup>
+                        <m:r>
+                          <a:rPr lang="en-US" altLang="ja-JP" sz="2000" b="0" i="1" smtClean="0">
+                            <a:latin typeface="Cambria Math" panose="02040503050406030204" pitchFamily="18" charset="0"/>
+                          </a:rPr>
+                          <m:t>2</m:t>
+                        </m:r>
+                      </m:sup>
+                    </m:sSubSup>
+                    <m:r>
+                      <a:rPr lang="en-US" altLang="ja-JP" sz="2000" b="0" i="1" smtClean="0">
+                        <a:latin typeface="Cambria Math" panose="02040503050406030204" pitchFamily="18" charset="0"/>
+                      </a:rPr>
+                      <m:t>=</m:t>
+                    </m:r>
+                    <m:r>
+                      <a:rPr lang="en-US" altLang="ja-JP" sz="2000" b="0" i="1" smtClean="0">
+                        <a:latin typeface="Cambria Math" panose="02040503050406030204" pitchFamily="18" charset="0"/>
+                      </a:rPr>
+                      <m:t>𝐵</m:t>
+                    </m:r>
+                    <m:r>
+                      <a:rPr lang="en-US" altLang="ja-JP" sz="2000" b="0" i="1" smtClean="0">
+                        <a:latin typeface="Cambria Math" panose="02040503050406030204" pitchFamily="18" charset="0"/>
+                      </a:rPr>
+                      <m:t>−</m:t>
+                    </m:r>
+                    <m:r>
+                      <a:rPr lang="en-US" altLang="ja-JP" sz="2000" b="0" i="1" smtClean="0">
+                        <a:latin typeface="Cambria Math" panose="02040503050406030204" pitchFamily="18" charset="0"/>
+                      </a:rPr>
+                      <m:t>2</m:t>
+                    </m:r>
+                    <m:r>
+                      <a:rPr lang="en-US" altLang="ja-JP" sz="2000" b="0" i="1" smtClean="0">
+                        <a:latin typeface="Cambria Math" panose="02040503050406030204" pitchFamily="18" charset="0"/>
+                      </a:rPr>
+                      <m:t>𝐴</m:t>
+                    </m:r>
+                    <m:sSub>
+                      <m:sSubPr>
+                        <m:ctrlPr>
+                          <a:rPr lang="en-US" altLang="ja-JP" sz="2000" b="0" i="1" smtClean="0">
+                            <a:latin typeface="Cambria Math" panose="02040503050406030204" pitchFamily="18" charset="0"/>
+                          </a:rPr>
+                        </m:ctrlPr>
+                      </m:sSubPr>
+                      <m:e>
+                        <m:r>
+                          <a:rPr lang="en-US" altLang="ja-JP" sz="2000" b="0" i="1" smtClean="0">
+                            <a:latin typeface="Cambria Math" panose="02040503050406030204" pitchFamily="18" charset="0"/>
+                          </a:rPr>
+                          <m:t>𝜆</m:t>
+                        </m:r>
+                      </m:e>
+                      <m:sub>
+                        <m:r>
+                          <a:rPr lang="en-US" altLang="ja-JP" sz="2000" b="0" i="1" smtClean="0">
+                            <a:latin typeface="Cambria Math" panose="02040503050406030204" pitchFamily="18" charset="0"/>
+                          </a:rPr>
+                          <m:t>2</m:t>
+                        </m:r>
+                      </m:sub>
+                    </m:sSub>
+                    <m:r>
+                      <a:rPr lang="en-US" altLang="ja-JP" sz="2000" b="0" i="1" smtClean="0">
+                        <a:latin typeface="Cambria Math" panose="02040503050406030204" pitchFamily="18" charset="0"/>
+                      </a:rPr>
+                      <m:t>+</m:t>
+                    </m:r>
+                    <m:r>
+                      <a:rPr lang="en-US" altLang="ja-JP" sz="2000" b="0" i="1" smtClean="0">
+                        <a:latin typeface="Cambria Math" panose="02040503050406030204" pitchFamily="18" charset="0"/>
+                      </a:rPr>
+                      <m:t>𝐶</m:t>
+                    </m:r>
+                    <m:sSubSup>
+                      <m:sSubSupPr>
+                        <m:ctrlPr>
+                          <a:rPr lang="en-US" altLang="ja-JP" sz="2000" b="0" i="1" smtClean="0">
+                            <a:latin typeface="Cambria Math" panose="02040503050406030204" pitchFamily="18" charset="0"/>
+                          </a:rPr>
+                        </m:ctrlPr>
+                      </m:sSubSupPr>
+                      <m:e>
+                        <m:r>
+                          <a:rPr lang="en-US" altLang="ja-JP" sz="2000" b="0" i="1" smtClean="0">
+                            <a:latin typeface="Cambria Math" panose="02040503050406030204" pitchFamily="18" charset="0"/>
+                          </a:rPr>
+                          <m:t>𝜆</m:t>
+                        </m:r>
+                      </m:e>
+                      <m:sub>
+                        <m:r>
+                          <a:rPr lang="en-US" altLang="ja-JP" sz="2000" b="0" i="1" smtClean="0">
+                            <a:latin typeface="Cambria Math" panose="02040503050406030204" pitchFamily="18" charset="0"/>
+                          </a:rPr>
+                          <m:t>2</m:t>
+                        </m:r>
+                      </m:sub>
+                      <m:sup>
+                        <m:r>
+                          <a:rPr lang="en-US" altLang="ja-JP" sz="2000" b="0" i="1" smtClean="0">
+                            <a:latin typeface="Cambria Math" panose="02040503050406030204" pitchFamily="18" charset="0"/>
+                          </a:rPr>
+                          <m:t>2</m:t>
+                        </m:r>
+                      </m:sup>
+                    </m:sSubSup>
+                  </m:oMath>
+                </a14:m>
+                <a:r>
+                  <a:rPr lang="ja-JP" altLang="en-US" sz="2000" dirty="0" smtClean="0"/>
+                  <a:t>）</a:t>
+                </a:r>
+                <a:endParaRPr lang="en-US" altLang="ja-JP" sz="2000" dirty="0" smtClean="0"/>
+              </a:p>
+              <a:p>
+                <a:pPr marL="0" indent="0">
+                  <a:buNone/>
+                </a:pPr>
+                <a14:m>
+                  <m:oMath xmlns:m="http://schemas.openxmlformats.org/officeDocument/2006/math">
+                    <m:sSub>
+                      <m:sSubPr>
+                        <m:ctrlPr>
+                          <a:rPr lang="en-US" altLang="ja-JP" sz="2000" b="0" i="1" smtClean="0">
+                            <a:latin typeface="Cambria Math" panose="02040503050406030204" pitchFamily="18" charset="0"/>
+                          </a:rPr>
+                        </m:ctrlPr>
+                      </m:sSubPr>
+                      <m:e>
+                        <m:r>
+                          <a:rPr lang="en-US" altLang="ja-JP" sz="2000" b="0" i="1" smtClean="0">
+                            <a:latin typeface="Cambria Math" panose="02040503050406030204" pitchFamily="18" charset="0"/>
+                          </a:rPr>
+                          <m:t>𝜆</m:t>
+                        </m:r>
+                      </m:e>
+                      <m:sub>
+                        <m:r>
+                          <a:rPr lang="en-US" altLang="ja-JP" sz="2000" b="0" i="1" smtClean="0">
+                            <a:latin typeface="Cambria Math" panose="02040503050406030204" pitchFamily="18" charset="0"/>
+                          </a:rPr>
+                          <m:t>1</m:t>
+                        </m:r>
+                      </m:sub>
+                    </m:sSub>
+                    <m:r>
+                      <a:rPr lang="en-US" altLang="ja-JP" sz="2000" b="0" i="1" smtClean="0">
+                        <a:latin typeface="Cambria Math" panose="02040503050406030204" pitchFamily="18" charset="0"/>
+                      </a:rPr>
+                      <m:t>, </m:t>
+                    </m:r>
+                    <m:sSub>
+                      <m:sSubPr>
+                        <m:ctrlPr>
+                          <a:rPr lang="en-US" altLang="ja-JP" sz="2000" b="0" i="1" smtClean="0">
+                            <a:latin typeface="Cambria Math" panose="02040503050406030204" pitchFamily="18" charset="0"/>
+                          </a:rPr>
+                        </m:ctrlPr>
+                      </m:sSubPr>
+                      <m:e>
+                        <m:r>
+                          <a:rPr lang="en-US" altLang="ja-JP" sz="2000" b="0" i="1" smtClean="0">
+                            <a:latin typeface="Cambria Math" panose="02040503050406030204" pitchFamily="18" charset="0"/>
+                          </a:rPr>
+                          <m:t>𝜆</m:t>
+                        </m:r>
+                      </m:e>
+                      <m:sub>
+                        <m:r>
+                          <a:rPr lang="en-US" altLang="ja-JP" sz="2000" b="0" i="1" smtClean="0">
+                            <a:latin typeface="Cambria Math" panose="02040503050406030204" pitchFamily="18" charset="0"/>
+                          </a:rPr>
+                          <m:t>2</m:t>
+                        </m:r>
+                      </m:sub>
+                    </m:sSub>
+                  </m:oMath>
+                </a14:m>
+                <a:r>
+                  <a:rPr lang="ja-JP" altLang="en-US" sz="2000" dirty="0" smtClean="0"/>
+                  <a:t>を消去すると、</a:t>
+                </a:r>
+                <a:endParaRPr lang="en-US" altLang="ja-JP" sz="2000" dirty="0" smtClean="0"/>
+              </a:p>
+              <a:p>
+                <a:pPr marL="0" indent="0">
+                  <a:buNone/>
+                </a:pPr>
+                <a14:m>
+                  <m:oMathPara xmlns:m="http://schemas.openxmlformats.org/officeDocument/2006/math">
+                    <m:oMathParaPr>
+                      <m:jc m:val="centerGroup"/>
+                    </m:oMathParaPr>
+                    <m:oMath xmlns:m="http://schemas.openxmlformats.org/officeDocument/2006/math">
+                      <m:sSup>
+                        <m:sSupPr>
+                          <m:ctrlPr>
+                            <a:rPr lang="en-US" altLang="ja-JP" sz="2000" b="0" i="1" smtClean="0">
+                              <a:latin typeface="Cambria Math" panose="02040503050406030204" pitchFamily="18" charset="0"/>
+                            </a:rPr>
+                          </m:ctrlPr>
+                        </m:sSupPr>
+                        <m:e>
+                          <m:r>
+                            <a:rPr lang="en-US" altLang="ja-JP" sz="2000" b="1" i="1" smtClean="0">
+                              <a:latin typeface="Cambria Math" panose="02040503050406030204" pitchFamily="18" charset="0"/>
+                            </a:rPr>
+                            <m:t>𝒘</m:t>
+                          </m:r>
+                        </m:e>
+                        <m:sup>
+                          <m:r>
+                            <a:rPr lang="en-US" altLang="ja-JP" sz="2000" b="0" i="1" smtClean="0">
+                              <a:latin typeface="Cambria Math" panose="02040503050406030204" pitchFamily="18" charset="0"/>
+                            </a:rPr>
+                            <m:t>∗</m:t>
+                          </m:r>
+                        </m:sup>
+                      </m:sSup>
+                      <m:r>
+                        <a:rPr lang="en-US" altLang="ja-JP" sz="2000" b="0" i="1" smtClean="0">
+                          <a:latin typeface="Cambria Math" panose="02040503050406030204" pitchFamily="18" charset="0"/>
+                        </a:rPr>
+                        <m:t>=</m:t>
+                      </m:r>
+                      <m:rad>
+                        <m:radPr>
+                          <m:degHide m:val="on"/>
+                          <m:ctrlPr>
+                            <a:rPr lang="en-US" altLang="ja-JP" sz="2000" b="0" i="1" smtClean="0">
+                              <a:latin typeface="Cambria Math" panose="02040503050406030204" pitchFamily="18" charset="0"/>
+                            </a:rPr>
+                          </m:ctrlPr>
+                        </m:radPr>
+                        <m:deg/>
+                        <m:e>
+                          <m:f>
+                            <m:fPr>
+                              <m:ctrlPr>
+                                <a:rPr lang="en-US" altLang="ja-JP" sz="2000" b="0" i="1" smtClean="0">
+                                  <a:latin typeface="Cambria Math" panose="02040503050406030204" pitchFamily="18" charset="0"/>
+                                </a:rPr>
+                              </m:ctrlPr>
+                            </m:fPr>
+                            <m:num>
+                              <m:r>
+                                <a:rPr lang="en-US" altLang="ja-JP" sz="2000" b="0" i="1" smtClean="0">
+                                  <a:latin typeface="Cambria Math" panose="02040503050406030204" pitchFamily="18" charset="0"/>
+                                </a:rPr>
+                                <m:t>𝐶</m:t>
+                              </m:r>
+                              <m:sSubSup>
+                                <m:sSubSupPr>
+                                  <m:ctrlPr>
+                                    <a:rPr lang="en-US" altLang="ja-JP" sz="2000" b="0" i="1" smtClean="0">
+                                      <a:latin typeface="Cambria Math" panose="02040503050406030204" pitchFamily="18" charset="0"/>
+                                    </a:rPr>
+                                  </m:ctrlPr>
+                                </m:sSubSupPr>
+                                <m:e>
+                                  <m:r>
+                                    <a:rPr lang="en-US" altLang="ja-JP" sz="2000" b="0" i="1" smtClean="0">
+                                      <a:latin typeface="Cambria Math" panose="02040503050406030204" pitchFamily="18" charset="0"/>
+                                    </a:rPr>
+                                    <m:t>𝜎</m:t>
+                                  </m:r>
+                                </m:e>
+                                <m:sub>
+                                  <m:r>
+                                    <a:rPr lang="en-US" altLang="ja-JP" sz="2000" b="0" i="1" smtClean="0">
+                                      <a:latin typeface="Cambria Math" panose="02040503050406030204" pitchFamily="18" charset="0"/>
+                                    </a:rPr>
+                                    <m:t>𝑝</m:t>
+                                  </m:r>
+                                </m:sub>
+                                <m:sup>
+                                  <m:r>
+                                    <a:rPr lang="en-US" altLang="ja-JP" sz="2000" b="0" i="1" smtClean="0">
+                                      <a:latin typeface="Cambria Math" panose="02040503050406030204" pitchFamily="18" charset="0"/>
+                                    </a:rPr>
+                                    <m:t>2</m:t>
+                                  </m:r>
+                                </m:sup>
+                              </m:sSubSup>
+                              <m:r>
+                                <a:rPr lang="en-US" altLang="ja-JP" sz="2000" b="0" i="1" smtClean="0">
+                                  <a:latin typeface="Cambria Math" panose="02040503050406030204" pitchFamily="18" charset="0"/>
+                                </a:rPr>
+                                <m:t>−</m:t>
+                              </m:r>
+                              <m:r>
+                                <a:rPr lang="en-US" altLang="ja-JP" sz="2000" b="0" i="1" smtClean="0">
+                                  <a:latin typeface="Cambria Math" panose="02040503050406030204" pitchFamily="18" charset="0"/>
+                                </a:rPr>
+                                <m:t>1</m:t>
+                              </m:r>
+                            </m:num>
+                            <m:den>
+                              <m:r>
+                                <a:rPr lang="en-US" altLang="ja-JP" sz="2000" b="0" i="1" smtClean="0">
+                                  <a:latin typeface="Cambria Math" panose="02040503050406030204" pitchFamily="18" charset="0"/>
+                                </a:rPr>
+                                <m:t>𝐷</m:t>
+                              </m:r>
+                            </m:den>
+                          </m:f>
+                        </m:e>
+                      </m:rad>
+                      <m:sSup>
+                        <m:sSupPr>
+                          <m:ctrlPr>
+                            <a:rPr lang="en-US" altLang="ja-JP" sz="2000" b="0" i="1" smtClean="0">
+                              <a:latin typeface="Cambria Math" panose="02040503050406030204" pitchFamily="18" charset="0"/>
+                            </a:rPr>
+                          </m:ctrlPr>
+                        </m:sSupPr>
+                        <m:e>
+                          <m:r>
+                            <a:rPr lang="en-US" altLang="ja-JP" sz="2000" b="1" i="0" smtClean="0">
+                              <a:latin typeface="Cambria Math" panose="02040503050406030204" pitchFamily="18" charset="0"/>
+                            </a:rPr>
+                            <m:t>𝛀</m:t>
+                          </m:r>
+                        </m:e>
+                        <m:sup>
+                          <m:r>
+                            <a:rPr lang="en-US" altLang="ja-JP" sz="2000" b="0" i="1" smtClean="0">
+                              <a:latin typeface="Cambria Math" panose="02040503050406030204" pitchFamily="18" charset="0"/>
+                            </a:rPr>
+                            <m:t>−</m:t>
+                          </m:r>
+                          <m:r>
+                            <a:rPr lang="en-US" altLang="ja-JP" sz="2000" b="0" i="1" smtClean="0">
+                              <a:latin typeface="Cambria Math" panose="02040503050406030204" pitchFamily="18" charset="0"/>
+                            </a:rPr>
+                            <m:t>1</m:t>
+                          </m:r>
+                        </m:sup>
+                      </m:sSup>
+                      <m:r>
+                        <a:rPr lang="en-US" altLang="ja-JP" sz="2000" b="1" i="1" smtClean="0">
+                          <a:latin typeface="Cambria Math" panose="02040503050406030204" pitchFamily="18" charset="0"/>
+                        </a:rPr>
+                        <m:t>𝝁</m:t>
+                      </m:r>
+                      <m:r>
+                        <a:rPr lang="en-US" altLang="ja-JP" sz="2000" b="0" i="1" smtClean="0">
+                          <a:latin typeface="Cambria Math" panose="02040503050406030204" pitchFamily="18" charset="0"/>
+                        </a:rPr>
+                        <m:t>+</m:t>
+                      </m:r>
+                      <m:f>
+                        <m:fPr>
+                          <m:ctrlPr>
+                            <a:rPr lang="en-US" altLang="ja-JP" sz="2000" b="0" i="1" smtClean="0">
+                              <a:latin typeface="Cambria Math" panose="02040503050406030204" pitchFamily="18" charset="0"/>
+                            </a:rPr>
+                          </m:ctrlPr>
+                        </m:fPr>
+                        <m:num>
+                          <m:r>
+                            <a:rPr lang="en-US" altLang="ja-JP" sz="2000" b="0" i="1" smtClean="0">
+                              <a:latin typeface="Cambria Math" panose="02040503050406030204" pitchFamily="18" charset="0"/>
+                            </a:rPr>
+                            <m:t>1</m:t>
+                          </m:r>
+                        </m:num>
+                        <m:den>
+                          <m:r>
+                            <a:rPr lang="en-US" altLang="ja-JP" sz="2000" b="0" i="1" smtClean="0">
+                              <a:latin typeface="Cambria Math" panose="02040503050406030204" pitchFamily="18" charset="0"/>
+                            </a:rPr>
+                            <m:t>𝐶</m:t>
+                          </m:r>
+                        </m:den>
+                      </m:f>
+                      <m:d>
+                        <m:dPr>
+                          <m:ctrlPr>
+                            <a:rPr lang="en-US" altLang="ja-JP" sz="2000" b="0" i="1" smtClean="0">
+                              <a:latin typeface="Cambria Math" panose="02040503050406030204" pitchFamily="18" charset="0"/>
+                            </a:rPr>
+                          </m:ctrlPr>
+                        </m:dPr>
+                        <m:e>
+                          <m:r>
+                            <a:rPr lang="en-US" altLang="ja-JP" sz="2000" b="0" i="1" smtClean="0">
+                              <a:latin typeface="Cambria Math" panose="02040503050406030204" pitchFamily="18" charset="0"/>
+                            </a:rPr>
+                            <m:t>1</m:t>
+                          </m:r>
+                          <m:r>
+                            <a:rPr lang="en-US" altLang="ja-JP" sz="2000" b="0" i="1" smtClean="0">
+                              <a:latin typeface="Cambria Math" panose="02040503050406030204" pitchFamily="18" charset="0"/>
+                            </a:rPr>
+                            <m:t>−</m:t>
+                          </m:r>
+                          <m:r>
+                            <a:rPr lang="en-US" altLang="ja-JP" sz="2000" b="0" i="1" smtClean="0">
+                              <a:latin typeface="Cambria Math" panose="02040503050406030204" pitchFamily="18" charset="0"/>
+                            </a:rPr>
+                            <m:t>𝐴</m:t>
+                          </m:r>
+                          <m:rad>
+                            <m:radPr>
+                              <m:degHide m:val="on"/>
+                              <m:ctrlPr>
+                                <a:rPr lang="en-US" altLang="ja-JP" sz="2000" b="0" i="1" smtClean="0">
+                                  <a:latin typeface="Cambria Math" panose="02040503050406030204" pitchFamily="18" charset="0"/>
+                                </a:rPr>
+                              </m:ctrlPr>
+                            </m:radPr>
+                            <m:deg/>
+                            <m:e>
+                              <m:f>
+                                <m:fPr>
+                                  <m:ctrlPr>
+                                    <a:rPr lang="en-US" altLang="ja-JP" sz="2000" b="0" i="1" smtClean="0">
+                                      <a:latin typeface="Cambria Math" panose="02040503050406030204" pitchFamily="18" charset="0"/>
+                                    </a:rPr>
+                                  </m:ctrlPr>
+                                </m:fPr>
+                                <m:num>
+                                  <m:r>
+                                    <a:rPr lang="en-US" altLang="ja-JP" sz="2000" b="0" i="1" smtClean="0">
+                                      <a:latin typeface="Cambria Math" panose="02040503050406030204" pitchFamily="18" charset="0"/>
+                                    </a:rPr>
+                                    <m:t>𝐶</m:t>
+                                  </m:r>
+                                  <m:sSubSup>
+                                    <m:sSubSupPr>
+                                      <m:ctrlPr>
+                                        <a:rPr lang="en-US" altLang="ja-JP" sz="2000" b="0" i="1" smtClean="0">
+                                          <a:latin typeface="Cambria Math" panose="02040503050406030204" pitchFamily="18" charset="0"/>
+                                        </a:rPr>
+                                      </m:ctrlPr>
+                                    </m:sSubSupPr>
+                                    <m:e>
+                                      <m:r>
+                                        <a:rPr lang="en-US" altLang="ja-JP" sz="2000" b="0" i="1" smtClean="0">
+                                          <a:latin typeface="Cambria Math" panose="02040503050406030204" pitchFamily="18" charset="0"/>
+                                        </a:rPr>
+                                        <m:t>𝜎</m:t>
+                                      </m:r>
+                                    </m:e>
+                                    <m:sub>
+                                      <m:r>
+                                        <a:rPr lang="en-US" altLang="ja-JP" sz="2000" b="0" i="1" smtClean="0">
+                                          <a:latin typeface="Cambria Math" panose="02040503050406030204" pitchFamily="18" charset="0"/>
+                                        </a:rPr>
+                                        <m:t>𝑝</m:t>
+                                      </m:r>
+                                    </m:sub>
+                                    <m:sup>
+                                      <m:r>
+                                        <a:rPr lang="en-US" altLang="ja-JP" sz="2000" b="0" i="1" smtClean="0">
+                                          <a:latin typeface="Cambria Math" panose="02040503050406030204" pitchFamily="18" charset="0"/>
+                                        </a:rPr>
+                                        <m:t>2</m:t>
+                                      </m:r>
+                                    </m:sup>
+                                  </m:sSubSup>
+                                  <m:r>
+                                    <a:rPr lang="en-US" altLang="ja-JP" sz="2000" b="0" i="1" smtClean="0">
+                                      <a:latin typeface="Cambria Math" panose="02040503050406030204" pitchFamily="18" charset="0"/>
+                                    </a:rPr>
+                                    <m:t>−</m:t>
+                                  </m:r>
+                                  <m:r>
+                                    <a:rPr lang="en-US" altLang="ja-JP" sz="2000" b="0" i="1" smtClean="0">
+                                      <a:latin typeface="Cambria Math" panose="02040503050406030204" pitchFamily="18" charset="0"/>
+                                    </a:rPr>
+                                    <m:t>1</m:t>
+                                  </m:r>
+                                </m:num>
+                                <m:den>
+                                  <m:r>
+                                    <a:rPr lang="en-US" altLang="ja-JP" sz="2000" b="0" i="1" smtClean="0">
+                                      <a:latin typeface="Cambria Math" panose="02040503050406030204" pitchFamily="18" charset="0"/>
+                                    </a:rPr>
+                                    <m:t>𝐷</m:t>
+                                  </m:r>
+                                </m:den>
+                              </m:f>
+                            </m:e>
+                          </m:rad>
+                        </m:e>
+                      </m:d>
+                      <m:sSup>
+                        <m:sSupPr>
+                          <m:ctrlPr>
+                            <a:rPr lang="en-US" altLang="ja-JP" sz="2000" b="0" i="1" smtClean="0">
+                              <a:latin typeface="Cambria Math" panose="02040503050406030204" pitchFamily="18" charset="0"/>
+                            </a:rPr>
+                          </m:ctrlPr>
+                        </m:sSupPr>
+                        <m:e>
+                          <m:r>
+                            <a:rPr lang="en-US" altLang="ja-JP" sz="2000" b="1" i="0" smtClean="0">
+                              <a:latin typeface="Cambria Math" panose="02040503050406030204" pitchFamily="18" charset="0"/>
+                            </a:rPr>
+                            <m:t>𝛀</m:t>
+                          </m:r>
+                        </m:e>
+                        <m:sup>
+                          <m:r>
+                            <a:rPr lang="en-US" altLang="ja-JP" sz="2000" b="0" i="1" smtClean="0">
+                              <a:latin typeface="Cambria Math" panose="02040503050406030204" pitchFamily="18" charset="0"/>
+                            </a:rPr>
+                            <m:t>−</m:t>
+                          </m:r>
+                          <m:r>
+                            <a:rPr lang="en-US" altLang="ja-JP" sz="2000" b="0" i="1" smtClean="0">
+                              <a:latin typeface="Cambria Math" panose="02040503050406030204" pitchFamily="18" charset="0"/>
+                            </a:rPr>
+                            <m:t>1</m:t>
+                          </m:r>
+                        </m:sup>
+                      </m:sSup>
+                      <m:r>
+                        <a:rPr lang="en-US" altLang="ja-JP" sz="2000" b="1" i="1" smtClean="0">
+                          <a:latin typeface="Cambria Math" panose="02040503050406030204" pitchFamily="18" charset="0"/>
+                        </a:rPr>
+                        <m:t>𝟏</m:t>
+                      </m:r>
+                    </m:oMath>
+                  </m:oMathPara>
+                </a14:m>
+                <a:endParaRPr lang="en-US" altLang="ja-JP" sz="2000" b="1" dirty="0" smtClean="0"/>
+              </a:p>
+              <a:p>
+                <a:pPr marL="0" indent="0">
+                  <a:buNone/>
+                </a:pPr>
+                <a:endParaRPr lang="en-US" altLang="ja-JP" sz="2000" dirty="0" smtClean="0"/>
+              </a:p>
+            </p:txBody>
+          </p:sp>
+        </mc:Choice>
+        <mc:Fallback>
+          <p:sp>
+            <p:nvSpPr>
+              <p:cNvPr id="3" name="コンテンツ プレースホルダー 2"/>
+              <p:cNvSpPr>
+                <a:spLocks noGrp="1" noRot="1" noChangeAspect="1" noMove="1" noResize="1" noEditPoints="1" noAdjustHandles="1" noChangeArrowheads="1" noChangeShapeType="1" noTextEdit="1"/>
+              </p:cNvSpPr>
+              <p:nvPr>
+                <p:ph idx="1"/>
+              </p:nvPr>
+            </p:nvSpPr>
+            <p:spPr>
+              <a:xfrm>
+                <a:off x="838200" y="1065476"/>
+                <a:ext cx="10515600" cy="5412962"/>
+              </a:xfrm>
+              <a:blipFill>
+                <a:blip r:embed="rId2"/>
+                <a:stretch>
+                  <a:fillRect l="-638" t="-1126"/>
+                </a:stretch>
+              </a:blipFill>
+            </p:spPr>
+            <p:txBody>
+              <a:bodyPr/>
+              <a:lstStyle/>
+              <a:p>
+                <a:r>
+                  <a:rPr lang="ja-JP" altLang="en-US">
+                    <a:noFill/>
+                  </a:rPr>
+                  <a:t> </a:t>
+                </a:r>
+              </a:p>
+            </p:txBody>
+          </p:sp>
+        </mc:Fallback>
+      </mc:AlternateContent>
+    </p:spTree>
+    <p:extLst>
+      <p:ext uri="{BB962C8B-B14F-4D97-AF65-F5344CB8AC3E}">
+        <p14:creationId xmlns:p14="http://schemas.microsoft.com/office/powerpoint/2010/main" val="429698543"/>
+      </p:ext>
+    </p:extLst>
+  </p:cSld>
+  <p:clrMapOvr>
+    <a:masterClrMapping/>
+  </p:clrMapOvr>
+</p:sld>
+</file>
+
+<file path=ppt/slides/slide28.xml><?xml version="1.0" encoding="utf-8"?>
+<p:sld xmlns:a="http://schemas.openxmlformats.org/drawingml/2006/main" xmlns:r="http://schemas.openxmlformats.org/officeDocument/2006/relationships" xmlns:p="http://schemas.openxmlformats.org/presentationml/2006/main">
+  <p:cSld>
+    <p:spTree>
+      <p:nvGrpSpPr>
+        <p:cNvPr id="1" name=""/>
+        <p:cNvGrpSpPr/>
+        <p:nvPr/>
+      </p:nvGrpSpPr>
+      <p:grpSpPr>
+        <a:xfrm>
+          <a:off x="0" y="0"/>
+          <a:ext cx="0" cy="0"/>
+          <a:chOff x="0" y="0"/>
+          <a:chExt cx="0" cy="0"/>
+        </a:xfrm>
+      </p:grpSpPr>
+      <p:sp>
+        <p:nvSpPr>
+          <p:cNvPr id="2" name="タイトル 1"/>
+          <p:cNvSpPr>
+            <a:spLocks noGrp="1"/>
+          </p:cNvSpPr>
+          <p:nvPr>
+            <p:ph type="title"/>
+          </p:nvPr>
+        </p:nvSpPr>
+        <p:spPr>
+          <a:xfrm>
+            <a:off x="838200" y="365126"/>
+            <a:ext cx="10515600" cy="700350"/>
+          </a:xfrm>
+        </p:spPr>
+        <p:txBody>
+          <a:bodyPr>
+            <a:normAutofit/>
+          </a:bodyPr>
+          <a:lstStyle/>
+          <a:p>
+            <a:r>
+              <a:rPr lang="en-US" altLang="ja-JP" sz="2800" dirty="0" smtClean="0"/>
+              <a:t>§4.1</a:t>
+            </a:r>
+            <a:r>
+              <a:rPr lang="ja-JP" altLang="en-US" sz="2800" dirty="0" smtClean="0"/>
+              <a:t>　</a:t>
+            </a:r>
+            <a:r>
+              <a:rPr lang="ja-JP" altLang="en-US" sz="2800" dirty="0" smtClean="0"/>
+              <a:t>平均・分散分析</a:t>
+            </a:r>
+            <a:endParaRPr kumimoji="1" lang="ja-JP" altLang="en-US" sz="2800" dirty="0"/>
+          </a:p>
+        </p:txBody>
+      </p:sp>
+      <mc:AlternateContent xmlns:mc="http://schemas.openxmlformats.org/markup-compatibility/2006">
+        <mc:Choice xmlns:a14="http://schemas.microsoft.com/office/drawing/2010/main" Requires="a14">
+          <p:sp>
+            <p:nvSpPr>
+              <p:cNvPr id="3" name="コンテンツ プレースホルダー 2"/>
+              <p:cNvSpPr>
+                <a:spLocks noGrp="1"/>
+              </p:cNvSpPr>
+              <p:nvPr>
+                <p:ph idx="1"/>
+              </p:nvPr>
+            </p:nvSpPr>
+            <p:spPr>
+              <a:xfrm>
+                <a:off x="838200" y="1065476"/>
+                <a:ext cx="10515600" cy="5412962"/>
+              </a:xfrm>
+            </p:spPr>
+            <p:txBody>
+              <a:bodyPr>
+                <a:normAutofit/>
+              </a:bodyPr>
+              <a:lstStyle/>
+              <a:p>
+                <a:pPr marL="0" indent="0">
+                  <a:buNone/>
+                </a:pPr>
+                <a:r>
+                  <a:rPr lang="en-US" altLang="ja-JP" sz="2000" dirty="0"/>
+                  <a:t>【</a:t>
+                </a:r>
+                <a:r>
+                  <a:rPr lang="ja-JP" altLang="en-US" sz="2000" dirty="0"/>
+                  <a:t>分散所与の下での期待収益率最大化問題</a:t>
+                </a:r>
+                <a:r>
+                  <a:rPr lang="en-US" altLang="ja-JP" sz="2000" dirty="0"/>
+                  <a:t>】</a:t>
+                </a:r>
+                <a:endParaRPr lang="en-US" altLang="ja-JP" sz="2000" dirty="0" smtClean="0"/>
+              </a:p>
+              <a:p>
+                <a:pPr marL="0" indent="0">
+                  <a:buNone/>
+                </a:pPr>
+                <a:r>
+                  <a:rPr lang="ja-JP" altLang="en-US" sz="2000" dirty="0" smtClean="0"/>
+                  <a:t>前頁で導出した</a:t>
+                </a:r>
+                <a14:m>
+                  <m:oMath xmlns:m="http://schemas.openxmlformats.org/officeDocument/2006/math">
+                    <m:sSup>
+                      <m:sSupPr>
+                        <m:ctrlPr>
+                          <a:rPr lang="en-US" altLang="ja-JP" sz="2000" b="0" i="1" smtClean="0">
+                            <a:latin typeface="Cambria Math" panose="02040503050406030204" pitchFamily="18" charset="0"/>
+                          </a:rPr>
+                        </m:ctrlPr>
+                      </m:sSupPr>
+                      <m:e>
+                        <m:r>
+                          <a:rPr lang="en-US" altLang="ja-JP" sz="2000" b="1" i="1" smtClean="0">
+                            <a:latin typeface="Cambria Math" panose="02040503050406030204" pitchFamily="18" charset="0"/>
+                          </a:rPr>
+                          <m:t>𝒘</m:t>
+                        </m:r>
+                      </m:e>
+                      <m:sup>
+                        <m:r>
+                          <a:rPr lang="en-US" altLang="ja-JP" sz="2000" b="0" i="1" smtClean="0">
+                            <a:latin typeface="Cambria Math" panose="02040503050406030204" pitchFamily="18" charset="0"/>
+                          </a:rPr>
+                          <m:t>∗</m:t>
+                        </m:r>
+                      </m:sup>
+                    </m:sSup>
+                  </m:oMath>
+                </a14:m>
+                <a:r>
+                  <a:rPr lang="ja-JP" altLang="en-US" sz="2000" dirty="0" smtClean="0"/>
+                  <a:t>の式を用いると、</a:t>
+                </a:r>
+                <a:endParaRPr lang="en-US" altLang="ja-JP" sz="2000" dirty="0" smtClean="0"/>
+              </a:p>
+              <a:p>
+                <a:pPr marL="0" indent="0">
+                  <a:buNone/>
+                </a:pPr>
+                <a14:m>
+                  <m:oMathPara xmlns:m="http://schemas.openxmlformats.org/officeDocument/2006/math">
+                    <m:oMathParaPr>
+                      <m:jc m:val="centerGroup"/>
+                    </m:oMathParaPr>
+                    <m:oMath xmlns:m="http://schemas.openxmlformats.org/officeDocument/2006/math">
+                      <m:sSubSup>
+                        <m:sSubSupPr>
+                          <m:ctrlPr>
+                            <a:rPr lang="en-US" altLang="ja-JP" sz="2000" b="0" i="1" smtClean="0">
+                              <a:latin typeface="Cambria Math" panose="02040503050406030204" pitchFamily="18" charset="0"/>
+                            </a:rPr>
+                          </m:ctrlPr>
+                        </m:sSubSupPr>
+                        <m:e>
+                          <m:r>
+                            <a:rPr lang="en-US" altLang="ja-JP" sz="2000" b="0" i="1" smtClean="0">
+                              <a:latin typeface="Cambria Math" panose="02040503050406030204" pitchFamily="18" charset="0"/>
+                            </a:rPr>
+                            <m:t>𝜎</m:t>
+                          </m:r>
+                        </m:e>
+                        <m:sub>
+                          <m:r>
+                            <a:rPr lang="en-US" altLang="ja-JP" sz="2000" b="0" i="1" smtClean="0">
+                              <a:latin typeface="Cambria Math" panose="02040503050406030204" pitchFamily="18" charset="0"/>
+                            </a:rPr>
+                            <m:t>𝑝</m:t>
+                          </m:r>
+                        </m:sub>
+                        <m:sup>
+                          <m:r>
+                            <a:rPr lang="en-US" altLang="ja-JP" sz="2000" b="0" i="1" smtClean="0">
+                              <a:latin typeface="Cambria Math" panose="02040503050406030204" pitchFamily="18" charset="0"/>
+                            </a:rPr>
+                            <m:t>2</m:t>
+                          </m:r>
+                        </m:sup>
+                      </m:sSubSup>
+                      <m:r>
+                        <a:rPr lang="en-US" altLang="ja-JP" sz="2000" b="0" i="1" smtClean="0">
+                          <a:latin typeface="Cambria Math" panose="02040503050406030204" pitchFamily="18" charset="0"/>
+                        </a:rPr>
+                        <m:t>=</m:t>
+                      </m:r>
+                      <m:f>
+                        <m:fPr>
+                          <m:ctrlPr>
+                            <a:rPr lang="en-US" altLang="ja-JP" sz="2000" b="0" i="1" smtClean="0">
+                              <a:latin typeface="Cambria Math" panose="02040503050406030204" pitchFamily="18" charset="0"/>
+                            </a:rPr>
+                          </m:ctrlPr>
+                        </m:fPr>
+                        <m:num>
+                          <m:d>
+                            <m:dPr>
+                              <m:ctrlPr>
+                                <a:rPr lang="en-US" altLang="ja-JP" sz="2000" b="0" i="1" smtClean="0">
+                                  <a:latin typeface="Cambria Math" panose="02040503050406030204" pitchFamily="18" charset="0"/>
+                                </a:rPr>
+                              </m:ctrlPr>
+                            </m:dPr>
+                            <m:e>
+                              <m:r>
+                                <a:rPr lang="en-US" altLang="ja-JP" sz="2000" b="0" i="1" smtClean="0">
+                                  <a:latin typeface="Cambria Math" panose="02040503050406030204" pitchFamily="18" charset="0"/>
+                                </a:rPr>
+                                <m:t>𝐶</m:t>
+                              </m:r>
+                              <m:sSubSup>
+                                <m:sSubSupPr>
+                                  <m:ctrlPr>
+                                    <a:rPr lang="en-US" altLang="ja-JP" sz="2000" b="0" i="1" smtClean="0">
+                                      <a:latin typeface="Cambria Math" panose="02040503050406030204" pitchFamily="18" charset="0"/>
+                                    </a:rPr>
+                                  </m:ctrlPr>
+                                </m:sSubSupPr>
+                                <m:e>
+                                  <m:r>
+                                    <a:rPr lang="en-US" altLang="ja-JP" sz="2000" b="0" i="1" smtClean="0">
+                                      <a:latin typeface="Cambria Math" panose="02040503050406030204" pitchFamily="18" charset="0"/>
+                                    </a:rPr>
+                                    <m:t>𝜇</m:t>
+                                  </m:r>
+                                </m:e>
+                                <m:sub>
+                                  <m:r>
+                                    <a:rPr lang="en-US" altLang="ja-JP" sz="2000" b="0" i="1" smtClean="0">
+                                      <a:latin typeface="Cambria Math" panose="02040503050406030204" pitchFamily="18" charset="0"/>
+                                    </a:rPr>
+                                    <m:t>𝑝</m:t>
+                                  </m:r>
+                                </m:sub>
+                                <m:sup>
+                                  <m:r>
+                                    <a:rPr lang="en-US" altLang="ja-JP" sz="2000" b="0" i="1" smtClean="0">
+                                      <a:latin typeface="Cambria Math" panose="02040503050406030204" pitchFamily="18" charset="0"/>
+                                    </a:rPr>
+                                    <m:t>2</m:t>
+                                  </m:r>
+                                </m:sup>
+                              </m:sSubSup>
+                              <m:r>
+                                <a:rPr lang="en-US" altLang="ja-JP" sz="2000" b="0" i="1" smtClean="0">
+                                  <a:latin typeface="Cambria Math" panose="02040503050406030204" pitchFamily="18" charset="0"/>
+                                </a:rPr>
+                                <m:t>−</m:t>
+                              </m:r>
+                              <m:r>
+                                <a:rPr lang="en-US" altLang="ja-JP" sz="2000" b="0" i="1" smtClean="0">
+                                  <a:latin typeface="Cambria Math" panose="02040503050406030204" pitchFamily="18" charset="0"/>
+                                </a:rPr>
+                                <m:t>2</m:t>
+                              </m:r>
+                              <m:r>
+                                <a:rPr lang="en-US" altLang="ja-JP" sz="2000" b="0" i="1" smtClean="0">
+                                  <a:latin typeface="Cambria Math" panose="02040503050406030204" pitchFamily="18" charset="0"/>
+                                </a:rPr>
+                                <m:t>𝐴</m:t>
+                              </m:r>
+                              <m:sSub>
+                                <m:sSubPr>
+                                  <m:ctrlPr>
+                                    <a:rPr lang="en-US" altLang="ja-JP" sz="2000" b="0" i="1" smtClean="0">
+                                      <a:latin typeface="Cambria Math" panose="02040503050406030204" pitchFamily="18" charset="0"/>
+                                    </a:rPr>
+                                  </m:ctrlPr>
+                                </m:sSubPr>
+                                <m:e>
+                                  <m:r>
+                                    <a:rPr lang="en-US" altLang="ja-JP" sz="2000" b="0" i="1" smtClean="0">
+                                      <a:latin typeface="Cambria Math" panose="02040503050406030204" pitchFamily="18" charset="0"/>
+                                    </a:rPr>
+                                    <m:t>𝜇</m:t>
+                                  </m:r>
+                                </m:e>
+                                <m:sub>
+                                  <m:r>
+                                    <a:rPr lang="en-US" altLang="ja-JP" sz="2000" b="0" i="1" smtClean="0">
+                                      <a:latin typeface="Cambria Math" panose="02040503050406030204" pitchFamily="18" charset="0"/>
+                                    </a:rPr>
+                                    <m:t>𝑝</m:t>
+                                  </m:r>
+                                </m:sub>
+                              </m:sSub>
+                              <m:r>
+                                <a:rPr lang="en-US" altLang="ja-JP" sz="2000" b="0" i="1" smtClean="0">
+                                  <a:latin typeface="Cambria Math" panose="02040503050406030204" pitchFamily="18" charset="0"/>
+                                </a:rPr>
+                                <m:t>+</m:t>
+                              </m:r>
+                              <m:r>
+                                <a:rPr lang="en-US" altLang="ja-JP" sz="2000" b="0" i="1" smtClean="0">
+                                  <a:latin typeface="Cambria Math" panose="02040503050406030204" pitchFamily="18" charset="0"/>
+                                </a:rPr>
+                                <m:t>𝐵</m:t>
+                              </m:r>
+                            </m:e>
+                          </m:d>
+                        </m:num>
+                        <m:den>
+                          <m:r>
+                            <a:rPr lang="en-US" altLang="ja-JP" sz="2000" b="0" i="1" smtClean="0">
+                              <a:latin typeface="Cambria Math" panose="02040503050406030204" pitchFamily="18" charset="0"/>
+                            </a:rPr>
+                            <m:t>𝐷</m:t>
+                          </m:r>
+                        </m:den>
+                      </m:f>
+                    </m:oMath>
+                  </m:oMathPara>
+                </a14:m>
+                <a:endParaRPr lang="en-US" altLang="ja-JP" sz="2000" dirty="0" smtClean="0"/>
+              </a:p>
+              <a:p>
+                <a:pPr marL="0" indent="0">
+                  <a:buNone/>
+                </a:pPr>
+                <a:r>
+                  <a:rPr lang="ja-JP" altLang="en-US" sz="2000" dirty="0" smtClean="0"/>
+                  <a:t>となり、効率的フロンティアが双曲線となることが分かる。</a:t>
+                </a:r>
+                <a:endParaRPr lang="en-US" altLang="ja-JP" sz="2000" dirty="0" smtClean="0"/>
+              </a:p>
+            </p:txBody>
+          </p:sp>
+        </mc:Choice>
+        <mc:Fallback>
+          <p:sp>
+            <p:nvSpPr>
+              <p:cNvPr id="3" name="コンテンツ プレースホルダー 2"/>
+              <p:cNvSpPr>
+                <a:spLocks noGrp="1" noRot="1" noChangeAspect="1" noMove="1" noResize="1" noEditPoints="1" noAdjustHandles="1" noChangeArrowheads="1" noChangeShapeType="1" noTextEdit="1"/>
+              </p:cNvSpPr>
+              <p:nvPr>
+                <p:ph idx="1"/>
+              </p:nvPr>
+            </p:nvSpPr>
+            <p:spPr>
+              <a:xfrm>
+                <a:off x="838200" y="1065476"/>
+                <a:ext cx="10515600" cy="5412962"/>
+              </a:xfrm>
+              <a:blipFill>
+                <a:blip r:embed="rId2"/>
+                <a:stretch>
+                  <a:fillRect l="-638" t="-1126"/>
+                </a:stretch>
+              </a:blipFill>
+            </p:spPr>
+            <p:txBody>
+              <a:bodyPr/>
+              <a:lstStyle/>
+              <a:p>
+                <a:r>
+                  <a:rPr lang="ja-JP" altLang="en-US">
+                    <a:noFill/>
+                  </a:rPr>
+                  <a:t> </a:t>
+                </a:r>
+              </a:p>
+            </p:txBody>
+          </p:sp>
+        </mc:Fallback>
+      </mc:AlternateContent>
+    </p:spTree>
+    <p:extLst>
+      <p:ext uri="{BB962C8B-B14F-4D97-AF65-F5344CB8AC3E}">
+        <p14:creationId xmlns:p14="http://schemas.microsoft.com/office/powerpoint/2010/main" val="2422905471"/>
+      </p:ext>
+    </p:extLst>
+  </p:cSld>
+  <p:clrMapOvr>
+    <a:masterClrMapping/>
+  </p:clrMapOvr>
+</p:sld>
+</file>
+
+<file path=ppt/slides/slide29.xml><?xml version="1.0" encoding="utf-8"?>
+<p:sld xmlns:a="http://schemas.openxmlformats.org/drawingml/2006/main" xmlns:r="http://schemas.openxmlformats.org/officeDocument/2006/relationships" xmlns:p="http://schemas.openxmlformats.org/presentationml/2006/main">
+  <p:cSld>
+    <p:spTree>
+      <p:nvGrpSpPr>
+        <p:cNvPr id="1" name=""/>
+        <p:cNvGrpSpPr/>
+        <p:nvPr/>
+      </p:nvGrpSpPr>
+      <p:grpSpPr>
+        <a:xfrm>
+          <a:off x="0" y="0"/>
+          <a:ext cx="0" cy="0"/>
+          <a:chOff x="0" y="0"/>
+          <a:chExt cx="0" cy="0"/>
+        </a:xfrm>
+      </p:grpSpPr>
+      <p:sp>
+        <p:nvSpPr>
+          <p:cNvPr id="2" name="タイトル 1"/>
+          <p:cNvSpPr>
+            <a:spLocks noGrp="1"/>
+          </p:cNvSpPr>
+          <p:nvPr>
+            <p:ph type="title"/>
+          </p:nvPr>
+        </p:nvSpPr>
+        <p:spPr>
+          <a:xfrm>
+            <a:off x="838200" y="365126"/>
+            <a:ext cx="10515600" cy="700350"/>
+          </a:xfrm>
+        </p:spPr>
+        <p:txBody>
+          <a:bodyPr>
+            <a:normAutofit/>
+          </a:bodyPr>
+          <a:lstStyle/>
+          <a:p>
+            <a:r>
+              <a:rPr lang="en-US" altLang="ja-JP" sz="2800" dirty="0" smtClean="0"/>
+              <a:t>§4.1</a:t>
+            </a:r>
+            <a:r>
+              <a:rPr lang="ja-JP" altLang="en-US" sz="2800" dirty="0" smtClean="0"/>
+              <a:t>　</a:t>
+            </a:r>
+            <a:r>
+              <a:rPr lang="ja-JP" altLang="en-US" sz="2800" dirty="0" smtClean="0"/>
+              <a:t>平均・分散分析</a:t>
+            </a:r>
+            <a:endParaRPr kumimoji="1" lang="ja-JP" altLang="en-US" sz="2800" dirty="0"/>
+          </a:p>
+        </p:txBody>
+      </p:sp>
+      <p:sp>
+        <p:nvSpPr>
+          <p:cNvPr id="3" name="コンテンツ プレースホルダー 2"/>
+          <p:cNvSpPr>
+            <a:spLocks noGrp="1"/>
+          </p:cNvSpPr>
+          <p:nvPr>
+            <p:ph idx="1"/>
+          </p:nvPr>
+        </p:nvSpPr>
+        <p:spPr>
+          <a:xfrm>
+            <a:off x="838200" y="1065476"/>
+            <a:ext cx="10515600" cy="5412962"/>
+          </a:xfrm>
+        </p:spPr>
+        <p:txBody>
+          <a:bodyPr>
+            <a:normAutofit/>
+          </a:bodyPr>
+          <a:lstStyle/>
+          <a:p>
+            <a:pPr marL="0" indent="0">
+              <a:buNone/>
+            </a:pPr>
+            <a:r>
+              <a:rPr lang="en-US" altLang="ja-JP" sz="2000" dirty="0" smtClean="0"/>
+              <a:t>【2</a:t>
+            </a:r>
+            <a:r>
+              <a:rPr lang="ja-JP" altLang="en-US" sz="2000" dirty="0" smtClean="0"/>
+              <a:t>基金分離定理（</a:t>
+            </a:r>
+            <a:r>
+              <a:rPr lang="en-US" altLang="ja-JP" sz="2000" dirty="0" smtClean="0"/>
+              <a:t>Two Fund Separation</a:t>
+            </a:r>
+            <a:r>
+              <a:rPr lang="ja-JP" altLang="en-US" sz="2000" dirty="0" smtClean="0"/>
+              <a:t>）</a:t>
+            </a:r>
+            <a:r>
+              <a:rPr lang="en-US" altLang="ja-JP" sz="2000" dirty="0" smtClean="0"/>
+              <a:t>】</a:t>
+            </a:r>
+          </a:p>
+          <a:p>
+            <a:pPr marL="0" indent="0">
+              <a:buNone/>
+            </a:pPr>
+            <a:r>
+              <a:rPr lang="ja-JP" altLang="en-US" sz="2000" dirty="0" smtClean="0"/>
+              <a:t>安全資産が存在しない状況下で、任意の効率的ポートフォリオは異なる</a:t>
+            </a:r>
+            <a:r>
+              <a:rPr lang="en-US" altLang="ja-JP" sz="2000" dirty="0" smtClean="0"/>
+              <a:t>2</a:t>
+            </a:r>
+            <a:r>
+              <a:rPr lang="ja-JP" altLang="en-US" sz="2000" dirty="0" err="1" smtClean="0"/>
+              <a:t>つの</a:t>
+            </a:r>
+            <a:r>
+              <a:rPr lang="ja-JP" altLang="en-US" sz="2000" dirty="0" smtClean="0"/>
+              <a:t>効率的ポートフォリオの合成により構成できる。</a:t>
+            </a:r>
+            <a:endParaRPr lang="en-US" altLang="ja-JP" sz="2000" dirty="0" smtClean="0"/>
+          </a:p>
+          <a:p>
+            <a:pPr marL="0" indent="0">
+              <a:buNone/>
+            </a:pPr>
+            <a:endParaRPr lang="en-US" altLang="ja-JP" sz="2000" dirty="0"/>
+          </a:p>
+          <a:p>
+            <a:pPr marL="0" indent="0">
+              <a:buNone/>
+            </a:pPr>
+            <a:r>
+              <a:rPr lang="ja-JP" altLang="en-US" sz="2000" dirty="0" smtClean="0"/>
+              <a:t>上記の定理は先の効率的フロンティアの式を用いれば簡単に証明できる。</a:t>
+            </a:r>
+            <a:endParaRPr lang="en-US" altLang="ja-JP" sz="2000" dirty="0" smtClean="0"/>
+          </a:p>
+          <a:p>
+            <a:pPr marL="0" indent="0">
+              <a:buNone/>
+            </a:pPr>
+            <a:r>
+              <a:rPr lang="ja-JP" altLang="en-US" sz="2000" dirty="0"/>
+              <a:t>本書</a:t>
+            </a:r>
+            <a:r>
+              <a:rPr lang="ja-JP" altLang="en-US" sz="2000" dirty="0" smtClean="0"/>
+              <a:t>では、大域的最小分散ポートフォリオ（</a:t>
+            </a:r>
+            <a:r>
+              <a:rPr lang="en-US" altLang="ja-JP" sz="2000" dirty="0" smtClean="0"/>
+              <a:t>Global MVP</a:t>
+            </a:r>
+            <a:r>
+              <a:rPr lang="ja-JP" altLang="en-US" sz="2000" dirty="0" smtClean="0"/>
+              <a:t>）と接点ポートフォリオの</a:t>
+            </a:r>
+            <a:r>
+              <a:rPr lang="en-US" altLang="ja-JP" sz="2000" dirty="0" smtClean="0"/>
+              <a:t>2</a:t>
+            </a:r>
+            <a:r>
+              <a:rPr lang="ja-JP" altLang="en-US" sz="2000" dirty="0" smtClean="0"/>
+              <a:t>ポートを用いた場合について証明を行っている。</a:t>
+            </a:r>
+            <a:endParaRPr lang="en-US" altLang="ja-JP" sz="2000" dirty="0" smtClean="0"/>
+          </a:p>
+        </p:txBody>
+      </p:sp>
+    </p:spTree>
+    <p:extLst>
+      <p:ext uri="{BB962C8B-B14F-4D97-AF65-F5344CB8AC3E}">
+        <p14:creationId xmlns:p14="http://schemas.microsoft.com/office/powerpoint/2010/main" val="2562025188"/>
       </p:ext>
     </p:extLst>
   </p:cSld>
@@ -19172,6 +23392,3170 @@
     <p:extLst>
       <p:ext uri="{BB962C8B-B14F-4D97-AF65-F5344CB8AC3E}">
         <p14:creationId xmlns:p14="http://schemas.microsoft.com/office/powerpoint/2010/main" val="577460251"/>
+      </p:ext>
+    </p:extLst>
+  </p:cSld>
+  <p:clrMapOvr>
+    <a:masterClrMapping/>
+  </p:clrMapOvr>
+</p:sld>
+</file>
+
+<file path=ppt/slides/slide30.xml><?xml version="1.0" encoding="utf-8"?>
+<p:sld xmlns:a="http://schemas.openxmlformats.org/drawingml/2006/main" xmlns:r="http://schemas.openxmlformats.org/officeDocument/2006/relationships" xmlns:p="http://schemas.openxmlformats.org/presentationml/2006/main">
+  <p:cSld>
+    <p:spTree>
+      <p:nvGrpSpPr>
+        <p:cNvPr id="1" name=""/>
+        <p:cNvGrpSpPr/>
+        <p:nvPr/>
+      </p:nvGrpSpPr>
+      <p:grpSpPr>
+        <a:xfrm>
+          <a:off x="0" y="0"/>
+          <a:ext cx="0" cy="0"/>
+          <a:chOff x="0" y="0"/>
+          <a:chExt cx="0" cy="0"/>
+        </a:xfrm>
+      </p:grpSpPr>
+      <p:sp>
+        <p:nvSpPr>
+          <p:cNvPr id="2" name="タイトル 1"/>
+          <p:cNvSpPr>
+            <a:spLocks noGrp="1"/>
+          </p:cNvSpPr>
+          <p:nvPr>
+            <p:ph type="title"/>
+          </p:nvPr>
+        </p:nvSpPr>
+        <p:spPr>
+          <a:xfrm>
+            <a:off x="838200" y="365126"/>
+            <a:ext cx="10515600" cy="700350"/>
+          </a:xfrm>
+        </p:spPr>
+        <p:txBody>
+          <a:bodyPr>
+            <a:normAutofit/>
+          </a:bodyPr>
+          <a:lstStyle/>
+          <a:p>
+            <a:r>
+              <a:rPr lang="en-US" altLang="ja-JP" sz="2800" dirty="0" smtClean="0"/>
+              <a:t>§4.1</a:t>
+            </a:r>
+            <a:r>
+              <a:rPr lang="ja-JP" altLang="en-US" sz="2800" dirty="0" smtClean="0"/>
+              <a:t>　</a:t>
+            </a:r>
+            <a:r>
+              <a:rPr lang="ja-JP" altLang="en-US" sz="2800" dirty="0" smtClean="0"/>
+              <a:t>平均・分散分析</a:t>
+            </a:r>
+            <a:endParaRPr kumimoji="1" lang="ja-JP" altLang="en-US" sz="2800" dirty="0"/>
+          </a:p>
+        </p:txBody>
+      </p:sp>
+      <mc:AlternateContent xmlns:mc="http://schemas.openxmlformats.org/markup-compatibility/2006">
+        <mc:Choice xmlns:a14="http://schemas.microsoft.com/office/drawing/2010/main" Requires="a14">
+          <p:sp>
+            <p:nvSpPr>
+              <p:cNvPr id="3" name="コンテンツ プレースホルダー 2"/>
+              <p:cNvSpPr>
+                <a:spLocks noGrp="1"/>
+              </p:cNvSpPr>
+              <p:nvPr>
+                <p:ph idx="1"/>
+              </p:nvPr>
+            </p:nvSpPr>
+            <p:spPr>
+              <a:xfrm>
+                <a:off x="838200" y="1065476"/>
+                <a:ext cx="10515600" cy="5412962"/>
+              </a:xfrm>
+            </p:spPr>
+            <p:txBody>
+              <a:bodyPr>
+                <a:normAutofit/>
+              </a:bodyPr>
+              <a:lstStyle/>
+              <a:p>
+                <a:pPr marL="0" indent="0">
+                  <a:buNone/>
+                </a:pPr>
+                <a:r>
+                  <a:rPr lang="en-US" altLang="ja-JP" sz="2000" dirty="0" smtClean="0"/>
+                  <a:t>【</a:t>
+                </a:r>
+                <a:r>
+                  <a:rPr lang="ja-JP" altLang="en-US" sz="2000" dirty="0" smtClean="0"/>
+                  <a:t>投資機会集合と無差別曲線</a:t>
+                </a:r>
+                <a:r>
+                  <a:rPr lang="en-US" altLang="ja-JP" sz="2000" dirty="0" smtClean="0"/>
+                  <a:t>】</a:t>
+                </a:r>
+              </a:p>
+              <a:p>
+                <a:pPr marL="0" indent="0">
+                  <a:buNone/>
+                </a:pPr>
+                <a:r>
+                  <a:rPr lang="ja-JP" altLang="en-US" sz="2000" dirty="0" smtClean="0"/>
+                  <a:t>平均・分散アプローチの下での最適ポートフォリオの決定問題は、無差別曲線を用いて図解することができる。</a:t>
+                </a:r>
+                <a:endParaRPr lang="en-US" altLang="ja-JP" sz="2000" dirty="0" smtClean="0"/>
+              </a:p>
+              <a:p>
+                <a:pPr marL="0" indent="0">
+                  <a:buNone/>
+                </a:pPr>
+                <a:r>
+                  <a:rPr lang="ja-JP" altLang="en-US" sz="2000" dirty="0" smtClean="0"/>
+                  <a:t>無差別曲線は同一の期待効用をもたらす点をリスク・リターン平面へプロットしたものである。すなわち、効用関数の軌跡として定義される。</a:t>
+                </a:r>
+                <a:endParaRPr lang="en-US" altLang="ja-JP" sz="2000" dirty="0" smtClean="0"/>
+              </a:p>
+              <a:p>
+                <a:pPr marL="0" indent="0">
+                  <a:buNone/>
+                </a:pPr>
+                <a:r>
+                  <a:rPr lang="ja-JP" altLang="en-US" sz="2000" dirty="0"/>
+                  <a:t>定義</a:t>
+                </a:r>
+                <a:r>
+                  <a:rPr lang="ja-JP" altLang="en-US" sz="2000" dirty="0" smtClean="0"/>
+                  <a:t>から分かる通り、無差別曲線は投資収益率の従う確率分布と投資家の持つ効用関数を特定しなければ定めることができない。</a:t>
+                </a:r>
+                <a:endParaRPr lang="en-US" altLang="ja-JP" sz="2000" dirty="0" smtClean="0"/>
+              </a:p>
+              <a:p>
+                <a:pPr marL="0" indent="0">
+                  <a:buNone/>
+                </a:pPr>
+                <a:endParaRPr lang="en-US" altLang="ja-JP" sz="2000" dirty="0"/>
+              </a:p>
+              <a:p>
+                <a:pPr marL="0" indent="0">
+                  <a:buNone/>
+                </a:pPr>
+                <a:r>
+                  <a:rPr lang="ja-JP" altLang="en-US" sz="2000" dirty="0" smtClean="0"/>
+                  <a:t>以下では、正規分布と負の指数型効用を仮定することとする。</a:t>
+                </a:r>
+                <a:endParaRPr lang="en-US" altLang="ja-JP" sz="2000" dirty="0" smtClean="0"/>
+              </a:p>
+              <a:p>
+                <a:pPr marL="0" indent="0">
+                  <a:buNone/>
+                </a:pPr>
+                <a:r>
+                  <a:rPr lang="ja-JP" altLang="en-US" sz="2000" dirty="0" smtClean="0"/>
+                  <a:t>効用</a:t>
+                </a:r>
+                <a:r>
+                  <a:rPr lang="ja-JP" altLang="en-US" sz="2000" dirty="0"/>
+                  <a:t>関数</a:t>
+                </a:r>
+                <a:r>
+                  <a:rPr lang="ja-JP" altLang="en-US" sz="2000" dirty="0" smtClean="0"/>
+                  <a:t>は</a:t>
+                </a:r>
+                <a14:m>
+                  <m:oMath xmlns:m="http://schemas.openxmlformats.org/officeDocument/2006/math">
+                    <m:r>
+                      <a:rPr lang="en-US" altLang="ja-JP" sz="2000" b="0" i="1" smtClean="0">
+                        <a:latin typeface="Cambria Math" panose="02040503050406030204" pitchFamily="18" charset="0"/>
+                      </a:rPr>
+                      <m:t>𝑢</m:t>
+                    </m:r>
+                    <m:d>
+                      <m:dPr>
+                        <m:ctrlPr>
+                          <a:rPr lang="en-US" altLang="ja-JP" sz="2000" b="0" i="1" smtClean="0">
+                            <a:latin typeface="Cambria Math" panose="02040503050406030204" pitchFamily="18" charset="0"/>
+                          </a:rPr>
+                        </m:ctrlPr>
+                      </m:dPr>
+                      <m:e>
+                        <m:r>
+                          <a:rPr lang="en-US" altLang="ja-JP" sz="2000" b="0" i="1" smtClean="0">
+                            <a:latin typeface="Cambria Math" panose="02040503050406030204" pitchFamily="18" charset="0"/>
+                          </a:rPr>
+                          <m:t>𝑥</m:t>
+                        </m:r>
+                      </m:e>
+                    </m:d>
+                    <m:r>
+                      <a:rPr lang="en-US" altLang="ja-JP" sz="2000" b="0" i="1" smtClean="0">
+                        <a:latin typeface="Cambria Math" panose="02040503050406030204" pitchFamily="18" charset="0"/>
+                      </a:rPr>
+                      <m:t>=−</m:t>
+                    </m:r>
+                    <m:sSup>
+                      <m:sSupPr>
+                        <m:ctrlPr>
+                          <a:rPr lang="en-US" altLang="ja-JP" sz="2000" b="0" i="1" smtClean="0">
+                            <a:latin typeface="Cambria Math" panose="02040503050406030204" pitchFamily="18" charset="0"/>
+                          </a:rPr>
+                        </m:ctrlPr>
+                      </m:sSupPr>
+                      <m:e>
+                        <m:r>
+                          <a:rPr lang="en-US" altLang="ja-JP" sz="2000" b="0" i="1" smtClean="0">
+                            <a:latin typeface="Cambria Math" panose="02040503050406030204" pitchFamily="18" charset="0"/>
+                          </a:rPr>
+                          <m:t>𝑒</m:t>
+                        </m:r>
+                      </m:e>
+                      <m:sup>
+                        <m:r>
+                          <a:rPr lang="en-US" altLang="ja-JP" sz="2000" b="0" i="1" smtClean="0">
+                            <a:latin typeface="Cambria Math" panose="02040503050406030204" pitchFamily="18" charset="0"/>
+                          </a:rPr>
+                          <m:t>−</m:t>
+                        </m:r>
+                        <m:r>
+                          <a:rPr lang="en-US" altLang="ja-JP" sz="2000" b="0" i="1" smtClean="0">
+                            <a:latin typeface="Cambria Math" panose="02040503050406030204" pitchFamily="18" charset="0"/>
+                          </a:rPr>
+                          <m:t>𝜙</m:t>
+                        </m:r>
+                        <m:r>
+                          <a:rPr lang="en-US" altLang="ja-JP" sz="2000" b="0" i="1" smtClean="0">
+                            <a:latin typeface="Cambria Math" panose="02040503050406030204" pitchFamily="18" charset="0"/>
+                          </a:rPr>
+                          <m:t>𝑥</m:t>
+                        </m:r>
+                      </m:sup>
+                    </m:sSup>
+                    <m:r>
+                      <a:rPr lang="en-US" altLang="ja-JP" sz="2000" b="0" i="1" smtClean="0">
+                        <a:latin typeface="Cambria Math" panose="02040503050406030204" pitchFamily="18" charset="0"/>
+                      </a:rPr>
+                      <m:t>(</m:t>
+                    </m:r>
+                    <m:r>
+                      <a:rPr lang="en-US" altLang="ja-JP" sz="2000" b="0" i="1" smtClean="0">
+                        <a:latin typeface="Cambria Math" panose="02040503050406030204" pitchFamily="18" charset="0"/>
+                      </a:rPr>
+                      <m:t>𝜙</m:t>
+                    </m:r>
+                    <m:r>
+                      <a:rPr lang="en-US" altLang="ja-JP" sz="2000" b="0" i="1" smtClean="0">
+                        <a:latin typeface="Cambria Math" panose="02040503050406030204" pitchFamily="18" charset="0"/>
+                      </a:rPr>
+                      <m:t>&gt;</m:t>
+                    </m:r>
+                    <m:r>
+                      <a:rPr lang="en-US" altLang="ja-JP" sz="2000" b="0" i="1" smtClean="0">
+                        <a:latin typeface="Cambria Math" panose="02040503050406030204" pitchFamily="18" charset="0"/>
+                      </a:rPr>
+                      <m:t>0</m:t>
+                    </m:r>
+                    <m:r>
+                      <a:rPr lang="en-US" altLang="ja-JP" sz="2000" b="0" i="1" smtClean="0">
+                        <a:latin typeface="Cambria Math" panose="02040503050406030204" pitchFamily="18" charset="0"/>
+                      </a:rPr>
+                      <m:t>)</m:t>
+                    </m:r>
+                  </m:oMath>
+                </a14:m>
+                <a:r>
+                  <a:rPr lang="ja-JP" altLang="en-US" sz="2000" dirty="0" smtClean="0"/>
+                  <a:t>と表せ、</a:t>
+                </a:r>
+                <a14:m>
+                  <m:oMath xmlns:m="http://schemas.openxmlformats.org/officeDocument/2006/math">
+                    <m:r>
+                      <a:rPr lang="en-US" altLang="ja-JP" sz="2000" b="0" i="1" smtClean="0">
+                        <a:latin typeface="Cambria Math" panose="02040503050406030204" pitchFamily="18" charset="0"/>
+                      </a:rPr>
+                      <m:t>𝐴𝑅𝐴</m:t>
+                    </m:r>
+                    <m:d>
+                      <m:dPr>
+                        <m:ctrlPr>
+                          <a:rPr lang="en-US" altLang="ja-JP" sz="2000" b="0" i="1" smtClean="0">
+                            <a:latin typeface="Cambria Math" panose="02040503050406030204" pitchFamily="18" charset="0"/>
+                          </a:rPr>
+                        </m:ctrlPr>
+                      </m:dPr>
+                      <m:e>
+                        <m:r>
+                          <a:rPr lang="en-US" altLang="ja-JP" sz="2000" b="0" i="1" smtClean="0">
+                            <a:latin typeface="Cambria Math" panose="02040503050406030204" pitchFamily="18" charset="0"/>
+                          </a:rPr>
+                          <m:t>𝑥</m:t>
+                        </m:r>
+                      </m:e>
+                    </m:d>
+                    <m:r>
+                      <a:rPr lang="en-US" altLang="ja-JP" sz="2000" b="0" i="1" smtClean="0">
+                        <a:latin typeface="Cambria Math" panose="02040503050406030204" pitchFamily="18" charset="0"/>
+                      </a:rPr>
+                      <m:t>=</m:t>
+                    </m:r>
+                    <m:r>
+                      <a:rPr lang="en-US" altLang="ja-JP" sz="2000" b="0" i="1" smtClean="0">
+                        <a:latin typeface="Cambria Math" panose="02040503050406030204" pitchFamily="18" charset="0"/>
+                      </a:rPr>
+                      <m:t>𝜙</m:t>
+                    </m:r>
+                  </m:oMath>
+                </a14:m>
+                <a:r>
+                  <a:rPr lang="ja-JP" altLang="en-US" sz="2000" dirty="0" smtClean="0"/>
+                  <a:t>となる。</a:t>
+                </a:r>
+                <a:endParaRPr lang="en-US" altLang="ja-JP" sz="2000" dirty="0" smtClean="0"/>
+              </a:p>
+              <a:p>
+                <a:pPr marL="0" indent="0">
+                  <a:buNone/>
+                </a:pPr>
+                <a:r>
+                  <a:rPr lang="ja-JP" altLang="en-US" sz="2000" dirty="0"/>
+                  <a:t>ポートフォリオ</a:t>
+                </a:r>
+                <a:r>
+                  <a:rPr lang="ja-JP" altLang="en-US" sz="2000" dirty="0" smtClean="0"/>
+                  <a:t>の投資収益率</a:t>
+                </a:r>
+                <a14:m>
+                  <m:oMath xmlns:m="http://schemas.openxmlformats.org/officeDocument/2006/math">
+                    <m:sSub>
+                      <m:sSubPr>
+                        <m:ctrlPr>
+                          <a:rPr lang="en-US" altLang="ja-JP" sz="2000" b="0" i="1" dirty="0" smtClean="0">
+                            <a:latin typeface="Cambria Math" panose="02040503050406030204" pitchFamily="18" charset="0"/>
+                          </a:rPr>
+                        </m:ctrlPr>
+                      </m:sSubPr>
+                      <m:e>
+                        <m:acc>
+                          <m:accPr>
+                            <m:chr m:val="̃"/>
+                            <m:ctrlPr>
+                              <a:rPr lang="en-US" altLang="ja-JP" sz="2000" b="0" i="1" smtClean="0">
+                                <a:latin typeface="Cambria Math" panose="02040503050406030204" pitchFamily="18" charset="0"/>
+                              </a:rPr>
+                            </m:ctrlPr>
+                          </m:accPr>
+                          <m:e>
+                            <m:r>
+                              <a:rPr lang="en-US" altLang="ja-JP" sz="2000" b="0" i="1" smtClean="0">
+                                <a:latin typeface="Cambria Math" panose="02040503050406030204" pitchFamily="18" charset="0"/>
+                              </a:rPr>
+                              <m:t>𝑅</m:t>
+                            </m:r>
+                          </m:e>
+                        </m:acc>
+                      </m:e>
+                      <m:sub>
+                        <m:r>
+                          <a:rPr lang="en-US" altLang="ja-JP" sz="2000" b="0" i="1" dirty="0" smtClean="0">
+                            <a:latin typeface="Cambria Math" panose="02040503050406030204" pitchFamily="18" charset="0"/>
+                          </a:rPr>
+                          <m:t>𝑝</m:t>
+                        </m:r>
+                      </m:sub>
+                    </m:sSub>
+                  </m:oMath>
+                </a14:m>
+                <a:r>
+                  <a:rPr lang="ja-JP" altLang="en-US" sz="2000" dirty="0" smtClean="0"/>
+                  <a:t>は、</a:t>
+                </a:r>
+                <a14:m>
+                  <m:oMath xmlns:m="http://schemas.openxmlformats.org/officeDocument/2006/math">
+                    <m:sSub>
+                      <m:sSubPr>
+                        <m:ctrlPr>
+                          <a:rPr lang="en-US" altLang="ja-JP" sz="2000" b="0" i="1" dirty="0" smtClean="0">
+                            <a:latin typeface="Cambria Math" panose="02040503050406030204" pitchFamily="18" charset="0"/>
+                          </a:rPr>
+                        </m:ctrlPr>
+                      </m:sSubPr>
+                      <m:e>
+                        <m:acc>
+                          <m:accPr>
+                            <m:chr m:val="̃"/>
+                            <m:ctrlPr>
+                              <a:rPr lang="en-US" altLang="ja-JP" sz="2000" b="0" i="1" smtClean="0">
+                                <a:latin typeface="Cambria Math" panose="02040503050406030204" pitchFamily="18" charset="0"/>
+                              </a:rPr>
+                            </m:ctrlPr>
+                          </m:accPr>
+                          <m:e>
+                            <m:r>
+                              <a:rPr lang="en-US" altLang="ja-JP" sz="2000" b="0" i="1" smtClean="0">
+                                <a:latin typeface="Cambria Math" panose="02040503050406030204" pitchFamily="18" charset="0"/>
+                              </a:rPr>
+                              <m:t>𝑅</m:t>
+                            </m:r>
+                          </m:e>
+                        </m:acc>
+                      </m:e>
+                      <m:sub>
+                        <m:r>
+                          <a:rPr lang="en-US" altLang="ja-JP" sz="2000" b="0" i="1" dirty="0" smtClean="0">
+                            <a:latin typeface="Cambria Math" panose="02040503050406030204" pitchFamily="18" charset="0"/>
+                          </a:rPr>
+                          <m:t>𝑝</m:t>
+                        </m:r>
+                      </m:sub>
+                    </m:sSub>
+                    <m:r>
+                      <a:rPr lang="en-US" altLang="ja-JP" sz="2000" b="0" i="1" dirty="0" smtClean="0">
+                        <a:latin typeface="Cambria Math" panose="02040503050406030204" pitchFamily="18" charset="0"/>
+                      </a:rPr>
+                      <m:t>~</m:t>
+                    </m:r>
+                    <m:r>
+                      <a:rPr lang="en-US" altLang="ja-JP" sz="2000" b="0" i="1" dirty="0" smtClean="0">
+                        <a:latin typeface="Cambria Math" panose="02040503050406030204" pitchFamily="18" charset="0"/>
+                      </a:rPr>
+                      <m:t>𝑁</m:t>
+                    </m:r>
+                    <m:d>
+                      <m:dPr>
+                        <m:ctrlPr>
+                          <a:rPr lang="en-US" altLang="ja-JP" sz="2000" b="0" i="1" dirty="0" smtClean="0">
+                            <a:latin typeface="Cambria Math" panose="02040503050406030204" pitchFamily="18" charset="0"/>
+                          </a:rPr>
+                        </m:ctrlPr>
+                      </m:dPr>
+                      <m:e>
+                        <m:sSub>
+                          <m:sSubPr>
+                            <m:ctrlPr>
+                              <a:rPr lang="en-US" altLang="ja-JP" sz="2000" b="0" i="1" dirty="0" smtClean="0">
+                                <a:latin typeface="Cambria Math" panose="02040503050406030204" pitchFamily="18" charset="0"/>
+                              </a:rPr>
+                            </m:ctrlPr>
+                          </m:sSubPr>
+                          <m:e>
+                            <m:r>
+                              <a:rPr lang="en-US" altLang="ja-JP" sz="2000" b="0" i="1" dirty="0" smtClean="0">
+                                <a:latin typeface="Cambria Math" panose="02040503050406030204" pitchFamily="18" charset="0"/>
+                              </a:rPr>
+                              <m:t>𝜇</m:t>
+                            </m:r>
+                          </m:e>
+                          <m:sub>
+                            <m:r>
+                              <a:rPr lang="en-US" altLang="ja-JP" sz="2000" b="0" i="1" dirty="0" smtClean="0">
+                                <a:latin typeface="Cambria Math" panose="02040503050406030204" pitchFamily="18" charset="0"/>
+                              </a:rPr>
+                              <m:t>𝑝</m:t>
+                            </m:r>
+                          </m:sub>
+                        </m:sSub>
+                        <m:r>
+                          <a:rPr lang="en-US" altLang="ja-JP" sz="2000" b="0" i="1" dirty="0" smtClean="0">
+                            <a:latin typeface="Cambria Math" panose="02040503050406030204" pitchFamily="18" charset="0"/>
+                          </a:rPr>
+                          <m:t>, </m:t>
+                        </m:r>
+                        <m:sSubSup>
+                          <m:sSubSupPr>
+                            <m:ctrlPr>
+                              <a:rPr lang="en-US" altLang="ja-JP" sz="2000" b="0" i="1" dirty="0" smtClean="0">
+                                <a:latin typeface="Cambria Math" panose="02040503050406030204" pitchFamily="18" charset="0"/>
+                              </a:rPr>
+                            </m:ctrlPr>
+                          </m:sSubSupPr>
+                          <m:e>
+                            <m:r>
+                              <a:rPr lang="en-US" altLang="ja-JP" sz="2000" b="0" i="1" dirty="0" smtClean="0">
+                                <a:latin typeface="Cambria Math" panose="02040503050406030204" pitchFamily="18" charset="0"/>
+                              </a:rPr>
+                              <m:t>𝜎</m:t>
+                            </m:r>
+                          </m:e>
+                          <m:sub>
+                            <m:r>
+                              <a:rPr lang="en-US" altLang="ja-JP" sz="2000" b="0" i="1" dirty="0" smtClean="0">
+                                <a:latin typeface="Cambria Math" panose="02040503050406030204" pitchFamily="18" charset="0"/>
+                              </a:rPr>
+                              <m:t>𝑝</m:t>
+                            </m:r>
+                          </m:sub>
+                          <m:sup>
+                            <m:r>
+                              <a:rPr lang="en-US" altLang="ja-JP" sz="2000" b="0" i="1" dirty="0" smtClean="0">
+                                <a:latin typeface="Cambria Math" panose="02040503050406030204" pitchFamily="18" charset="0"/>
+                              </a:rPr>
+                              <m:t>2</m:t>
+                            </m:r>
+                          </m:sup>
+                        </m:sSubSup>
+                      </m:e>
+                    </m:d>
+                    <m:r>
+                      <a:rPr lang="ja-JP" altLang="en-US" sz="2000" i="1" dirty="0">
+                        <a:latin typeface="Cambria Math" panose="02040503050406030204" pitchFamily="18" charset="0"/>
+                      </a:rPr>
+                      <m:t>と</m:t>
+                    </m:r>
+                  </m:oMath>
+                </a14:m>
+                <a:r>
+                  <a:rPr lang="ja-JP" altLang="en-US" sz="2000" dirty="0" smtClean="0"/>
+                  <a:t>表せる。</a:t>
+                </a:r>
+                <a:endParaRPr lang="en-US" altLang="ja-JP" sz="2000" dirty="0" smtClean="0"/>
+              </a:p>
+            </p:txBody>
+          </p:sp>
+        </mc:Choice>
+        <mc:Fallback>
+          <p:sp>
+            <p:nvSpPr>
+              <p:cNvPr id="3" name="コンテンツ プレースホルダー 2"/>
+              <p:cNvSpPr>
+                <a:spLocks noGrp="1" noRot="1" noChangeAspect="1" noMove="1" noResize="1" noEditPoints="1" noAdjustHandles="1" noChangeArrowheads="1" noChangeShapeType="1" noTextEdit="1"/>
+              </p:cNvSpPr>
+              <p:nvPr>
+                <p:ph idx="1"/>
+              </p:nvPr>
+            </p:nvSpPr>
+            <p:spPr>
+              <a:xfrm>
+                <a:off x="838200" y="1065476"/>
+                <a:ext cx="10515600" cy="5412962"/>
+              </a:xfrm>
+              <a:blipFill>
+                <a:blip r:embed="rId2"/>
+                <a:stretch>
+                  <a:fillRect l="-638" t="-1126"/>
+                </a:stretch>
+              </a:blipFill>
+            </p:spPr>
+            <p:txBody>
+              <a:bodyPr/>
+              <a:lstStyle/>
+              <a:p>
+                <a:r>
+                  <a:rPr lang="ja-JP" altLang="en-US">
+                    <a:noFill/>
+                  </a:rPr>
+                  <a:t> </a:t>
+                </a:r>
+              </a:p>
+            </p:txBody>
+          </p:sp>
+        </mc:Fallback>
+      </mc:AlternateContent>
+    </p:spTree>
+    <p:extLst>
+      <p:ext uri="{BB962C8B-B14F-4D97-AF65-F5344CB8AC3E}">
+        <p14:creationId xmlns:p14="http://schemas.microsoft.com/office/powerpoint/2010/main" val="1828195518"/>
+      </p:ext>
+    </p:extLst>
+  </p:cSld>
+  <p:clrMapOvr>
+    <a:masterClrMapping/>
+  </p:clrMapOvr>
+</p:sld>
+</file>
+
+<file path=ppt/slides/slide31.xml><?xml version="1.0" encoding="utf-8"?>
+<p:sld xmlns:a="http://schemas.openxmlformats.org/drawingml/2006/main" xmlns:r="http://schemas.openxmlformats.org/officeDocument/2006/relationships" xmlns:p="http://schemas.openxmlformats.org/presentationml/2006/main">
+  <p:cSld>
+    <p:spTree>
+      <p:nvGrpSpPr>
+        <p:cNvPr id="1" name=""/>
+        <p:cNvGrpSpPr/>
+        <p:nvPr/>
+      </p:nvGrpSpPr>
+      <p:grpSpPr>
+        <a:xfrm>
+          <a:off x="0" y="0"/>
+          <a:ext cx="0" cy="0"/>
+          <a:chOff x="0" y="0"/>
+          <a:chExt cx="0" cy="0"/>
+        </a:xfrm>
+      </p:grpSpPr>
+      <p:sp>
+        <p:nvSpPr>
+          <p:cNvPr id="2" name="タイトル 1"/>
+          <p:cNvSpPr>
+            <a:spLocks noGrp="1"/>
+          </p:cNvSpPr>
+          <p:nvPr>
+            <p:ph type="title"/>
+          </p:nvPr>
+        </p:nvSpPr>
+        <p:spPr>
+          <a:xfrm>
+            <a:off x="838200" y="365126"/>
+            <a:ext cx="10515600" cy="700350"/>
+          </a:xfrm>
+        </p:spPr>
+        <p:txBody>
+          <a:bodyPr>
+            <a:normAutofit/>
+          </a:bodyPr>
+          <a:lstStyle/>
+          <a:p>
+            <a:r>
+              <a:rPr lang="en-US" altLang="ja-JP" sz="2800" dirty="0" smtClean="0"/>
+              <a:t>§4.1</a:t>
+            </a:r>
+            <a:r>
+              <a:rPr lang="ja-JP" altLang="en-US" sz="2800" dirty="0" smtClean="0"/>
+              <a:t>　</a:t>
+            </a:r>
+            <a:r>
+              <a:rPr lang="ja-JP" altLang="en-US" sz="2800" dirty="0" smtClean="0"/>
+              <a:t>平均・分散分析</a:t>
+            </a:r>
+            <a:endParaRPr kumimoji="1" lang="ja-JP" altLang="en-US" sz="2800" dirty="0"/>
+          </a:p>
+        </p:txBody>
+      </p:sp>
+      <mc:AlternateContent xmlns:mc="http://schemas.openxmlformats.org/markup-compatibility/2006">
+        <mc:Choice xmlns:a14="http://schemas.microsoft.com/office/drawing/2010/main" Requires="a14">
+          <p:sp>
+            <p:nvSpPr>
+              <p:cNvPr id="3" name="コンテンツ プレースホルダー 2"/>
+              <p:cNvSpPr>
+                <a:spLocks noGrp="1"/>
+              </p:cNvSpPr>
+              <p:nvPr>
+                <p:ph idx="1"/>
+              </p:nvPr>
+            </p:nvSpPr>
+            <p:spPr>
+              <a:xfrm>
+                <a:off x="838200" y="1065476"/>
+                <a:ext cx="10515600" cy="5412962"/>
+              </a:xfrm>
+            </p:spPr>
+            <p:txBody>
+              <a:bodyPr>
+                <a:normAutofit/>
+              </a:bodyPr>
+              <a:lstStyle/>
+              <a:p>
+                <a:pPr marL="0" indent="0">
+                  <a:buNone/>
+                </a:pPr>
+                <a:r>
+                  <a:rPr lang="en-US" altLang="ja-JP" sz="2000" dirty="0" smtClean="0"/>
+                  <a:t>【</a:t>
+                </a:r>
+                <a:r>
+                  <a:rPr lang="ja-JP" altLang="en-US" sz="2000" dirty="0" smtClean="0"/>
+                  <a:t>投資機会集合と無差別曲線</a:t>
+                </a:r>
+                <a:r>
+                  <a:rPr lang="en-US" altLang="ja-JP" sz="2000" dirty="0" smtClean="0"/>
+                  <a:t>】</a:t>
+                </a:r>
+              </a:p>
+              <a:p>
+                <a:pPr marL="0" indent="0">
+                  <a:buNone/>
+                </a:pPr>
+                <a:r>
+                  <a:rPr lang="ja-JP" altLang="en-US" sz="2000" dirty="0"/>
+                  <a:t>期末</a:t>
+                </a:r>
+                <a:r>
+                  <a:rPr lang="ja-JP" altLang="en-US" sz="2000" dirty="0" smtClean="0"/>
+                  <a:t>における期待効用は</a:t>
+                </a:r>
+                <a:endParaRPr lang="en-US" altLang="ja-JP" sz="2000" dirty="0" smtClean="0"/>
+              </a:p>
+              <a:p>
+                <a:pPr marL="0" indent="0">
+                  <a:buNone/>
+                </a:pPr>
+                <a14:m>
+                  <m:oMathPara xmlns:m="http://schemas.openxmlformats.org/officeDocument/2006/math">
+                    <m:oMathParaPr>
+                      <m:jc m:val="centerGroup"/>
+                    </m:oMathParaPr>
+                    <m:oMath xmlns:m="http://schemas.openxmlformats.org/officeDocument/2006/math">
+                      <m:r>
+                        <a:rPr lang="en-US" altLang="ja-JP" sz="2000" b="0" i="1" smtClean="0">
+                          <a:latin typeface="Cambria Math" panose="02040503050406030204" pitchFamily="18" charset="0"/>
+                        </a:rPr>
+                        <m:t>𝐸</m:t>
+                      </m:r>
+                      <m:d>
+                        <m:dPr>
+                          <m:begChr m:val="["/>
+                          <m:endChr m:val="]"/>
+                          <m:ctrlPr>
+                            <a:rPr lang="en-US" altLang="ja-JP" sz="2000" b="0" i="1" smtClean="0">
+                              <a:latin typeface="Cambria Math" panose="02040503050406030204" pitchFamily="18" charset="0"/>
+                            </a:rPr>
+                          </m:ctrlPr>
+                        </m:dPr>
+                        <m:e>
+                          <m:r>
+                            <a:rPr lang="en-US" altLang="ja-JP" sz="2000" b="0" i="1" smtClean="0">
+                              <a:latin typeface="Cambria Math" panose="02040503050406030204" pitchFamily="18" charset="0"/>
+                            </a:rPr>
+                            <m:t>𝑢</m:t>
+                          </m:r>
+                          <m:d>
+                            <m:dPr>
+                              <m:ctrlPr>
+                                <a:rPr lang="en-US" altLang="ja-JP" sz="2000" b="0" i="1" smtClean="0">
+                                  <a:latin typeface="Cambria Math" panose="02040503050406030204" pitchFamily="18" charset="0"/>
+                                </a:rPr>
+                              </m:ctrlPr>
+                            </m:dPr>
+                            <m:e>
+                              <m:acc>
+                                <m:accPr>
+                                  <m:chr m:val="̃"/>
+                                  <m:ctrlPr>
+                                    <a:rPr lang="en-US" altLang="ja-JP" sz="2000" b="0" i="1" smtClean="0">
+                                      <a:latin typeface="Cambria Math" panose="02040503050406030204" pitchFamily="18" charset="0"/>
+                                    </a:rPr>
+                                  </m:ctrlPr>
+                                </m:accPr>
+                                <m:e>
+                                  <m:r>
+                                    <a:rPr lang="en-US" altLang="ja-JP" sz="2000" b="0" i="1" smtClean="0">
+                                      <a:latin typeface="Cambria Math" panose="02040503050406030204" pitchFamily="18" charset="0"/>
+                                    </a:rPr>
+                                    <m:t>𝑊</m:t>
+                                  </m:r>
+                                </m:e>
+                              </m:acc>
+                            </m:e>
+                          </m:d>
+                        </m:e>
+                      </m:d>
+                      <m:r>
+                        <m:rPr>
+                          <m:aln/>
+                        </m:rPr>
+                        <a:rPr lang="en-US" altLang="ja-JP" sz="2000" b="0" i="1" smtClean="0">
+                          <a:latin typeface="Cambria Math" panose="02040503050406030204" pitchFamily="18" charset="0"/>
+                        </a:rPr>
+                        <m:t>=</m:t>
+                      </m:r>
+                      <m:nary>
+                        <m:naryPr>
+                          <m:ctrlPr>
+                            <a:rPr lang="en-US" altLang="ja-JP" sz="2000" b="0" i="1" smtClean="0">
+                              <a:latin typeface="Cambria Math" panose="02040503050406030204" pitchFamily="18" charset="0"/>
+                            </a:rPr>
+                          </m:ctrlPr>
+                        </m:naryPr>
+                        <m:sub>
+                          <m:r>
+                            <m:rPr>
+                              <m:brk m:alnAt="23"/>
+                            </m:rPr>
+                            <a:rPr lang="en-US" altLang="ja-JP" sz="2000" b="0" i="1" smtClean="0">
+                              <a:latin typeface="Cambria Math" panose="02040503050406030204" pitchFamily="18" charset="0"/>
+                            </a:rPr>
+                            <m:t>−</m:t>
+                          </m:r>
+                          <m:r>
+                            <a:rPr lang="en-US" altLang="ja-JP" sz="2000" b="0" i="1" smtClean="0">
+                              <a:latin typeface="Cambria Math" panose="02040503050406030204" pitchFamily="18" charset="0"/>
+                            </a:rPr>
+                            <m:t>∞</m:t>
+                          </m:r>
+                        </m:sub>
+                        <m:sup>
+                          <m:r>
+                            <a:rPr lang="en-US" altLang="ja-JP" sz="2000" b="0" i="1" smtClean="0">
+                              <a:latin typeface="Cambria Math" panose="02040503050406030204" pitchFamily="18" charset="0"/>
+                            </a:rPr>
+                            <m:t>∞</m:t>
+                          </m:r>
+                        </m:sup>
+                        <m:e>
+                          <m:sSup>
+                            <m:sSupPr>
+                              <m:ctrlPr>
+                                <a:rPr lang="en-US" altLang="ja-JP" sz="2000" b="0" i="1" smtClean="0">
+                                  <a:latin typeface="Cambria Math" panose="02040503050406030204" pitchFamily="18" charset="0"/>
+                                </a:rPr>
+                              </m:ctrlPr>
+                            </m:sSupPr>
+                            <m:e>
+                              <m:r>
+                                <a:rPr lang="en-US" altLang="ja-JP" sz="2000" b="0" i="1" smtClean="0">
+                                  <a:latin typeface="Cambria Math" panose="02040503050406030204" pitchFamily="18" charset="0"/>
+                                </a:rPr>
+                                <m:t>𝑒</m:t>
+                              </m:r>
+                            </m:e>
+                            <m:sup>
+                              <m:r>
+                                <a:rPr lang="en-US" altLang="ja-JP" sz="2000" b="0" i="1" smtClean="0">
+                                  <a:latin typeface="Cambria Math" panose="02040503050406030204" pitchFamily="18" charset="0"/>
+                                </a:rPr>
+                                <m:t>−</m:t>
+                              </m:r>
+                              <m:r>
+                                <a:rPr lang="en-US" altLang="ja-JP" sz="2000" b="0" i="1" smtClean="0">
+                                  <a:latin typeface="Cambria Math" panose="02040503050406030204" pitchFamily="18" charset="0"/>
+                                </a:rPr>
+                                <m:t>𝜙</m:t>
+                              </m:r>
+                              <m:r>
+                                <a:rPr lang="en-US" altLang="ja-JP" sz="2000" b="0" i="1" smtClean="0">
+                                  <a:latin typeface="Cambria Math" panose="02040503050406030204" pitchFamily="18" charset="0"/>
+                                </a:rPr>
+                                <m:t>𝑊</m:t>
+                              </m:r>
+                            </m:sup>
+                          </m:sSup>
+                          <m:f>
+                            <m:fPr>
+                              <m:ctrlPr>
+                                <a:rPr lang="en-US" altLang="ja-JP" sz="2000" b="0" i="1" smtClean="0">
+                                  <a:latin typeface="Cambria Math" panose="02040503050406030204" pitchFamily="18" charset="0"/>
+                                </a:rPr>
+                              </m:ctrlPr>
+                            </m:fPr>
+                            <m:num>
+                              <m:r>
+                                <a:rPr lang="en-US" altLang="ja-JP" sz="2000" b="0" i="1" smtClean="0">
+                                  <a:latin typeface="Cambria Math" panose="02040503050406030204" pitchFamily="18" charset="0"/>
+                                </a:rPr>
+                                <m:t>1</m:t>
+                              </m:r>
+                            </m:num>
+                            <m:den>
+                              <m:rad>
+                                <m:radPr>
+                                  <m:degHide m:val="on"/>
+                                  <m:ctrlPr>
+                                    <a:rPr lang="en-US" altLang="ja-JP" sz="2000" b="0" i="1" smtClean="0">
+                                      <a:latin typeface="Cambria Math" panose="02040503050406030204" pitchFamily="18" charset="0"/>
+                                    </a:rPr>
+                                  </m:ctrlPr>
+                                </m:radPr>
+                                <m:deg/>
+                                <m:e>
+                                  <m:r>
+                                    <a:rPr lang="en-US" altLang="ja-JP" sz="2000" b="0" i="1" smtClean="0">
+                                      <a:latin typeface="Cambria Math" panose="02040503050406030204" pitchFamily="18" charset="0"/>
+                                    </a:rPr>
+                                    <m:t>2</m:t>
+                                  </m:r>
+                                  <m:r>
+                                    <a:rPr lang="en-US" altLang="ja-JP" sz="2000" b="0" i="1" smtClean="0">
+                                      <a:latin typeface="Cambria Math" panose="02040503050406030204" pitchFamily="18" charset="0"/>
+                                    </a:rPr>
+                                    <m:t>𝜋</m:t>
+                                  </m:r>
+                                </m:e>
+                              </m:rad>
+                              <m:sSub>
+                                <m:sSubPr>
+                                  <m:ctrlPr>
+                                    <a:rPr lang="en-US" altLang="ja-JP" sz="2000" b="0" i="1" smtClean="0">
+                                      <a:latin typeface="Cambria Math" panose="02040503050406030204" pitchFamily="18" charset="0"/>
+                                    </a:rPr>
+                                  </m:ctrlPr>
+                                </m:sSubPr>
+                                <m:e>
+                                  <m:r>
+                                    <a:rPr lang="en-US" altLang="ja-JP" sz="2000" b="0" i="1" smtClean="0">
+                                      <a:latin typeface="Cambria Math" panose="02040503050406030204" pitchFamily="18" charset="0"/>
+                                    </a:rPr>
+                                    <m:t>𝜎</m:t>
+                                  </m:r>
+                                </m:e>
+                                <m:sub>
+                                  <m:r>
+                                    <a:rPr lang="en-US" altLang="ja-JP" sz="2000" b="0" i="1" smtClean="0">
+                                      <a:latin typeface="Cambria Math" panose="02040503050406030204" pitchFamily="18" charset="0"/>
+                                    </a:rPr>
+                                    <m:t>𝑤</m:t>
+                                  </m:r>
+                                </m:sub>
+                              </m:sSub>
+                            </m:den>
+                          </m:f>
+                          <m:sSup>
+                            <m:sSupPr>
+                              <m:ctrlPr>
+                                <a:rPr lang="en-US" altLang="ja-JP" sz="2000" b="0" i="1" smtClean="0">
+                                  <a:latin typeface="Cambria Math" panose="02040503050406030204" pitchFamily="18" charset="0"/>
+                                </a:rPr>
+                              </m:ctrlPr>
+                            </m:sSupPr>
+                            <m:e>
+                              <m:r>
+                                <a:rPr lang="en-US" altLang="ja-JP" sz="2000" b="0" i="1" smtClean="0">
+                                  <a:latin typeface="Cambria Math" panose="02040503050406030204" pitchFamily="18" charset="0"/>
+                                </a:rPr>
+                                <m:t>𝑒</m:t>
+                              </m:r>
+                            </m:e>
+                            <m:sup>
+                              <m:r>
+                                <a:rPr lang="en-US" altLang="ja-JP" sz="2000" b="0" i="1" smtClean="0">
+                                  <a:latin typeface="Cambria Math" panose="02040503050406030204" pitchFamily="18" charset="0"/>
+                                </a:rPr>
+                                <m:t>−</m:t>
+                              </m:r>
+                              <m:f>
+                                <m:fPr>
+                                  <m:ctrlPr>
+                                    <a:rPr lang="en-US" altLang="ja-JP" sz="2000" b="0" i="1" smtClean="0">
+                                      <a:latin typeface="Cambria Math" panose="02040503050406030204" pitchFamily="18" charset="0"/>
+                                    </a:rPr>
+                                  </m:ctrlPr>
+                                </m:fPr>
+                                <m:num>
+                                  <m:sSup>
+                                    <m:sSupPr>
+                                      <m:ctrlPr>
+                                        <a:rPr lang="en-US" altLang="ja-JP" sz="2000" b="0" i="1" smtClean="0">
+                                          <a:latin typeface="Cambria Math" panose="02040503050406030204" pitchFamily="18" charset="0"/>
+                                        </a:rPr>
+                                      </m:ctrlPr>
+                                    </m:sSupPr>
+                                    <m:e>
+                                      <m:d>
+                                        <m:dPr>
+                                          <m:ctrlPr>
+                                            <a:rPr lang="en-US" altLang="ja-JP" sz="2000" b="0" i="1" smtClean="0">
+                                              <a:latin typeface="Cambria Math" panose="02040503050406030204" pitchFamily="18" charset="0"/>
+                                            </a:rPr>
+                                          </m:ctrlPr>
+                                        </m:dPr>
+                                        <m:e>
+                                          <m:r>
+                                            <a:rPr lang="en-US" altLang="ja-JP" sz="2000" b="0" i="1" smtClean="0">
+                                              <a:latin typeface="Cambria Math" panose="02040503050406030204" pitchFamily="18" charset="0"/>
+                                            </a:rPr>
+                                            <m:t>𝑊</m:t>
+                                          </m:r>
+                                          <m:r>
+                                            <a:rPr lang="en-US" altLang="ja-JP" sz="2000" b="0" i="1" smtClean="0">
+                                              <a:latin typeface="Cambria Math" panose="02040503050406030204" pitchFamily="18" charset="0"/>
+                                            </a:rPr>
+                                            <m:t>−</m:t>
+                                          </m:r>
+                                          <m:sSub>
+                                            <m:sSubPr>
+                                              <m:ctrlPr>
+                                                <a:rPr lang="en-US" altLang="ja-JP" sz="2000" b="0" i="1" smtClean="0">
+                                                  <a:latin typeface="Cambria Math" panose="02040503050406030204" pitchFamily="18" charset="0"/>
+                                                </a:rPr>
+                                              </m:ctrlPr>
+                                            </m:sSubPr>
+                                            <m:e>
+                                              <m:r>
+                                                <a:rPr lang="en-US" altLang="ja-JP" sz="2000" b="0" i="1" smtClean="0">
+                                                  <a:latin typeface="Cambria Math" panose="02040503050406030204" pitchFamily="18" charset="0"/>
+                                                </a:rPr>
+                                                <m:t>𝜇</m:t>
+                                              </m:r>
+                                            </m:e>
+                                            <m:sub>
+                                              <m:r>
+                                                <a:rPr lang="en-US" altLang="ja-JP" sz="2000" b="0" i="1" smtClean="0">
+                                                  <a:latin typeface="Cambria Math" panose="02040503050406030204" pitchFamily="18" charset="0"/>
+                                                </a:rPr>
+                                                <m:t>𝑊</m:t>
+                                              </m:r>
+                                            </m:sub>
+                                          </m:sSub>
+                                        </m:e>
+                                      </m:d>
+                                    </m:e>
+                                    <m:sup>
+                                      <m:r>
+                                        <a:rPr lang="en-US" altLang="ja-JP" sz="2000" b="0" i="1" smtClean="0">
+                                          <a:latin typeface="Cambria Math" panose="02040503050406030204" pitchFamily="18" charset="0"/>
+                                        </a:rPr>
+                                        <m:t>2</m:t>
+                                      </m:r>
+                                    </m:sup>
+                                  </m:sSup>
+                                </m:num>
+                                <m:den>
+                                  <m:r>
+                                    <a:rPr lang="en-US" altLang="ja-JP" sz="2000" b="0" i="1" smtClean="0">
+                                      <a:latin typeface="Cambria Math" panose="02040503050406030204" pitchFamily="18" charset="0"/>
+                                    </a:rPr>
+                                    <m:t>2</m:t>
+                                  </m:r>
+                                  <m:sSubSup>
+                                    <m:sSubSupPr>
+                                      <m:ctrlPr>
+                                        <a:rPr lang="en-US" altLang="ja-JP" sz="2000" b="0" i="1" smtClean="0">
+                                          <a:latin typeface="Cambria Math" panose="02040503050406030204" pitchFamily="18" charset="0"/>
+                                        </a:rPr>
+                                      </m:ctrlPr>
+                                    </m:sSubSupPr>
+                                    <m:e>
+                                      <m:r>
+                                        <a:rPr lang="en-US" altLang="ja-JP" sz="2000" b="0" i="1" smtClean="0">
+                                          <a:latin typeface="Cambria Math" panose="02040503050406030204" pitchFamily="18" charset="0"/>
+                                        </a:rPr>
+                                        <m:t>𝜎</m:t>
+                                      </m:r>
+                                    </m:e>
+                                    <m:sub>
+                                      <m:r>
+                                        <a:rPr lang="en-US" altLang="ja-JP" sz="2000" b="0" i="1" smtClean="0">
+                                          <a:latin typeface="Cambria Math" panose="02040503050406030204" pitchFamily="18" charset="0"/>
+                                        </a:rPr>
+                                        <m:t>𝑊</m:t>
+                                      </m:r>
+                                    </m:sub>
+                                    <m:sup>
+                                      <m:r>
+                                        <a:rPr lang="en-US" altLang="ja-JP" sz="2000" b="0" i="1" smtClean="0">
+                                          <a:latin typeface="Cambria Math" panose="02040503050406030204" pitchFamily="18" charset="0"/>
+                                        </a:rPr>
+                                        <m:t>2</m:t>
+                                      </m:r>
+                                    </m:sup>
+                                  </m:sSubSup>
+                                </m:den>
+                              </m:f>
+                            </m:sup>
+                          </m:sSup>
+                          <m:r>
+                            <a:rPr lang="en-US" altLang="ja-JP" sz="2000" b="0" i="1" smtClean="0">
+                              <a:latin typeface="Cambria Math" panose="02040503050406030204" pitchFamily="18" charset="0"/>
+                            </a:rPr>
+                            <m:t>𝑑𝑊</m:t>
+                          </m:r>
+                        </m:e>
+                      </m:nary>
+                      <m:r>
+                        <a:rPr lang="en-US" altLang="ja-JP" sz="2000" b="0" i="1" smtClean="0">
+                          <a:latin typeface="Cambria Math" panose="02040503050406030204" pitchFamily="18" charset="0"/>
+                        </a:rPr>
+                        <m:t>=−</m:t>
+                      </m:r>
+                      <m:sSup>
+                        <m:sSupPr>
+                          <m:ctrlPr>
+                            <a:rPr lang="en-US" altLang="ja-JP" sz="2000" b="0" i="1" smtClean="0">
+                              <a:latin typeface="Cambria Math" panose="02040503050406030204" pitchFamily="18" charset="0"/>
+                            </a:rPr>
+                          </m:ctrlPr>
+                        </m:sSupPr>
+                        <m:e>
+                          <m:r>
+                            <a:rPr lang="en-US" altLang="ja-JP" sz="2000" b="0" i="1" smtClean="0">
+                              <a:latin typeface="Cambria Math" panose="02040503050406030204" pitchFamily="18" charset="0"/>
+                            </a:rPr>
+                            <m:t>𝑒</m:t>
+                          </m:r>
+                        </m:e>
+                        <m:sup>
+                          <m:r>
+                            <a:rPr lang="en-US" altLang="ja-JP" sz="2000" b="0" i="1" smtClean="0">
+                              <a:latin typeface="Cambria Math" panose="02040503050406030204" pitchFamily="18" charset="0"/>
+                            </a:rPr>
+                            <m:t>−</m:t>
+                          </m:r>
+                          <m:r>
+                            <a:rPr lang="en-US" altLang="ja-JP" sz="2000" b="0" i="1" smtClean="0">
+                              <a:latin typeface="Cambria Math" panose="02040503050406030204" pitchFamily="18" charset="0"/>
+                            </a:rPr>
+                            <m:t>𝜙</m:t>
+                          </m:r>
+                          <m:d>
+                            <m:dPr>
+                              <m:ctrlPr>
+                                <a:rPr lang="en-US" altLang="ja-JP" sz="2000" b="0" i="1" smtClean="0">
+                                  <a:latin typeface="Cambria Math" panose="02040503050406030204" pitchFamily="18" charset="0"/>
+                                </a:rPr>
+                              </m:ctrlPr>
+                            </m:dPr>
+                            <m:e>
+                              <m:sSub>
+                                <m:sSubPr>
+                                  <m:ctrlPr>
+                                    <a:rPr lang="en-US" altLang="ja-JP" sz="2000" b="0" i="1" smtClean="0">
+                                      <a:latin typeface="Cambria Math" panose="02040503050406030204" pitchFamily="18" charset="0"/>
+                                    </a:rPr>
+                                  </m:ctrlPr>
+                                </m:sSubPr>
+                                <m:e>
+                                  <m:r>
+                                    <a:rPr lang="en-US" altLang="ja-JP" sz="2000" b="0" i="1" smtClean="0">
+                                      <a:latin typeface="Cambria Math" panose="02040503050406030204" pitchFamily="18" charset="0"/>
+                                    </a:rPr>
+                                    <m:t>𝜇</m:t>
+                                  </m:r>
+                                </m:e>
+                                <m:sub>
+                                  <m:r>
+                                    <a:rPr lang="en-US" altLang="ja-JP" sz="2000" b="0" i="1" smtClean="0">
+                                      <a:latin typeface="Cambria Math" panose="02040503050406030204" pitchFamily="18" charset="0"/>
+                                    </a:rPr>
+                                    <m:t>𝑊</m:t>
+                                  </m:r>
+                                </m:sub>
+                              </m:sSub>
+                              <m:r>
+                                <a:rPr lang="en-US" altLang="ja-JP" sz="2000" b="0" i="1" smtClean="0">
+                                  <a:latin typeface="Cambria Math" panose="02040503050406030204" pitchFamily="18" charset="0"/>
+                                </a:rPr>
+                                <m:t>−</m:t>
+                              </m:r>
+                              <m:f>
+                                <m:fPr>
+                                  <m:ctrlPr>
+                                    <a:rPr lang="en-US" altLang="ja-JP" sz="2000" b="0" i="1" smtClean="0">
+                                      <a:latin typeface="Cambria Math" panose="02040503050406030204" pitchFamily="18" charset="0"/>
+                                    </a:rPr>
+                                  </m:ctrlPr>
+                                </m:fPr>
+                                <m:num>
+                                  <m:r>
+                                    <a:rPr lang="en-US" altLang="ja-JP" sz="2000" b="0" i="1" smtClean="0">
+                                      <a:latin typeface="Cambria Math" panose="02040503050406030204" pitchFamily="18" charset="0"/>
+                                    </a:rPr>
+                                    <m:t>𝜙</m:t>
+                                  </m:r>
+                                </m:num>
+                                <m:den>
+                                  <m:r>
+                                    <a:rPr lang="en-US" altLang="ja-JP" sz="2000" b="0" i="1" smtClean="0">
+                                      <a:latin typeface="Cambria Math" panose="02040503050406030204" pitchFamily="18" charset="0"/>
+                                    </a:rPr>
+                                    <m:t>2</m:t>
+                                  </m:r>
+                                </m:den>
+                              </m:f>
+                              <m:sSubSup>
+                                <m:sSubSupPr>
+                                  <m:ctrlPr>
+                                    <a:rPr lang="en-US" altLang="ja-JP" sz="2000" b="0" i="1" smtClean="0">
+                                      <a:latin typeface="Cambria Math" panose="02040503050406030204" pitchFamily="18" charset="0"/>
+                                    </a:rPr>
+                                  </m:ctrlPr>
+                                </m:sSubSupPr>
+                                <m:e>
+                                  <m:r>
+                                    <a:rPr lang="en-US" altLang="ja-JP" sz="2000" b="0" i="1" smtClean="0">
+                                      <a:latin typeface="Cambria Math" panose="02040503050406030204" pitchFamily="18" charset="0"/>
+                                    </a:rPr>
+                                    <m:t>𝜎</m:t>
+                                  </m:r>
+                                </m:e>
+                                <m:sub>
+                                  <m:r>
+                                    <a:rPr lang="en-US" altLang="ja-JP" sz="2000" b="0" i="1" smtClean="0">
+                                      <a:latin typeface="Cambria Math" panose="02040503050406030204" pitchFamily="18" charset="0"/>
+                                    </a:rPr>
+                                    <m:t>𝑊</m:t>
+                                  </m:r>
+                                </m:sub>
+                                <m:sup>
+                                  <m:r>
+                                    <a:rPr lang="en-US" altLang="ja-JP" sz="2000" b="0" i="1" smtClean="0">
+                                      <a:latin typeface="Cambria Math" panose="02040503050406030204" pitchFamily="18" charset="0"/>
+                                    </a:rPr>
+                                    <m:t>2</m:t>
+                                  </m:r>
+                                </m:sup>
+                              </m:sSubSup>
+                            </m:e>
+                          </m:d>
+                        </m:sup>
+                      </m:sSup>
+                    </m:oMath>
+                  </m:oMathPara>
+                </a14:m>
+                <a:endParaRPr lang="en-US" altLang="ja-JP" sz="2000" dirty="0" smtClean="0"/>
+              </a:p>
+              <a:p>
+                <a:pPr marL="0" indent="0">
+                  <a:buNone/>
+                </a:pPr>
+                <a:r>
+                  <a:rPr lang="ja-JP" altLang="en-US" sz="2000" dirty="0" smtClean="0"/>
+                  <a:t>確実性等価額</a:t>
+                </a:r>
+                <a14:m>
+                  <m:oMath xmlns:m="http://schemas.openxmlformats.org/officeDocument/2006/math">
+                    <m:sSup>
+                      <m:sSupPr>
+                        <m:ctrlPr>
+                          <a:rPr lang="en-US" altLang="ja-JP" sz="2000" b="0" i="1" smtClean="0">
+                            <a:latin typeface="Cambria Math" panose="02040503050406030204" pitchFamily="18" charset="0"/>
+                          </a:rPr>
+                        </m:ctrlPr>
+                      </m:sSupPr>
+                      <m:e>
+                        <m:r>
+                          <a:rPr lang="en-US" altLang="ja-JP" sz="2000" b="0" i="1" smtClean="0">
+                            <a:latin typeface="Cambria Math" panose="02040503050406030204" pitchFamily="18" charset="0"/>
+                          </a:rPr>
+                          <m:t>𝑊</m:t>
+                        </m:r>
+                      </m:e>
+                      <m:sup>
+                        <m:r>
+                          <a:rPr lang="en-US" altLang="ja-JP" sz="2000" b="0" i="1" smtClean="0">
+                            <a:latin typeface="Cambria Math" panose="02040503050406030204" pitchFamily="18" charset="0"/>
+                          </a:rPr>
+                          <m:t>𝐶𝐸</m:t>
+                        </m:r>
+                      </m:sup>
+                    </m:sSup>
+                  </m:oMath>
+                </a14:m>
+                <a:r>
+                  <a:rPr lang="ja-JP" altLang="en-US" sz="2000" dirty="0" smtClean="0"/>
+                  <a:t>は</a:t>
+                </a:r>
+                <a14:m>
+                  <m:oMath xmlns:m="http://schemas.openxmlformats.org/officeDocument/2006/math">
+                    <m:r>
+                      <a:rPr lang="en-US" altLang="ja-JP" sz="2000" b="0" i="1" dirty="0" smtClean="0">
+                        <a:latin typeface="Cambria Math" panose="02040503050406030204" pitchFamily="18" charset="0"/>
+                      </a:rPr>
+                      <m:t>𝐸</m:t>
+                    </m:r>
+                    <m:d>
+                      <m:dPr>
+                        <m:begChr m:val="["/>
+                        <m:endChr m:val="]"/>
+                        <m:ctrlPr>
+                          <a:rPr lang="en-US" altLang="ja-JP" sz="2000" b="0" i="1" dirty="0" smtClean="0">
+                            <a:latin typeface="Cambria Math" panose="02040503050406030204" pitchFamily="18" charset="0"/>
+                          </a:rPr>
+                        </m:ctrlPr>
+                      </m:dPr>
+                      <m:e>
+                        <m:r>
+                          <a:rPr lang="en-US" altLang="ja-JP" sz="2000" b="0" i="1" dirty="0" smtClean="0">
+                            <a:latin typeface="Cambria Math" panose="02040503050406030204" pitchFamily="18" charset="0"/>
+                          </a:rPr>
+                          <m:t>𝑢</m:t>
+                        </m:r>
+                        <m:d>
+                          <m:dPr>
+                            <m:ctrlPr>
+                              <a:rPr lang="en-US" altLang="ja-JP" sz="2000" b="0" i="1" dirty="0" smtClean="0">
+                                <a:latin typeface="Cambria Math" panose="02040503050406030204" pitchFamily="18" charset="0"/>
+                              </a:rPr>
+                            </m:ctrlPr>
+                          </m:dPr>
+                          <m:e>
+                            <m:acc>
+                              <m:accPr>
+                                <m:chr m:val="̃"/>
+                                <m:ctrlPr>
+                                  <a:rPr lang="en-US" altLang="ja-JP" sz="2000" b="0" i="1" dirty="0" smtClean="0">
+                                    <a:latin typeface="Cambria Math" panose="02040503050406030204" pitchFamily="18" charset="0"/>
+                                  </a:rPr>
+                                </m:ctrlPr>
+                              </m:accPr>
+                              <m:e>
+                                <m:r>
+                                  <a:rPr lang="en-US" altLang="ja-JP" sz="2000" b="0" i="1" dirty="0" smtClean="0">
+                                    <a:latin typeface="Cambria Math" panose="02040503050406030204" pitchFamily="18" charset="0"/>
+                                  </a:rPr>
+                                  <m:t>𝑊</m:t>
+                                </m:r>
+                              </m:e>
+                            </m:acc>
+                          </m:e>
+                        </m:d>
+                      </m:e>
+                    </m:d>
+                    <m:r>
+                      <a:rPr lang="en-US" altLang="ja-JP" sz="2000" b="0" i="1" dirty="0" smtClean="0">
+                        <a:latin typeface="Cambria Math" panose="02040503050406030204" pitchFamily="18" charset="0"/>
+                      </a:rPr>
+                      <m:t>=</m:t>
+                    </m:r>
+                    <m:r>
+                      <a:rPr lang="en-US" altLang="ja-JP" sz="2000" b="0" i="1" dirty="0" smtClean="0">
+                        <a:latin typeface="Cambria Math" panose="02040503050406030204" pitchFamily="18" charset="0"/>
+                      </a:rPr>
+                      <m:t>𝑢</m:t>
+                    </m:r>
+                    <m:d>
+                      <m:dPr>
+                        <m:ctrlPr>
+                          <a:rPr lang="en-US" altLang="ja-JP" sz="2000" b="0" i="1" dirty="0" smtClean="0">
+                            <a:latin typeface="Cambria Math" panose="02040503050406030204" pitchFamily="18" charset="0"/>
+                          </a:rPr>
+                        </m:ctrlPr>
+                      </m:dPr>
+                      <m:e>
+                        <m:sSup>
+                          <m:sSupPr>
+                            <m:ctrlPr>
+                              <a:rPr lang="en-US" altLang="ja-JP" sz="2000" b="0" i="1" dirty="0" smtClean="0">
+                                <a:latin typeface="Cambria Math" panose="02040503050406030204" pitchFamily="18" charset="0"/>
+                              </a:rPr>
+                            </m:ctrlPr>
+                          </m:sSupPr>
+                          <m:e>
+                            <m:r>
+                              <a:rPr lang="en-US" altLang="ja-JP" sz="2000" b="0" i="1" dirty="0" smtClean="0">
+                                <a:latin typeface="Cambria Math" panose="02040503050406030204" pitchFamily="18" charset="0"/>
+                              </a:rPr>
+                              <m:t>𝑊</m:t>
+                            </m:r>
+                          </m:e>
+                          <m:sup>
+                            <m:r>
+                              <a:rPr lang="en-US" altLang="ja-JP" sz="2000" b="0" i="1" dirty="0" smtClean="0">
+                                <a:latin typeface="Cambria Math" panose="02040503050406030204" pitchFamily="18" charset="0"/>
+                              </a:rPr>
+                              <m:t>𝐶𝐸</m:t>
+                            </m:r>
+                          </m:sup>
+                        </m:sSup>
+                      </m:e>
+                    </m:d>
+                  </m:oMath>
+                </a14:m>
+                <a:r>
+                  <a:rPr lang="ja-JP" altLang="en-US" sz="2000" dirty="0" smtClean="0"/>
+                  <a:t>を満たすため、</a:t>
+                </a:r>
+                <a:endParaRPr lang="en-US" altLang="ja-JP" sz="2000" dirty="0" smtClean="0"/>
+              </a:p>
+              <a:p>
+                <a:pPr marL="0" indent="0">
+                  <a:buNone/>
+                </a:pPr>
+                <a14:m>
+                  <m:oMath xmlns:m="http://schemas.openxmlformats.org/officeDocument/2006/math">
+                    <m:sSup>
+                      <m:sSupPr>
+                        <m:ctrlPr>
+                          <a:rPr lang="en-US" altLang="ja-JP" sz="2000" b="0" i="1" smtClean="0">
+                            <a:latin typeface="Cambria Math" panose="02040503050406030204" pitchFamily="18" charset="0"/>
+                          </a:rPr>
+                        </m:ctrlPr>
+                      </m:sSupPr>
+                      <m:e>
+                        <m:r>
+                          <a:rPr lang="en-US" altLang="ja-JP" sz="2000" b="0" i="1" smtClean="0">
+                            <a:latin typeface="Cambria Math" panose="02040503050406030204" pitchFamily="18" charset="0"/>
+                          </a:rPr>
+                          <m:t>𝑊</m:t>
+                        </m:r>
+                      </m:e>
+                      <m:sup>
+                        <m:r>
+                          <a:rPr lang="en-US" altLang="ja-JP" sz="2000" b="0" i="1" smtClean="0">
+                            <a:latin typeface="Cambria Math" panose="02040503050406030204" pitchFamily="18" charset="0"/>
+                          </a:rPr>
+                          <m:t>𝐶𝐸</m:t>
+                        </m:r>
+                      </m:sup>
+                    </m:sSup>
+                    <m:r>
+                      <a:rPr lang="en-US" altLang="ja-JP" sz="2000" b="0" i="1" smtClean="0">
+                        <a:latin typeface="Cambria Math" panose="02040503050406030204" pitchFamily="18" charset="0"/>
+                      </a:rPr>
+                      <m:t>=</m:t>
+                    </m:r>
+                    <m:sSub>
+                      <m:sSubPr>
+                        <m:ctrlPr>
+                          <a:rPr lang="en-US" altLang="ja-JP" sz="2000" b="0" i="1" smtClean="0">
+                            <a:latin typeface="Cambria Math" panose="02040503050406030204" pitchFamily="18" charset="0"/>
+                          </a:rPr>
+                        </m:ctrlPr>
+                      </m:sSubPr>
+                      <m:e>
+                        <m:r>
+                          <a:rPr lang="en-US" altLang="ja-JP" sz="2000" b="0" i="1" smtClean="0">
+                            <a:latin typeface="Cambria Math" panose="02040503050406030204" pitchFamily="18" charset="0"/>
+                          </a:rPr>
+                          <m:t>𝜇</m:t>
+                        </m:r>
+                      </m:e>
+                      <m:sub>
+                        <m:r>
+                          <a:rPr lang="en-US" altLang="ja-JP" sz="2000" b="0" i="1" smtClean="0">
+                            <a:latin typeface="Cambria Math" panose="02040503050406030204" pitchFamily="18" charset="0"/>
+                          </a:rPr>
+                          <m:t>𝑊</m:t>
+                        </m:r>
+                      </m:sub>
+                    </m:sSub>
+                    <m:r>
+                      <a:rPr lang="en-US" altLang="ja-JP" sz="2000" b="0" i="1" smtClean="0">
+                        <a:latin typeface="Cambria Math" panose="02040503050406030204" pitchFamily="18" charset="0"/>
+                      </a:rPr>
+                      <m:t>−</m:t>
+                    </m:r>
+                    <m:f>
+                      <m:fPr>
+                        <m:ctrlPr>
+                          <a:rPr lang="en-US" altLang="ja-JP" sz="2000" b="0" i="1" smtClean="0">
+                            <a:latin typeface="Cambria Math" panose="02040503050406030204" pitchFamily="18" charset="0"/>
+                          </a:rPr>
+                        </m:ctrlPr>
+                      </m:fPr>
+                      <m:num>
+                        <m:r>
+                          <a:rPr lang="en-US" altLang="ja-JP" sz="2000" b="0" i="1" smtClean="0">
+                            <a:latin typeface="Cambria Math" panose="02040503050406030204" pitchFamily="18" charset="0"/>
+                          </a:rPr>
+                          <m:t>𝜙</m:t>
+                        </m:r>
+                      </m:num>
+                      <m:den>
+                        <m:r>
+                          <a:rPr lang="en-US" altLang="ja-JP" sz="2000" b="0" i="1" smtClean="0">
+                            <a:latin typeface="Cambria Math" panose="02040503050406030204" pitchFamily="18" charset="0"/>
+                          </a:rPr>
+                          <m:t>2</m:t>
+                        </m:r>
+                      </m:den>
+                    </m:f>
+                    <m:sSubSup>
+                      <m:sSubSupPr>
+                        <m:ctrlPr>
+                          <a:rPr lang="en-US" altLang="ja-JP" sz="2000" b="0" i="1" smtClean="0">
+                            <a:latin typeface="Cambria Math" panose="02040503050406030204" pitchFamily="18" charset="0"/>
+                          </a:rPr>
+                        </m:ctrlPr>
+                      </m:sSubSupPr>
+                      <m:e>
+                        <m:r>
+                          <a:rPr lang="en-US" altLang="ja-JP" sz="2000" b="0" i="1" smtClean="0">
+                            <a:latin typeface="Cambria Math" panose="02040503050406030204" pitchFamily="18" charset="0"/>
+                          </a:rPr>
+                          <m:t>𝜎</m:t>
+                        </m:r>
+                      </m:e>
+                      <m:sub>
+                        <m:r>
+                          <a:rPr lang="en-US" altLang="ja-JP" sz="2000" b="0" i="1" smtClean="0">
+                            <a:latin typeface="Cambria Math" panose="02040503050406030204" pitchFamily="18" charset="0"/>
+                          </a:rPr>
+                          <m:t>𝑊</m:t>
+                        </m:r>
+                      </m:sub>
+                      <m:sup>
+                        <m:r>
+                          <a:rPr lang="en-US" altLang="ja-JP" sz="2000" b="0" i="1" smtClean="0">
+                            <a:latin typeface="Cambria Math" panose="02040503050406030204" pitchFamily="18" charset="0"/>
+                          </a:rPr>
+                          <m:t>2</m:t>
+                        </m:r>
+                      </m:sup>
+                    </m:sSubSup>
+                    <m:r>
+                      <a:rPr lang="en-US" altLang="ja-JP" sz="2000" b="0" i="1" smtClean="0">
+                        <a:latin typeface="Cambria Math" panose="02040503050406030204" pitchFamily="18" charset="0"/>
+                      </a:rPr>
+                      <m:t>=</m:t>
+                    </m:r>
+                    <m:sSub>
+                      <m:sSubPr>
+                        <m:ctrlPr>
+                          <a:rPr lang="en-US" altLang="ja-JP" sz="2000" b="0" i="1" smtClean="0">
+                            <a:latin typeface="Cambria Math" panose="02040503050406030204" pitchFamily="18" charset="0"/>
+                          </a:rPr>
+                        </m:ctrlPr>
+                      </m:sSubPr>
+                      <m:e>
+                        <m:r>
+                          <a:rPr lang="en-US" altLang="ja-JP" sz="2000" b="0" i="1" smtClean="0">
+                            <a:latin typeface="Cambria Math" panose="02040503050406030204" pitchFamily="18" charset="0"/>
+                          </a:rPr>
+                          <m:t>𝑊</m:t>
+                        </m:r>
+                      </m:e>
+                      <m:sub>
+                        <m:r>
+                          <a:rPr lang="en-US" altLang="ja-JP" sz="2000" b="0" i="1" smtClean="0">
+                            <a:latin typeface="Cambria Math" panose="02040503050406030204" pitchFamily="18" charset="0"/>
+                          </a:rPr>
+                          <m:t>0</m:t>
+                        </m:r>
+                      </m:sub>
+                    </m:sSub>
+                    <m:d>
+                      <m:dPr>
+                        <m:ctrlPr>
+                          <a:rPr lang="en-US" altLang="ja-JP" sz="2000" b="0" i="1" smtClean="0">
+                            <a:latin typeface="Cambria Math" panose="02040503050406030204" pitchFamily="18" charset="0"/>
+                          </a:rPr>
+                        </m:ctrlPr>
+                      </m:dPr>
+                      <m:e>
+                        <m:r>
+                          <a:rPr lang="en-US" altLang="ja-JP" sz="2000" b="0" i="1" smtClean="0">
+                            <a:latin typeface="Cambria Math" panose="02040503050406030204" pitchFamily="18" charset="0"/>
+                          </a:rPr>
+                          <m:t>1</m:t>
+                        </m:r>
+                        <m:r>
+                          <a:rPr lang="en-US" altLang="ja-JP" sz="2000" b="0" i="1" smtClean="0">
+                            <a:latin typeface="Cambria Math" panose="02040503050406030204" pitchFamily="18" charset="0"/>
+                          </a:rPr>
+                          <m:t>+</m:t>
+                        </m:r>
+                        <m:sSub>
+                          <m:sSubPr>
+                            <m:ctrlPr>
+                              <a:rPr lang="en-US" altLang="ja-JP" sz="2000" b="0" i="1" smtClean="0">
+                                <a:latin typeface="Cambria Math" panose="02040503050406030204" pitchFamily="18" charset="0"/>
+                              </a:rPr>
+                            </m:ctrlPr>
+                          </m:sSubPr>
+                          <m:e>
+                            <m:r>
+                              <a:rPr lang="en-US" altLang="ja-JP" sz="2000" b="0" i="1" smtClean="0">
+                                <a:latin typeface="Cambria Math" panose="02040503050406030204" pitchFamily="18" charset="0"/>
+                              </a:rPr>
+                              <m:t>𝜇</m:t>
+                            </m:r>
+                          </m:e>
+                          <m:sub>
+                            <m:r>
+                              <a:rPr lang="en-US" altLang="ja-JP" sz="2000" b="0" i="1" smtClean="0">
+                                <a:latin typeface="Cambria Math" panose="02040503050406030204" pitchFamily="18" charset="0"/>
+                              </a:rPr>
+                              <m:t>𝑝</m:t>
+                            </m:r>
+                          </m:sub>
+                        </m:sSub>
+                      </m:e>
+                    </m:d>
+                    <m:r>
+                      <a:rPr lang="en-US" altLang="ja-JP" sz="2000" b="0" i="1" smtClean="0">
+                        <a:latin typeface="Cambria Math" panose="02040503050406030204" pitchFamily="18" charset="0"/>
+                      </a:rPr>
+                      <m:t>−</m:t>
+                    </m:r>
+                    <m:f>
+                      <m:fPr>
+                        <m:ctrlPr>
+                          <a:rPr lang="en-US" altLang="ja-JP" sz="2000" b="0" i="1" smtClean="0">
+                            <a:latin typeface="Cambria Math" panose="02040503050406030204" pitchFamily="18" charset="0"/>
+                          </a:rPr>
+                        </m:ctrlPr>
+                      </m:fPr>
+                      <m:num>
+                        <m:r>
+                          <a:rPr lang="en-US" altLang="ja-JP" sz="2000" b="0" i="1" smtClean="0">
+                            <a:latin typeface="Cambria Math" panose="02040503050406030204" pitchFamily="18" charset="0"/>
+                          </a:rPr>
+                          <m:t>𝜙</m:t>
+                        </m:r>
+                      </m:num>
+                      <m:den>
+                        <m:r>
+                          <a:rPr lang="en-US" altLang="ja-JP" sz="2000" b="0" i="1" smtClean="0">
+                            <a:latin typeface="Cambria Math" panose="02040503050406030204" pitchFamily="18" charset="0"/>
+                          </a:rPr>
+                          <m:t>2</m:t>
+                        </m:r>
+                      </m:den>
+                    </m:f>
+                    <m:sSubSup>
+                      <m:sSubSupPr>
+                        <m:ctrlPr>
+                          <a:rPr lang="en-US" altLang="ja-JP" sz="2000" b="0" i="1" smtClean="0">
+                            <a:latin typeface="Cambria Math" panose="02040503050406030204" pitchFamily="18" charset="0"/>
+                          </a:rPr>
+                        </m:ctrlPr>
+                      </m:sSubSupPr>
+                      <m:e>
+                        <m:r>
+                          <a:rPr lang="en-US" altLang="ja-JP" sz="2000" b="0" i="1" smtClean="0">
+                            <a:latin typeface="Cambria Math" panose="02040503050406030204" pitchFamily="18" charset="0"/>
+                          </a:rPr>
+                          <m:t>𝑊</m:t>
+                        </m:r>
+                      </m:e>
+                      <m:sub>
+                        <m:r>
+                          <a:rPr lang="en-US" altLang="ja-JP" sz="2000" b="0" i="1" smtClean="0">
+                            <a:latin typeface="Cambria Math" panose="02040503050406030204" pitchFamily="18" charset="0"/>
+                          </a:rPr>
+                          <m:t>0</m:t>
+                        </m:r>
+                      </m:sub>
+                      <m:sup>
+                        <m:r>
+                          <a:rPr lang="en-US" altLang="ja-JP" sz="2000" b="0" i="1" smtClean="0">
+                            <a:latin typeface="Cambria Math" panose="02040503050406030204" pitchFamily="18" charset="0"/>
+                          </a:rPr>
+                          <m:t>2</m:t>
+                        </m:r>
+                      </m:sup>
+                    </m:sSubSup>
+                    <m:sSubSup>
+                      <m:sSubSupPr>
+                        <m:ctrlPr>
+                          <a:rPr lang="en-US" altLang="ja-JP" sz="2000" b="0" i="1" smtClean="0">
+                            <a:latin typeface="Cambria Math" panose="02040503050406030204" pitchFamily="18" charset="0"/>
+                          </a:rPr>
+                        </m:ctrlPr>
+                      </m:sSubSupPr>
+                      <m:e>
+                        <m:r>
+                          <a:rPr lang="en-US" altLang="ja-JP" sz="2000" b="0" i="1" smtClean="0">
+                            <a:latin typeface="Cambria Math" panose="02040503050406030204" pitchFamily="18" charset="0"/>
+                          </a:rPr>
+                          <m:t>𝜎</m:t>
+                        </m:r>
+                      </m:e>
+                      <m:sub>
+                        <m:r>
+                          <a:rPr lang="en-US" altLang="ja-JP" sz="2000" b="0" i="1" smtClean="0">
+                            <a:latin typeface="Cambria Math" panose="02040503050406030204" pitchFamily="18" charset="0"/>
+                          </a:rPr>
+                          <m:t>𝑝</m:t>
+                        </m:r>
+                      </m:sub>
+                      <m:sup>
+                        <m:r>
+                          <a:rPr lang="en-US" altLang="ja-JP" sz="2000" b="0" i="1" smtClean="0">
+                            <a:latin typeface="Cambria Math" panose="02040503050406030204" pitchFamily="18" charset="0"/>
+                          </a:rPr>
+                          <m:t>2</m:t>
+                        </m:r>
+                      </m:sup>
+                    </m:sSubSup>
+                  </m:oMath>
+                </a14:m>
+                <a:r>
+                  <a:rPr lang="ja-JP" altLang="en-US" sz="2000" dirty="0" smtClean="0"/>
+                  <a:t>となる。</a:t>
+                </a:r>
+                <a:endParaRPr lang="en-US" altLang="ja-JP" sz="2000" dirty="0" smtClean="0"/>
+              </a:p>
+              <a:p>
+                <a:pPr marL="0" indent="0">
+                  <a:buNone/>
+                </a:pPr>
+                <a:r>
+                  <a:rPr lang="ja-JP" altLang="en-US" sz="2000" dirty="0" smtClean="0"/>
+                  <a:t>これにより、無差別曲線は</a:t>
+                </a:r>
+                <a:endParaRPr lang="en-US" altLang="ja-JP" sz="2000" dirty="0" smtClean="0"/>
+              </a:p>
+              <a:p>
+                <a:pPr marL="0" indent="0">
+                  <a:buNone/>
+                </a:pPr>
+                <a14:m>
+                  <m:oMathPara xmlns:m="http://schemas.openxmlformats.org/officeDocument/2006/math">
+                    <m:oMathParaPr>
+                      <m:jc m:val="centerGroup"/>
+                    </m:oMathParaPr>
+                    <m:oMath xmlns:m="http://schemas.openxmlformats.org/officeDocument/2006/math">
+                      <m:r>
+                        <a:rPr lang="en-US" altLang="ja-JP" sz="2000" b="0" i="1" smtClean="0">
+                          <a:latin typeface="Cambria Math" panose="02040503050406030204" pitchFamily="18" charset="0"/>
+                        </a:rPr>
+                        <m:t>𝑘</m:t>
+                      </m:r>
+                      <m:r>
+                        <a:rPr lang="en-US" altLang="ja-JP" sz="2000" b="0" i="1" smtClean="0">
+                          <a:latin typeface="Cambria Math" panose="02040503050406030204" pitchFamily="18" charset="0"/>
+                        </a:rPr>
+                        <m:t>=</m:t>
+                      </m:r>
+                      <m:r>
+                        <a:rPr lang="en-US" altLang="ja-JP" sz="2000" b="0" i="1" smtClean="0">
+                          <a:latin typeface="Cambria Math" panose="02040503050406030204" pitchFamily="18" charset="0"/>
+                        </a:rPr>
+                        <m:t>𝐸</m:t>
+                      </m:r>
+                      <m:d>
+                        <m:dPr>
+                          <m:begChr m:val="["/>
+                          <m:endChr m:val="]"/>
+                          <m:ctrlPr>
+                            <a:rPr lang="en-US" altLang="ja-JP" sz="2000" b="0" i="1" smtClean="0">
+                              <a:latin typeface="Cambria Math" panose="02040503050406030204" pitchFamily="18" charset="0"/>
+                            </a:rPr>
+                          </m:ctrlPr>
+                        </m:dPr>
+                        <m:e>
+                          <m:r>
+                            <a:rPr lang="en-US" altLang="ja-JP" sz="2000" b="0" i="1" smtClean="0">
+                              <a:latin typeface="Cambria Math" panose="02040503050406030204" pitchFamily="18" charset="0"/>
+                            </a:rPr>
+                            <m:t>𝑢</m:t>
+                          </m:r>
+                          <m:d>
+                            <m:dPr>
+                              <m:ctrlPr>
+                                <a:rPr lang="en-US" altLang="ja-JP" sz="2000" b="0" i="1" smtClean="0">
+                                  <a:latin typeface="Cambria Math" panose="02040503050406030204" pitchFamily="18" charset="0"/>
+                                </a:rPr>
+                              </m:ctrlPr>
+                            </m:dPr>
+                            <m:e>
+                              <m:acc>
+                                <m:accPr>
+                                  <m:chr m:val="̃"/>
+                                  <m:ctrlPr>
+                                    <a:rPr lang="en-US" altLang="ja-JP" sz="2000" b="0" i="1" smtClean="0">
+                                      <a:latin typeface="Cambria Math" panose="02040503050406030204" pitchFamily="18" charset="0"/>
+                                    </a:rPr>
+                                  </m:ctrlPr>
+                                </m:accPr>
+                                <m:e>
+                                  <m:r>
+                                    <a:rPr lang="en-US" altLang="ja-JP" sz="2000" b="0" i="1" smtClean="0">
+                                      <a:latin typeface="Cambria Math" panose="02040503050406030204" pitchFamily="18" charset="0"/>
+                                    </a:rPr>
+                                    <m:t>𝑊</m:t>
+                                  </m:r>
+                                </m:e>
+                              </m:acc>
+                            </m:e>
+                          </m:d>
+                        </m:e>
+                      </m:d>
+                      <m:r>
+                        <a:rPr lang="en-US" altLang="ja-JP" sz="2000" b="0" i="1" smtClean="0">
+                          <a:latin typeface="Cambria Math" panose="02040503050406030204" pitchFamily="18" charset="0"/>
+                        </a:rPr>
+                        <m:t>=−</m:t>
+                      </m:r>
+                      <m:sSup>
+                        <m:sSupPr>
+                          <m:ctrlPr>
+                            <a:rPr lang="en-US" altLang="ja-JP" sz="2000" b="0" i="1" smtClean="0">
+                              <a:latin typeface="Cambria Math" panose="02040503050406030204" pitchFamily="18" charset="0"/>
+                            </a:rPr>
+                          </m:ctrlPr>
+                        </m:sSupPr>
+                        <m:e>
+                          <m:r>
+                            <a:rPr lang="en-US" altLang="ja-JP" sz="2000" b="0" i="1" smtClean="0">
+                              <a:latin typeface="Cambria Math" panose="02040503050406030204" pitchFamily="18" charset="0"/>
+                            </a:rPr>
+                            <m:t>𝑒</m:t>
+                          </m:r>
+                        </m:e>
+                        <m:sup>
+                          <m:r>
+                            <a:rPr lang="en-US" altLang="ja-JP" sz="2000" b="0" i="1" smtClean="0">
+                              <a:latin typeface="Cambria Math" panose="02040503050406030204" pitchFamily="18" charset="0"/>
+                            </a:rPr>
+                            <m:t>−</m:t>
+                          </m:r>
+                          <m:r>
+                            <a:rPr lang="en-US" altLang="ja-JP" sz="2000" b="0" i="1" smtClean="0">
+                              <a:latin typeface="Cambria Math" panose="02040503050406030204" pitchFamily="18" charset="0"/>
+                            </a:rPr>
+                            <m:t>𝜙</m:t>
+                          </m:r>
+                          <m:sSub>
+                            <m:sSubPr>
+                              <m:ctrlPr>
+                                <a:rPr lang="en-US" altLang="ja-JP" sz="2000" b="0" i="1" smtClean="0">
+                                  <a:latin typeface="Cambria Math" panose="02040503050406030204" pitchFamily="18" charset="0"/>
+                                </a:rPr>
+                              </m:ctrlPr>
+                            </m:sSubPr>
+                            <m:e>
+                              <m:r>
+                                <a:rPr lang="en-US" altLang="ja-JP" sz="2000" b="0" i="1" smtClean="0">
+                                  <a:latin typeface="Cambria Math" panose="02040503050406030204" pitchFamily="18" charset="0"/>
+                                </a:rPr>
+                                <m:t>𝑊</m:t>
+                              </m:r>
+                            </m:e>
+                            <m:sub>
+                              <m:r>
+                                <a:rPr lang="en-US" altLang="ja-JP" sz="2000" b="0" i="1" smtClean="0">
+                                  <a:latin typeface="Cambria Math" panose="02040503050406030204" pitchFamily="18" charset="0"/>
+                                </a:rPr>
+                                <m:t>0</m:t>
+                              </m:r>
+                            </m:sub>
+                          </m:sSub>
+                          <m:d>
+                            <m:dPr>
+                              <m:ctrlPr>
+                                <a:rPr lang="en-US" altLang="ja-JP" sz="2000" b="0" i="1" smtClean="0">
+                                  <a:latin typeface="Cambria Math" panose="02040503050406030204" pitchFamily="18" charset="0"/>
+                                </a:rPr>
+                              </m:ctrlPr>
+                            </m:dPr>
+                            <m:e>
+                              <m:r>
+                                <a:rPr lang="en-US" altLang="ja-JP" sz="2000" b="0" i="1" smtClean="0">
+                                  <a:latin typeface="Cambria Math" panose="02040503050406030204" pitchFamily="18" charset="0"/>
+                                </a:rPr>
+                                <m:t>1</m:t>
+                              </m:r>
+                              <m:r>
+                                <a:rPr lang="en-US" altLang="ja-JP" sz="2000" b="0" i="1" smtClean="0">
+                                  <a:latin typeface="Cambria Math" panose="02040503050406030204" pitchFamily="18" charset="0"/>
+                                </a:rPr>
+                                <m:t>+</m:t>
+                              </m:r>
+                              <m:sSub>
+                                <m:sSubPr>
+                                  <m:ctrlPr>
+                                    <a:rPr lang="en-US" altLang="ja-JP" sz="2000" b="0" i="1" smtClean="0">
+                                      <a:latin typeface="Cambria Math" panose="02040503050406030204" pitchFamily="18" charset="0"/>
+                                    </a:rPr>
+                                  </m:ctrlPr>
+                                </m:sSubPr>
+                                <m:e>
+                                  <m:r>
+                                    <a:rPr lang="en-US" altLang="ja-JP" sz="2000" b="0" i="1" smtClean="0">
+                                      <a:latin typeface="Cambria Math" panose="02040503050406030204" pitchFamily="18" charset="0"/>
+                                    </a:rPr>
+                                    <m:t>𝜇</m:t>
+                                  </m:r>
+                                </m:e>
+                                <m:sub>
+                                  <m:r>
+                                    <a:rPr lang="en-US" altLang="ja-JP" sz="2000" b="0" i="1" smtClean="0">
+                                      <a:latin typeface="Cambria Math" panose="02040503050406030204" pitchFamily="18" charset="0"/>
+                                    </a:rPr>
+                                    <m:t>𝑝</m:t>
+                                  </m:r>
+                                </m:sub>
+                              </m:sSub>
+                              <m:r>
+                                <a:rPr lang="en-US" altLang="ja-JP" sz="2000" b="0" i="1" smtClean="0">
+                                  <a:latin typeface="Cambria Math" panose="02040503050406030204" pitchFamily="18" charset="0"/>
+                                </a:rPr>
+                                <m:t>−</m:t>
+                              </m:r>
+                              <m:f>
+                                <m:fPr>
+                                  <m:ctrlPr>
+                                    <a:rPr lang="en-US" altLang="ja-JP" sz="2000" b="0" i="1" smtClean="0">
+                                      <a:latin typeface="Cambria Math" panose="02040503050406030204" pitchFamily="18" charset="0"/>
+                                    </a:rPr>
+                                  </m:ctrlPr>
+                                </m:fPr>
+                                <m:num>
+                                  <m:r>
+                                    <a:rPr lang="en-US" altLang="ja-JP" sz="2000" b="0" i="1" smtClean="0">
+                                      <a:latin typeface="Cambria Math" panose="02040503050406030204" pitchFamily="18" charset="0"/>
+                                    </a:rPr>
+                                    <m:t>𝜙</m:t>
+                                  </m:r>
+                                </m:num>
+                                <m:den>
+                                  <m:r>
+                                    <a:rPr lang="en-US" altLang="ja-JP" sz="2000" b="0" i="1" smtClean="0">
+                                      <a:latin typeface="Cambria Math" panose="02040503050406030204" pitchFamily="18" charset="0"/>
+                                    </a:rPr>
+                                    <m:t>2</m:t>
+                                  </m:r>
+                                </m:den>
+                              </m:f>
+                              <m:sSubSup>
+                                <m:sSubSupPr>
+                                  <m:ctrlPr>
+                                    <a:rPr lang="en-US" altLang="ja-JP" sz="2000" b="0" i="1" smtClean="0">
+                                      <a:latin typeface="Cambria Math" panose="02040503050406030204" pitchFamily="18" charset="0"/>
+                                    </a:rPr>
+                                  </m:ctrlPr>
+                                </m:sSubSupPr>
+                                <m:e>
+                                  <m:sSub>
+                                    <m:sSubPr>
+                                      <m:ctrlPr>
+                                        <a:rPr lang="en-US" altLang="ja-JP" sz="2000" b="0" i="1" smtClean="0">
+                                          <a:latin typeface="Cambria Math" panose="02040503050406030204" pitchFamily="18" charset="0"/>
+                                        </a:rPr>
+                                      </m:ctrlPr>
+                                    </m:sSubPr>
+                                    <m:e>
+                                      <m:r>
+                                        <a:rPr lang="en-US" altLang="ja-JP" sz="2000" b="0" i="1" smtClean="0">
+                                          <a:latin typeface="Cambria Math" panose="02040503050406030204" pitchFamily="18" charset="0"/>
+                                        </a:rPr>
+                                        <m:t>𝑊</m:t>
+                                      </m:r>
+                                    </m:e>
+                                    <m:sub>
+                                      <m:r>
+                                        <a:rPr lang="en-US" altLang="ja-JP" sz="2000" b="0" i="1" smtClean="0">
+                                          <a:latin typeface="Cambria Math" panose="02040503050406030204" pitchFamily="18" charset="0"/>
+                                        </a:rPr>
+                                        <m:t>0</m:t>
+                                      </m:r>
+                                    </m:sub>
+                                  </m:sSub>
+                                  <m:r>
+                                    <a:rPr lang="en-US" altLang="ja-JP" sz="2000" b="0" i="1" smtClean="0">
+                                      <a:latin typeface="Cambria Math" panose="02040503050406030204" pitchFamily="18" charset="0"/>
+                                    </a:rPr>
+                                    <m:t>𝜎</m:t>
+                                  </m:r>
+                                </m:e>
+                                <m:sub>
+                                  <m:r>
+                                    <a:rPr lang="en-US" altLang="ja-JP" sz="2000" b="0" i="1" smtClean="0">
+                                      <a:latin typeface="Cambria Math" panose="02040503050406030204" pitchFamily="18" charset="0"/>
+                                    </a:rPr>
+                                    <m:t>𝑝</m:t>
+                                  </m:r>
+                                </m:sub>
+                                <m:sup>
+                                  <m:r>
+                                    <a:rPr lang="en-US" altLang="ja-JP" sz="2000" b="0" i="1" smtClean="0">
+                                      <a:latin typeface="Cambria Math" panose="02040503050406030204" pitchFamily="18" charset="0"/>
+                                    </a:rPr>
+                                    <m:t>2</m:t>
+                                  </m:r>
+                                </m:sup>
+                              </m:sSubSup>
+                            </m:e>
+                          </m:d>
+                        </m:sup>
+                      </m:sSup>
+                    </m:oMath>
+                  </m:oMathPara>
+                </a14:m>
+                <a:endParaRPr lang="en-US" altLang="ja-JP" sz="2000" dirty="0" smtClean="0"/>
+              </a:p>
+              <a:p>
+                <a:pPr marL="0" indent="0">
+                  <a:buNone/>
+                </a:pPr>
+                <a:r>
+                  <a:rPr lang="ja-JP" altLang="en-US" sz="2000" dirty="0" smtClean="0"/>
+                  <a:t>より、</a:t>
+                </a:r>
+                <a14:m>
+                  <m:oMath xmlns:m="http://schemas.openxmlformats.org/officeDocument/2006/math">
+                    <m:sSub>
+                      <m:sSubPr>
+                        <m:ctrlPr>
+                          <a:rPr lang="en-US" altLang="ja-JP" sz="2000" b="0" i="1" smtClean="0">
+                            <a:latin typeface="Cambria Math" panose="02040503050406030204" pitchFamily="18" charset="0"/>
+                          </a:rPr>
+                        </m:ctrlPr>
+                      </m:sSubPr>
+                      <m:e>
+                        <m:r>
+                          <a:rPr lang="en-US" altLang="ja-JP" sz="2000" b="0" i="1" smtClean="0">
+                            <a:latin typeface="Cambria Math" panose="02040503050406030204" pitchFamily="18" charset="0"/>
+                          </a:rPr>
+                          <m:t>𝜇</m:t>
+                        </m:r>
+                      </m:e>
+                      <m:sub>
+                        <m:r>
+                          <a:rPr lang="en-US" altLang="ja-JP" sz="2000" b="0" i="1" smtClean="0">
+                            <a:latin typeface="Cambria Math" panose="02040503050406030204" pitchFamily="18" charset="0"/>
+                          </a:rPr>
+                          <m:t>𝑝</m:t>
+                        </m:r>
+                      </m:sub>
+                    </m:sSub>
+                    <m:r>
+                      <a:rPr lang="en-US" altLang="ja-JP" sz="2000" b="0" i="1" smtClean="0">
+                        <a:latin typeface="Cambria Math" panose="02040503050406030204" pitchFamily="18" charset="0"/>
+                      </a:rPr>
+                      <m:t>=</m:t>
+                    </m:r>
+                    <m:f>
+                      <m:fPr>
+                        <m:ctrlPr>
+                          <a:rPr lang="en-US" altLang="ja-JP" sz="2000" b="0" i="1" smtClean="0">
+                            <a:latin typeface="Cambria Math" panose="02040503050406030204" pitchFamily="18" charset="0"/>
+                          </a:rPr>
+                        </m:ctrlPr>
+                      </m:fPr>
+                      <m:num>
+                        <m:r>
+                          <a:rPr lang="en-US" altLang="ja-JP" sz="2000" b="0" i="1" smtClean="0">
+                            <a:latin typeface="Cambria Math" panose="02040503050406030204" pitchFamily="18" charset="0"/>
+                          </a:rPr>
+                          <m:t>𝜙</m:t>
+                        </m:r>
+                      </m:num>
+                      <m:den>
+                        <m:r>
+                          <a:rPr lang="en-US" altLang="ja-JP" sz="2000" b="0" i="1" smtClean="0">
+                            <a:latin typeface="Cambria Math" panose="02040503050406030204" pitchFamily="18" charset="0"/>
+                          </a:rPr>
+                          <m:t>2</m:t>
+                        </m:r>
+                      </m:den>
+                    </m:f>
+                    <m:sSub>
+                      <m:sSubPr>
+                        <m:ctrlPr>
+                          <a:rPr lang="en-US" altLang="ja-JP" sz="2000" b="0" i="1" smtClean="0">
+                            <a:latin typeface="Cambria Math" panose="02040503050406030204" pitchFamily="18" charset="0"/>
+                          </a:rPr>
+                        </m:ctrlPr>
+                      </m:sSubPr>
+                      <m:e>
+                        <m:r>
+                          <a:rPr lang="en-US" altLang="ja-JP" sz="2000" b="0" i="1" smtClean="0">
+                            <a:latin typeface="Cambria Math" panose="02040503050406030204" pitchFamily="18" charset="0"/>
+                          </a:rPr>
+                          <m:t>𝑊</m:t>
+                        </m:r>
+                      </m:e>
+                      <m:sub>
+                        <m:r>
+                          <a:rPr lang="en-US" altLang="ja-JP" sz="2000" b="0" i="1" smtClean="0">
+                            <a:latin typeface="Cambria Math" panose="02040503050406030204" pitchFamily="18" charset="0"/>
+                          </a:rPr>
+                          <m:t>0</m:t>
+                        </m:r>
+                      </m:sub>
+                    </m:sSub>
+                    <m:sSubSup>
+                      <m:sSubSupPr>
+                        <m:ctrlPr>
+                          <a:rPr lang="en-US" altLang="ja-JP" sz="2000" b="0" i="1" smtClean="0">
+                            <a:latin typeface="Cambria Math" panose="02040503050406030204" pitchFamily="18" charset="0"/>
+                          </a:rPr>
+                        </m:ctrlPr>
+                      </m:sSubSupPr>
+                      <m:e>
+                        <m:r>
+                          <a:rPr lang="en-US" altLang="ja-JP" sz="2000" b="0" i="1" smtClean="0">
+                            <a:latin typeface="Cambria Math" panose="02040503050406030204" pitchFamily="18" charset="0"/>
+                          </a:rPr>
+                          <m:t>𝜎</m:t>
+                        </m:r>
+                      </m:e>
+                      <m:sub>
+                        <m:r>
+                          <a:rPr lang="en-US" altLang="ja-JP" sz="2000" b="0" i="1" smtClean="0">
+                            <a:latin typeface="Cambria Math" panose="02040503050406030204" pitchFamily="18" charset="0"/>
+                          </a:rPr>
+                          <m:t>𝑝</m:t>
+                        </m:r>
+                      </m:sub>
+                      <m:sup>
+                        <m:r>
+                          <a:rPr lang="en-US" altLang="ja-JP" sz="2000" b="0" i="1" smtClean="0">
+                            <a:latin typeface="Cambria Math" panose="02040503050406030204" pitchFamily="18" charset="0"/>
+                          </a:rPr>
+                          <m:t>2</m:t>
+                        </m:r>
+                      </m:sup>
+                    </m:sSubSup>
+                    <m:r>
+                      <a:rPr lang="en-US" altLang="ja-JP" sz="2000" b="0" i="1" smtClean="0">
+                        <a:latin typeface="Cambria Math" panose="02040503050406030204" pitchFamily="18" charset="0"/>
+                      </a:rPr>
+                      <m:t>−</m:t>
+                    </m:r>
+                    <m:r>
+                      <a:rPr lang="en-US" altLang="ja-JP" sz="2000" b="0" i="1" smtClean="0">
+                        <a:latin typeface="Cambria Math" panose="02040503050406030204" pitchFamily="18" charset="0"/>
+                      </a:rPr>
+                      <m:t>1</m:t>
+                    </m:r>
+                    <m:r>
+                      <a:rPr lang="en-US" altLang="ja-JP" sz="2000" b="0" i="1" smtClean="0">
+                        <a:latin typeface="Cambria Math" panose="02040503050406030204" pitchFamily="18" charset="0"/>
+                      </a:rPr>
+                      <m:t>−</m:t>
+                    </m:r>
+                    <m:f>
+                      <m:fPr>
+                        <m:ctrlPr>
+                          <a:rPr lang="en-US" altLang="ja-JP" sz="2000" b="0" i="1" smtClean="0">
+                            <a:latin typeface="Cambria Math" panose="02040503050406030204" pitchFamily="18" charset="0"/>
+                          </a:rPr>
+                        </m:ctrlPr>
+                      </m:fPr>
+                      <m:num>
+                        <m:r>
+                          <a:rPr lang="en-US" altLang="ja-JP" sz="2000" b="0" i="1" smtClean="0">
+                            <a:latin typeface="Cambria Math" panose="02040503050406030204" pitchFamily="18" charset="0"/>
+                          </a:rPr>
+                          <m:t>1</m:t>
+                        </m:r>
+                      </m:num>
+                      <m:den>
+                        <m:r>
+                          <a:rPr lang="en-US" altLang="ja-JP" sz="2000" b="0" i="1" smtClean="0">
+                            <a:latin typeface="Cambria Math" panose="02040503050406030204" pitchFamily="18" charset="0"/>
+                          </a:rPr>
+                          <m:t>𝜙</m:t>
+                        </m:r>
+                        <m:sSub>
+                          <m:sSubPr>
+                            <m:ctrlPr>
+                              <a:rPr lang="en-US" altLang="ja-JP" sz="2000" b="0" i="1" smtClean="0">
+                                <a:latin typeface="Cambria Math" panose="02040503050406030204" pitchFamily="18" charset="0"/>
+                              </a:rPr>
+                            </m:ctrlPr>
+                          </m:sSubPr>
+                          <m:e>
+                            <m:r>
+                              <a:rPr lang="en-US" altLang="ja-JP" sz="2000" b="0" i="1" smtClean="0">
+                                <a:latin typeface="Cambria Math" panose="02040503050406030204" pitchFamily="18" charset="0"/>
+                              </a:rPr>
+                              <m:t>𝑊</m:t>
+                            </m:r>
+                          </m:e>
+                          <m:sub>
+                            <m:r>
+                              <a:rPr lang="en-US" altLang="ja-JP" sz="2000" b="0" i="1" smtClean="0">
+                                <a:latin typeface="Cambria Math" panose="02040503050406030204" pitchFamily="18" charset="0"/>
+                              </a:rPr>
+                              <m:t>0</m:t>
+                            </m:r>
+                          </m:sub>
+                        </m:sSub>
+                      </m:den>
+                    </m:f>
+                    <m:r>
+                      <m:rPr>
+                        <m:sty m:val="p"/>
+                      </m:rPr>
+                      <a:rPr lang="en-US" altLang="ja-JP" sz="2000" b="0" i="0" smtClean="0">
+                        <a:latin typeface="Cambria Math" panose="02040503050406030204" pitchFamily="18" charset="0"/>
+                      </a:rPr>
+                      <m:t>ln</m:t>
+                    </m:r>
+                    <m:r>
+                      <a:rPr lang="en-US" altLang="ja-JP" sz="2000" b="0" i="1" smtClean="0">
+                        <a:latin typeface="Cambria Math" panose="02040503050406030204" pitchFamily="18" charset="0"/>
+                      </a:rPr>
+                      <m:t>⁡(−</m:t>
+                    </m:r>
+                    <m:r>
+                      <a:rPr lang="en-US" altLang="ja-JP" sz="2000" b="0" i="1" smtClean="0">
+                        <a:latin typeface="Cambria Math" panose="02040503050406030204" pitchFamily="18" charset="0"/>
+                      </a:rPr>
+                      <m:t>𝑘</m:t>
+                    </m:r>
+                    <m:r>
+                      <a:rPr lang="en-US" altLang="ja-JP" sz="2000" b="0" i="1" smtClean="0">
+                        <a:latin typeface="Cambria Math" panose="02040503050406030204" pitchFamily="18" charset="0"/>
+                      </a:rPr>
+                      <m:t>)</m:t>
+                    </m:r>
+                  </m:oMath>
+                </a14:m>
+                <a:r>
+                  <a:rPr lang="ja-JP" altLang="en-US" sz="2000" dirty="0" smtClean="0"/>
+                  <a:t>となる。</a:t>
+                </a:r>
+                <a:endParaRPr lang="en-US" altLang="ja-JP" sz="2000" dirty="0" smtClean="0"/>
+              </a:p>
+              <a:p>
+                <a:pPr marL="0" indent="0">
+                  <a:buNone/>
+                </a:pPr>
+                <a:r>
+                  <a:rPr lang="ja-JP" altLang="en-US" sz="2000" dirty="0" smtClean="0"/>
+                  <a:t>これより、無差別曲線は切片が</a:t>
+                </a:r>
+                <a14:m>
+                  <m:oMath xmlns:m="http://schemas.openxmlformats.org/officeDocument/2006/math">
+                    <m:r>
+                      <a:rPr lang="en-US" altLang="ja-JP" sz="2000" b="0" i="1" smtClean="0">
+                        <a:latin typeface="Cambria Math" panose="02040503050406030204" pitchFamily="18" charset="0"/>
+                      </a:rPr>
+                      <m:t>−</m:t>
+                    </m:r>
+                    <m:r>
+                      <a:rPr lang="en-US" altLang="ja-JP" sz="2000" b="0" i="1" smtClean="0">
+                        <a:latin typeface="Cambria Math" panose="02040503050406030204" pitchFamily="18" charset="0"/>
+                      </a:rPr>
+                      <m:t>1</m:t>
+                    </m:r>
+                    <m:r>
+                      <a:rPr lang="en-US" altLang="ja-JP" sz="2000" b="0" i="1" smtClean="0">
+                        <a:latin typeface="Cambria Math" panose="02040503050406030204" pitchFamily="18" charset="0"/>
+                      </a:rPr>
+                      <m:t>−</m:t>
+                    </m:r>
+                    <m:f>
+                      <m:fPr>
+                        <m:ctrlPr>
+                          <a:rPr lang="en-US" altLang="ja-JP" sz="2000" b="0" i="1" smtClean="0">
+                            <a:latin typeface="Cambria Math" panose="02040503050406030204" pitchFamily="18" charset="0"/>
+                          </a:rPr>
+                        </m:ctrlPr>
+                      </m:fPr>
+                      <m:num>
+                        <m:r>
+                          <a:rPr lang="en-US" altLang="ja-JP" sz="2000" b="0" i="1" smtClean="0">
+                            <a:latin typeface="Cambria Math" panose="02040503050406030204" pitchFamily="18" charset="0"/>
+                          </a:rPr>
+                          <m:t>1</m:t>
+                        </m:r>
+                      </m:num>
+                      <m:den>
+                        <m:r>
+                          <a:rPr lang="en-US" altLang="ja-JP" sz="2000" b="0" i="1" smtClean="0">
+                            <a:latin typeface="Cambria Math" panose="02040503050406030204" pitchFamily="18" charset="0"/>
+                          </a:rPr>
+                          <m:t>𝜙</m:t>
+                        </m:r>
+                        <m:sSub>
+                          <m:sSubPr>
+                            <m:ctrlPr>
+                              <a:rPr lang="en-US" altLang="ja-JP" sz="2000" b="0" i="1" smtClean="0">
+                                <a:latin typeface="Cambria Math" panose="02040503050406030204" pitchFamily="18" charset="0"/>
+                              </a:rPr>
+                            </m:ctrlPr>
+                          </m:sSubPr>
+                          <m:e>
+                            <m:r>
+                              <a:rPr lang="en-US" altLang="ja-JP" sz="2000" b="0" i="1" smtClean="0">
+                                <a:latin typeface="Cambria Math" panose="02040503050406030204" pitchFamily="18" charset="0"/>
+                              </a:rPr>
+                              <m:t>𝑊</m:t>
+                            </m:r>
+                          </m:e>
+                          <m:sub>
+                            <m:r>
+                              <a:rPr lang="en-US" altLang="ja-JP" sz="2000" b="0" i="1" smtClean="0">
+                                <a:latin typeface="Cambria Math" panose="02040503050406030204" pitchFamily="18" charset="0"/>
+                              </a:rPr>
+                              <m:t>0</m:t>
+                            </m:r>
+                          </m:sub>
+                        </m:sSub>
+                      </m:den>
+                    </m:f>
+                    <m:func>
+                      <m:funcPr>
+                        <m:ctrlPr>
+                          <a:rPr lang="en-US" altLang="ja-JP" sz="2000" b="0" i="1" smtClean="0">
+                            <a:latin typeface="Cambria Math" panose="02040503050406030204" pitchFamily="18" charset="0"/>
+                          </a:rPr>
+                        </m:ctrlPr>
+                      </m:funcPr>
+                      <m:fName>
+                        <m:r>
+                          <m:rPr>
+                            <m:sty m:val="p"/>
+                          </m:rPr>
+                          <a:rPr lang="en-US" altLang="ja-JP" sz="2000" b="0" i="0" smtClean="0">
+                            <a:latin typeface="Cambria Math" panose="02040503050406030204" pitchFamily="18" charset="0"/>
+                          </a:rPr>
+                          <m:t>ln</m:t>
+                        </m:r>
+                      </m:fName>
+                      <m:e>
+                        <m:d>
+                          <m:dPr>
+                            <m:ctrlPr>
+                              <a:rPr lang="en-US" altLang="ja-JP" sz="2000" b="0" i="1" smtClean="0">
+                                <a:latin typeface="Cambria Math" panose="02040503050406030204" pitchFamily="18" charset="0"/>
+                              </a:rPr>
+                            </m:ctrlPr>
+                          </m:dPr>
+                          <m:e>
+                            <m:r>
+                              <a:rPr lang="en-US" altLang="ja-JP" sz="2000" b="0" i="1" smtClean="0">
+                                <a:latin typeface="Cambria Math" panose="02040503050406030204" pitchFamily="18" charset="0"/>
+                              </a:rPr>
+                              <m:t>−</m:t>
+                            </m:r>
+                            <m:r>
+                              <a:rPr lang="en-US" altLang="ja-JP" sz="2000" b="0" i="1" smtClean="0">
+                                <a:latin typeface="Cambria Math" panose="02040503050406030204" pitchFamily="18" charset="0"/>
+                              </a:rPr>
+                              <m:t>𝑘</m:t>
+                            </m:r>
+                          </m:e>
+                        </m:d>
+                      </m:e>
+                    </m:func>
+                  </m:oMath>
+                </a14:m>
+                <a:r>
+                  <a:rPr lang="ja-JP" altLang="en-US" sz="2000" dirty="0" smtClean="0"/>
+                  <a:t>の下に凸な</a:t>
+                </a:r>
+                <a:r>
+                  <a:rPr lang="en-US" altLang="ja-JP" sz="2000" dirty="0" smtClean="0"/>
+                  <a:t>2</a:t>
+                </a:r>
+                <a:r>
+                  <a:rPr lang="ja-JP" altLang="en-US" sz="2000" dirty="0" smtClean="0"/>
+                  <a:t>次曲線である。</a:t>
+                </a:r>
+                <a:endParaRPr lang="en-US" altLang="ja-JP" sz="2000" dirty="0" smtClean="0"/>
+              </a:p>
+              <a:p>
+                <a:pPr marL="0" indent="0">
+                  <a:buNone/>
+                </a:pPr>
+                <a:endParaRPr lang="en-US" altLang="ja-JP" sz="2000" dirty="0" smtClean="0"/>
+              </a:p>
+            </p:txBody>
+          </p:sp>
+        </mc:Choice>
+        <mc:Fallback>
+          <p:sp>
+            <p:nvSpPr>
+              <p:cNvPr id="3" name="コンテンツ プレースホルダー 2"/>
+              <p:cNvSpPr>
+                <a:spLocks noGrp="1" noRot="1" noChangeAspect="1" noMove="1" noResize="1" noEditPoints="1" noAdjustHandles="1" noChangeArrowheads="1" noChangeShapeType="1" noTextEdit="1"/>
+              </p:cNvSpPr>
+              <p:nvPr>
+                <p:ph idx="1"/>
+              </p:nvPr>
+            </p:nvSpPr>
+            <p:spPr>
+              <a:xfrm>
+                <a:off x="838200" y="1065476"/>
+                <a:ext cx="10515600" cy="5412962"/>
+              </a:xfrm>
+              <a:blipFill>
+                <a:blip r:embed="rId2"/>
+                <a:stretch>
+                  <a:fillRect l="-638" t="-1126"/>
+                </a:stretch>
+              </a:blipFill>
+            </p:spPr>
+            <p:txBody>
+              <a:bodyPr/>
+              <a:lstStyle/>
+              <a:p>
+                <a:r>
+                  <a:rPr lang="ja-JP" altLang="en-US">
+                    <a:noFill/>
+                  </a:rPr>
+                  <a:t> </a:t>
+                </a:r>
+              </a:p>
+            </p:txBody>
+          </p:sp>
+        </mc:Fallback>
+      </mc:AlternateContent>
+    </p:spTree>
+    <p:extLst>
+      <p:ext uri="{BB962C8B-B14F-4D97-AF65-F5344CB8AC3E}">
+        <p14:creationId xmlns:p14="http://schemas.microsoft.com/office/powerpoint/2010/main" val="2738341129"/>
+      </p:ext>
+    </p:extLst>
+  </p:cSld>
+  <p:clrMapOvr>
+    <a:masterClrMapping/>
+  </p:clrMapOvr>
+</p:sld>
+</file>
+
+<file path=ppt/slides/slide32.xml><?xml version="1.0" encoding="utf-8"?>
+<p:sld xmlns:a="http://schemas.openxmlformats.org/drawingml/2006/main" xmlns:r="http://schemas.openxmlformats.org/officeDocument/2006/relationships" xmlns:p="http://schemas.openxmlformats.org/presentationml/2006/main">
+  <p:cSld>
+    <p:spTree>
+      <p:nvGrpSpPr>
+        <p:cNvPr id="1" name=""/>
+        <p:cNvGrpSpPr/>
+        <p:nvPr/>
+      </p:nvGrpSpPr>
+      <p:grpSpPr>
+        <a:xfrm>
+          <a:off x="0" y="0"/>
+          <a:ext cx="0" cy="0"/>
+          <a:chOff x="0" y="0"/>
+          <a:chExt cx="0" cy="0"/>
+        </a:xfrm>
+      </p:grpSpPr>
+      <p:sp>
+        <p:nvSpPr>
+          <p:cNvPr id="2" name="タイトル 1"/>
+          <p:cNvSpPr>
+            <a:spLocks noGrp="1"/>
+          </p:cNvSpPr>
+          <p:nvPr>
+            <p:ph type="title"/>
+          </p:nvPr>
+        </p:nvSpPr>
+        <p:spPr>
+          <a:xfrm>
+            <a:off x="838200" y="365126"/>
+            <a:ext cx="10515600" cy="700350"/>
+          </a:xfrm>
+        </p:spPr>
+        <p:txBody>
+          <a:bodyPr>
+            <a:normAutofit/>
+          </a:bodyPr>
+          <a:lstStyle/>
+          <a:p>
+            <a:r>
+              <a:rPr lang="en-US" altLang="ja-JP" sz="2800" dirty="0" smtClean="0"/>
+              <a:t>§4.1</a:t>
+            </a:r>
+            <a:r>
+              <a:rPr lang="ja-JP" altLang="en-US" sz="2800" dirty="0" smtClean="0"/>
+              <a:t>　</a:t>
+            </a:r>
+            <a:r>
+              <a:rPr lang="ja-JP" altLang="en-US" sz="2800" dirty="0" smtClean="0"/>
+              <a:t>平均・分散分析</a:t>
+            </a:r>
+            <a:endParaRPr kumimoji="1" lang="ja-JP" altLang="en-US" sz="2800" dirty="0"/>
+          </a:p>
+        </p:txBody>
+      </p:sp>
+      <mc:AlternateContent xmlns:mc="http://schemas.openxmlformats.org/markup-compatibility/2006">
+        <mc:Choice xmlns:a14="http://schemas.microsoft.com/office/drawing/2010/main" Requires="a14">
+          <p:sp>
+            <p:nvSpPr>
+              <p:cNvPr id="3" name="コンテンツ プレースホルダー 2"/>
+              <p:cNvSpPr>
+                <a:spLocks noGrp="1"/>
+              </p:cNvSpPr>
+              <p:nvPr>
+                <p:ph idx="1"/>
+              </p:nvPr>
+            </p:nvSpPr>
+            <p:spPr>
+              <a:xfrm>
+                <a:off x="838200" y="1065476"/>
+                <a:ext cx="10515600" cy="5412962"/>
+              </a:xfrm>
+            </p:spPr>
+            <p:txBody>
+              <a:bodyPr>
+                <a:normAutofit/>
+              </a:bodyPr>
+              <a:lstStyle/>
+              <a:p>
+                <a:pPr marL="0" indent="0">
+                  <a:buNone/>
+                </a:pPr>
+                <a:r>
+                  <a:rPr lang="en-US" altLang="ja-JP" sz="2000" dirty="0" smtClean="0"/>
+                  <a:t>【</a:t>
+                </a:r>
+                <a:r>
+                  <a:rPr lang="ja-JP" altLang="en-US" sz="2000" dirty="0" smtClean="0"/>
+                  <a:t>投資機会集合と無差別曲線</a:t>
+                </a:r>
+                <a:r>
+                  <a:rPr lang="en-US" altLang="ja-JP" sz="2000" dirty="0" smtClean="0"/>
+                  <a:t>】</a:t>
+                </a:r>
+              </a:p>
+              <a:p>
+                <a:pPr marL="0" indent="0">
+                  <a:buNone/>
+                </a:pPr>
+                <a14:m>
+                  <m:oMath xmlns:m="http://schemas.openxmlformats.org/officeDocument/2006/math">
+                    <m:r>
+                      <a:rPr lang="en-US" altLang="ja-JP" sz="2000" b="0" i="1" smtClean="0">
+                        <a:latin typeface="Cambria Math" panose="02040503050406030204" pitchFamily="18" charset="0"/>
+                      </a:rPr>
+                      <m:t>𝛾</m:t>
+                    </m:r>
+                    <m:r>
+                      <a:rPr lang="en-US" altLang="ja-JP" sz="2000" b="0" i="1" smtClean="0">
+                        <a:latin typeface="Cambria Math" panose="02040503050406030204" pitchFamily="18" charset="0"/>
+                      </a:rPr>
+                      <m:t>=</m:t>
+                    </m:r>
+                    <m:r>
+                      <a:rPr lang="en-US" altLang="ja-JP" sz="2000" b="0" i="1" smtClean="0">
+                        <a:latin typeface="Cambria Math" panose="02040503050406030204" pitchFamily="18" charset="0"/>
+                      </a:rPr>
+                      <m:t>𝜙</m:t>
+                    </m:r>
+                    <m:sSub>
+                      <m:sSubPr>
+                        <m:ctrlPr>
+                          <a:rPr lang="en-US" altLang="ja-JP" sz="2000" b="0" i="1" smtClean="0">
+                            <a:latin typeface="Cambria Math" panose="02040503050406030204" pitchFamily="18" charset="0"/>
+                          </a:rPr>
+                        </m:ctrlPr>
+                      </m:sSubPr>
+                      <m:e>
+                        <m:r>
+                          <a:rPr lang="en-US" altLang="ja-JP" sz="2000" b="0" i="1" smtClean="0">
+                            <a:latin typeface="Cambria Math" panose="02040503050406030204" pitchFamily="18" charset="0"/>
+                          </a:rPr>
+                          <m:t>𝑊</m:t>
+                        </m:r>
+                      </m:e>
+                      <m:sub>
+                        <m:r>
+                          <a:rPr lang="en-US" altLang="ja-JP" sz="2000" b="0" i="1" smtClean="0">
+                            <a:latin typeface="Cambria Math" panose="02040503050406030204" pitchFamily="18" charset="0"/>
+                          </a:rPr>
+                          <m:t>0</m:t>
+                        </m:r>
+                      </m:sub>
+                    </m:sSub>
+                  </m:oMath>
+                </a14:m>
+                <a:r>
+                  <a:rPr lang="ja-JP" altLang="en-US" sz="2000" dirty="0" smtClean="0"/>
+                  <a:t>とすると、無差別曲線の式は、</a:t>
+                </a:r>
+                <a:endParaRPr lang="en-US" altLang="ja-JP" sz="2000" dirty="0" smtClean="0"/>
+              </a:p>
+              <a:p>
+                <a:pPr marL="0" indent="0">
+                  <a:buNone/>
+                </a:pPr>
+                <a14:m>
+                  <m:oMathPara xmlns:m="http://schemas.openxmlformats.org/officeDocument/2006/math">
+                    <m:oMathParaPr>
+                      <m:jc m:val="centerGroup"/>
+                    </m:oMathParaPr>
+                    <m:oMath xmlns:m="http://schemas.openxmlformats.org/officeDocument/2006/math">
+                      <m:sSub>
+                        <m:sSubPr>
+                          <m:ctrlPr>
+                            <a:rPr lang="en-US" altLang="ja-JP" sz="2000" b="0" i="1" smtClean="0">
+                              <a:latin typeface="Cambria Math" panose="02040503050406030204" pitchFamily="18" charset="0"/>
+                            </a:rPr>
+                          </m:ctrlPr>
+                        </m:sSubPr>
+                        <m:e>
+                          <m:r>
+                            <a:rPr lang="en-US" altLang="ja-JP" sz="2000" b="0" i="1" smtClean="0">
+                              <a:latin typeface="Cambria Math" panose="02040503050406030204" pitchFamily="18" charset="0"/>
+                            </a:rPr>
+                            <m:t>𝜇</m:t>
+                          </m:r>
+                        </m:e>
+                        <m:sub>
+                          <m:r>
+                            <a:rPr lang="en-US" altLang="ja-JP" sz="2000" b="0" i="1" smtClean="0">
+                              <a:latin typeface="Cambria Math" panose="02040503050406030204" pitchFamily="18" charset="0"/>
+                            </a:rPr>
+                            <m:t>𝑝</m:t>
+                          </m:r>
+                        </m:sub>
+                      </m:sSub>
+                      <m:r>
+                        <a:rPr lang="en-US" altLang="ja-JP" sz="2000" b="0" i="1" smtClean="0">
+                          <a:latin typeface="Cambria Math" panose="02040503050406030204" pitchFamily="18" charset="0"/>
+                        </a:rPr>
+                        <m:t>=</m:t>
+                      </m:r>
+                      <m:f>
+                        <m:fPr>
+                          <m:ctrlPr>
+                            <a:rPr lang="en-US" altLang="ja-JP" sz="2000" b="0" i="1" smtClean="0">
+                              <a:latin typeface="Cambria Math" panose="02040503050406030204" pitchFamily="18" charset="0"/>
+                            </a:rPr>
+                          </m:ctrlPr>
+                        </m:fPr>
+                        <m:num>
+                          <m:r>
+                            <a:rPr lang="en-US" altLang="ja-JP" sz="2000" b="0" i="1" smtClean="0">
+                              <a:latin typeface="Cambria Math" panose="02040503050406030204" pitchFamily="18" charset="0"/>
+                            </a:rPr>
+                            <m:t>𝛾</m:t>
+                          </m:r>
+                        </m:num>
+                        <m:den>
+                          <m:r>
+                            <a:rPr lang="en-US" altLang="ja-JP" sz="2000" b="0" i="1" smtClean="0">
+                              <a:latin typeface="Cambria Math" panose="02040503050406030204" pitchFamily="18" charset="0"/>
+                            </a:rPr>
+                            <m:t>2</m:t>
+                          </m:r>
+                        </m:den>
+                      </m:f>
+                      <m:sSubSup>
+                        <m:sSubSupPr>
+                          <m:ctrlPr>
+                            <a:rPr lang="en-US" altLang="ja-JP" sz="2000" b="0" i="1" smtClean="0">
+                              <a:latin typeface="Cambria Math" panose="02040503050406030204" pitchFamily="18" charset="0"/>
+                            </a:rPr>
+                          </m:ctrlPr>
+                        </m:sSubSupPr>
+                        <m:e>
+                          <m:r>
+                            <a:rPr lang="en-US" altLang="ja-JP" sz="2000" b="0" i="1" smtClean="0">
+                              <a:latin typeface="Cambria Math" panose="02040503050406030204" pitchFamily="18" charset="0"/>
+                            </a:rPr>
+                            <m:t>𝜎</m:t>
+                          </m:r>
+                        </m:e>
+                        <m:sub>
+                          <m:r>
+                            <a:rPr lang="en-US" altLang="ja-JP" sz="2000" b="0" i="1" smtClean="0">
+                              <a:latin typeface="Cambria Math" panose="02040503050406030204" pitchFamily="18" charset="0"/>
+                            </a:rPr>
+                            <m:t>𝑝</m:t>
+                          </m:r>
+                        </m:sub>
+                        <m:sup>
+                          <m:r>
+                            <a:rPr lang="en-US" altLang="ja-JP" sz="2000" b="0" i="1" smtClean="0">
+                              <a:latin typeface="Cambria Math" panose="02040503050406030204" pitchFamily="18" charset="0"/>
+                            </a:rPr>
+                            <m:t>2</m:t>
+                          </m:r>
+                        </m:sup>
+                      </m:sSubSup>
+                      <m:r>
+                        <a:rPr lang="en-US" altLang="ja-JP" sz="2000" b="0" i="1" smtClean="0">
+                          <a:latin typeface="Cambria Math" panose="02040503050406030204" pitchFamily="18" charset="0"/>
+                        </a:rPr>
+                        <m:t>+</m:t>
+                      </m:r>
+                      <m:r>
+                        <a:rPr lang="en-US" altLang="ja-JP" sz="2000" b="0" i="1" smtClean="0">
+                          <a:latin typeface="Cambria Math" panose="02040503050406030204" pitchFamily="18" charset="0"/>
+                        </a:rPr>
+                        <m:t>𝐾</m:t>
+                      </m:r>
+                      <m:r>
+                        <a:rPr lang="en-US" altLang="ja-JP" sz="2000" b="0" i="1" smtClean="0">
+                          <a:latin typeface="Cambria Math" panose="02040503050406030204" pitchFamily="18" charset="0"/>
+                        </a:rPr>
+                        <m:t>, </m:t>
+                      </m:r>
+                      <m:r>
+                        <a:rPr lang="en-US" altLang="ja-JP" sz="2000" b="0" i="1" smtClean="0">
+                          <a:latin typeface="Cambria Math" panose="02040503050406030204" pitchFamily="18" charset="0"/>
+                        </a:rPr>
+                        <m:t>𝐾</m:t>
+                      </m:r>
+                      <m:r>
+                        <a:rPr lang="en-US" altLang="ja-JP" sz="2000" b="0" i="1" smtClean="0">
+                          <a:latin typeface="Cambria Math" panose="02040503050406030204" pitchFamily="18" charset="0"/>
+                        </a:rPr>
+                        <m:t>=−</m:t>
+                      </m:r>
+                      <m:r>
+                        <a:rPr lang="en-US" altLang="ja-JP" sz="2000" b="0" i="1" smtClean="0">
+                          <a:latin typeface="Cambria Math" panose="02040503050406030204" pitchFamily="18" charset="0"/>
+                        </a:rPr>
+                        <m:t>1</m:t>
+                      </m:r>
+                      <m:r>
+                        <a:rPr lang="en-US" altLang="ja-JP" sz="2000" b="0" i="1" smtClean="0">
+                          <a:latin typeface="Cambria Math" panose="02040503050406030204" pitchFamily="18" charset="0"/>
+                        </a:rPr>
+                        <m:t>−</m:t>
+                      </m:r>
+                      <m:f>
+                        <m:fPr>
+                          <m:ctrlPr>
+                            <a:rPr lang="en-US" altLang="ja-JP" sz="2000" b="0" i="1" smtClean="0">
+                              <a:latin typeface="Cambria Math" panose="02040503050406030204" pitchFamily="18" charset="0"/>
+                            </a:rPr>
+                          </m:ctrlPr>
+                        </m:fPr>
+                        <m:num>
+                          <m:r>
+                            <a:rPr lang="en-US" altLang="ja-JP" sz="2000" b="0" i="1" smtClean="0">
+                              <a:latin typeface="Cambria Math" panose="02040503050406030204" pitchFamily="18" charset="0"/>
+                            </a:rPr>
+                            <m:t>1</m:t>
+                          </m:r>
+                        </m:num>
+                        <m:den>
+                          <m:r>
+                            <a:rPr lang="en-US" altLang="ja-JP" sz="2000" b="0" i="1" smtClean="0">
+                              <a:latin typeface="Cambria Math" panose="02040503050406030204" pitchFamily="18" charset="0"/>
+                            </a:rPr>
+                            <m:t>𝛾</m:t>
+                          </m:r>
+                        </m:den>
+                      </m:f>
+                      <m:func>
+                        <m:funcPr>
+                          <m:ctrlPr>
+                            <a:rPr lang="en-US" altLang="ja-JP" sz="2000" b="0" i="1" smtClean="0">
+                              <a:latin typeface="Cambria Math" panose="02040503050406030204" pitchFamily="18" charset="0"/>
+                            </a:rPr>
+                          </m:ctrlPr>
+                        </m:funcPr>
+                        <m:fName>
+                          <m:r>
+                            <m:rPr>
+                              <m:sty m:val="p"/>
+                            </m:rPr>
+                            <a:rPr lang="en-US" altLang="ja-JP" sz="2000" b="0" i="0" smtClean="0">
+                              <a:latin typeface="Cambria Math" panose="02040503050406030204" pitchFamily="18" charset="0"/>
+                            </a:rPr>
+                            <m:t>ln</m:t>
+                          </m:r>
+                        </m:fName>
+                        <m:e>
+                          <m:d>
+                            <m:dPr>
+                              <m:ctrlPr>
+                                <a:rPr lang="en-US" altLang="ja-JP" sz="2000" b="0" i="1" smtClean="0">
+                                  <a:latin typeface="Cambria Math" panose="02040503050406030204" pitchFamily="18" charset="0"/>
+                                </a:rPr>
+                              </m:ctrlPr>
+                            </m:dPr>
+                            <m:e>
+                              <m:r>
+                                <a:rPr lang="en-US" altLang="ja-JP" sz="2000" b="0" i="1" smtClean="0">
+                                  <a:latin typeface="Cambria Math" panose="02040503050406030204" pitchFamily="18" charset="0"/>
+                                </a:rPr>
+                                <m:t>−</m:t>
+                              </m:r>
+                              <m:r>
+                                <a:rPr lang="en-US" altLang="ja-JP" sz="2000" b="0" i="1" smtClean="0">
+                                  <a:latin typeface="Cambria Math" panose="02040503050406030204" pitchFamily="18" charset="0"/>
+                                </a:rPr>
+                                <m:t>𝑘</m:t>
+                              </m:r>
+                            </m:e>
+                          </m:d>
+                        </m:e>
+                      </m:func>
+                    </m:oMath>
+                  </m:oMathPara>
+                </a14:m>
+                <a:endParaRPr lang="en-US" altLang="ja-JP" sz="2000" dirty="0" smtClean="0"/>
+              </a:p>
+              <a:p>
+                <a:pPr marL="0" indent="0">
+                  <a:buNone/>
+                </a:pPr>
+                <a:r>
+                  <a:rPr lang="ja-JP" altLang="en-US" sz="2000" dirty="0" smtClean="0"/>
+                  <a:t>となる。無差別曲線と効率的フロンティアの接点、すなわち最適ポートフォリオは、</a:t>
+                </a:r>
+                <a:endParaRPr lang="en-US" altLang="ja-JP" sz="2000" dirty="0" smtClean="0"/>
+              </a:p>
+              <a:p>
+                <a:pPr marL="0" indent="0">
+                  <a:buNone/>
+                </a:pPr>
+                <a14:m>
+                  <m:oMathPara xmlns:m="http://schemas.openxmlformats.org/officeDocument/2006/math">
+                    <m:oMathParaPr>
+                      <m:jc m:val="centerGroup"/>
+                    </m:oMathParaPr>
+                    <m:oMath xmlns:m="http://schemas.openxmlformats.org/officeDocument/2006/math">
+                      <m:d>
+                        <m:dPr>
+                          <m:ctrlPr>
+                            <a:rPr lang="en-US" altLang="ja-JP" sz="2000" b="0" i="1" smtClean="0">
+                              <a:latin typeface="Cambria Math" panose="02040503050406030204" pitchFamily="18" charset="0"/>
+                            </a:rPr>
+                          </m:ctrlPr>
+                        </m:dPr>
+                        <m:e>
+                          <m:sSubSup>
+                            <m:sSubSupPr>
+                              <m:ctrlPr>
+                                <a:rPr lang="en-US" altLang="ja-JP" sz="2000" b="0" i="1" smtClean="0">
+                                  <a:latin typeface="Cambria Math" panose="02040503050406030204" pitchFamily="18" charset="0"/>
+                                </a:rPr>
+                              </m:ctrlPr>
+                            </m:sSubSupPr>
+                            <m:e>
+                              <m:r>
+                                <a:rPr lang="en-US" altLang="ja-JP" sz="2000" b="0" i="1" smtClean="0">
+                                  <a:latin typeface="Cambria Math" panose="02040503050406030204" pitchFamily="18" charset="0"/>
+                                </a:rPr>
+                                <m:t>𝜎</m:t>
+                              </m:r>
+                            </m:e>
+                            <m:sub>
+                              <m:r>
+                                <a:rPr lang="en-US" altLang="ja-JP" sz="2000" b="0" i="1" smtClean="0">
+                                  <a:latin typeface="Cambria Math" panose="02040503050406030204" pitchFamily="18" charset="0"/>
+                                </a:rPr>
+                                <m:t>𝑝</m:t>
+                              </m:r>
+                            </m:sub>
+                            <m:sup>
+                              <m:r>
+                                <a:rPr lang="en-US" altLang="ja-JP" sz="2000" b="0" i="1" smtClean="0">
+                                  <a:latin typeface="Cambria Math" panose="02040503050406030204" pitchFamily="18" charset="0"/>
+                                </a:rPr>
+                                <m:t>∗</m:t>
+                              </m:r>
+                            </m:sup>
+                          </m:sSubSup>
+                          <m:r>
+                            <a:rPr lang="en-US" altLang="ja-JP" sz="2000" b="0" i="1" smtClean="0">
+                              <a:latin typeface="Cambria Math" panose="02040503050406030204" pitchFamily="18" charset="0"/>
+                            </a:rPr>
+                            <m:t>, </m:t>
+                          </m:r>
+                          <m:sSubSup>
+                            <m:sSubSupPr>
+                              <m:ctrlPr>
+                                <a:rPr lang="en-US" altLang="ja-JP" sz="2000" b="0" i="1" smtClean="0">
+                                  <a:latin typeface="Cambria Math" panose="02040503050406030204" pitchFamily="18" charset="0"/>
+                                </a:rPr>
+                              </m:ctrlPr>
+                            </m:sSubSupPr>
+                            <m:e>
+                              <m:r>
+                                <a:rPr lang="en-US" altLang="ja-JP" sz="2000" b="0" i="1" smtClean="0">
+                                  <a:latin typeface="Cambria Math" panose="02040503050406030204" pitchFamily="18" charset="0"/>
+                                </a:rPr>
+                                <m:t>𝜇</m:t>
+                              </m:r>
+                            </m:e>
+                            <m:sub>
+                              <m:r>
+                                <a:rPr lang="en-US" altLang="ja-JP" sz="2000" b="0" i="1" smtClean="0">
+                                  <a:latin typeface="Cambria Math" panose="02040503050406030204" pitchFamily="18" charset="0"/>
+                                </a:rPr>
+                                <m:t>𝑝</m:t>
+                              </m:r>
+                            </m:sub>
+                            <m:sup>
+                              <m:r>
+                                <a:rPr lang="en-US" altLang="ja-JP" sz="2000" b="0" i="1" smtClean="0">
+                                  <a:latin typeface="Cambria Math" panose="02040503050406030204" pitchFamily="18" charset="0"/>
+                                </a:rPr>
+                                <m:t>∗</m:t>
+                              </m:r>
+                            </m:sup>
+                          </m:sSubSup>
+                        </m:e>
+                      </m:d>
+                      <m:r>
+                        <a:rPr lang="en-US" altLang="ja-JP" sz="2000" b="0" i="1" smtClean="0">
+                          <a:latin typeface="Cambria Math" panose="02040503050406030204" pitchFamily="18" charset="0"/>
+                        </a:rPr>
+                        <m:t>=</m:t>
+                      </m:r>
+                      <m:d>
+                        <m:dPr>
+                          <m:ctrlPr>
+                            <a:rPr lang="en-US" altLang="ja-JP" sz="2000" b="0" i="1" smtClean="0">
+                              <a:latin typeface="Cambria Math" panose="02040503050406030204" pitchFamily="18" charset="0"/>
+                            </a:rPr>
+                          </m:ctrlPr>
+                        </m:dPr>
+                        <m:e>
+                          <m:f>
+                            <m:fPr>
+                              <m:ctrlPr>
+                                <a:rPr lang="en-US" altLang="ja-JP" sz="2000" b="0" i="1" smtClean="0">
+                                  <a:latin typeface="Cambria Math" panose="02040503050406030204" pitchFamily="18" charset="0"/>
+                                </a:rPr>
+                              </m:ctrlPr>
+                            </m:fPr>
+                            <m:num>
+                              <m:r>
+                                <a:rPr lang="en-US" altLang="ja-JP" sz="2000" b="0" i="1" smtClean="0">
+                                  <a:latin typeface="Cambria Math" panose="02040503050406030204" pitchFamily="18" charset="0"/>
+                                </a:rPr>
+                                <m:t>1</m:t>
+                              </m:r>
+                            </m:num>
+                            <m:den>
+                              <m:rad>
+                                <m:radPr>
+                                  <m:degHide m:val="on"/>
+                                  <m:ctrlPr>
+                                    <a:rPr lang="en-US" altLang="ja-JP" sz="2000" b="0" i="1" smtClean="0">
+                                      <a:latin typeface="Cambria Math" panose="02040503050406030204" pitchFamily="18" charset="0"/>
+                                    </a:rPr>
+                                  </m:ctrlPr>
+                                </m:radPr>
+                                <m:deg/>
+                                <m:e>
+                                  <m:r>
+                                    <a:rPr lang="en-US" altLang="ja-JP" sz="2000" b="0" i="1" smtClean="0">
+                                      <a:latin typeface="Cambria Math" panose="02040503050406030204" pitchFamily="18" charset="0"/>
+                                    </a:rPr>
+                                    <m:t>𝐶</m:t>
+                                  </m:r>
+                                </m:e>
+                              </m:rad>
+                            </m:den>
+                          </m:f>
+                          <m:rad>
+                            <m:radPr>
+                              <m:degHide m:val="on"/>
+                              <m:ctrlPr>
+                                <a:rPr lang="en-US" altLang="ja-JP" sz="2000" b="0" i="1" smtClean="0">
+                                  <a:latin typeface="Cambria Math" panose="02040503050406030204" pitchFamily="18" charset="0"/>
+                                </a:rPr>
+                              </m:ctrlPr>
+                            </m:radPr>
+                            <m:deg/>
+                            <m:e>
+                              <m:r>
+                                <a:rPr lang="en-US" altLang="ja-JP" sz="2000" b="0" i="1" smtClean="0">
+                                  <a:latin typeface="Cambria Math" panose="02040503050406030204" pitchFamily="18" charset="0"/>
+                                </a:rPr>
+                                <m:t>1</m:t>
+                              </m:r>
+                              <m:r>
+                                <a:rPr lang="en-US" altLang="ja-JP" sz="2000" b="0" i="1" smtClean="0">
+                                  <a:latin typeface="Cambria Math" panose="02040503050406030204" pitchFamily="18" charset="0"/>
+                                </a:rPr>
+                                <m:t>+</m:t>
+                              </m:r>
+                              <m:f>
+                                <m:fPr>
+                                  <m:ctrlPr>
+                                    <a:rPr lang="en-US" altLang="ja-JP" sz="2000" b="0" i="1" smtClean="0">
+                                      <a:latin typeface="Cambria Math" panose="02040503050406030204" pitchFamily="18" charset="0"/>
+                                    </a:rPr>
+                                  </m:ctrlPr>
+                                </m:fPr>
+                                <m:num>
+                                  <m:r>
+                                    <a:rPr lang="en-US" altLang="ja-JP" sz="2000" b="0" i="1" smtClean="0">
+                                      <a:latin typeface="Cambria Math" panose="02040503050406030204" pitchFamily="18" charset="0"/>
+                                    </a:rPr>
+                                    <m:t>𝐷</m:t>
+                                  </m:r>
+                                </m:num>
+                                <m:den>
+                                  <m:sSup>
+                                    <m:sSupPr>
+                                      <m:ctrlPr>
+                                        <a:rPr lang="en-US" altLang="ja-JP" sz="2000" b="0" i="1" smtClean="0">
+                                          <a:latin typeface="Cambria Math" panose="02040503050406030204" pitchFamily="18" charset="0"/>
+                                        </a:rPr>
+                                      </m:ctrlPr>
+                                    </m:sSupPr>
+                                    <m:e>
+                                      <m:r>
+                                        <a:rPr lang="en-US" altLang="ja-JP" sz="2000" b="0" i="1" smtClean="0">
+                                          <a:latin typeface="Cambria Math" panose="02040503050406030204" pitchFamily="18" charset="0"/>
+                                        </a:rPr>
+                                        <m:t>𝛾</m:t>
+                                      </m:r>
+                                    </m:e>
+                                    <m:sup>
+                                      <m:r>
+                                        <a:rPr lang="en-US" altLang="ja-JP" sz="2000" b="0" i="1" smtClean="0">
+                                          <a:latin typeface="Cambria Math" panose="02040503050406030204" pitchFamily="18" charset="0"/>
+                                        </a:rPr>
+                                        <m:t>2</m:t>
+                                      </m:r>
+                                    </m:sup>
+                                  </m:sSup>
+                                </m:den>
+                              </m:f>
+                            </m:e>
+                          </m:rad>
+                          <m:r>
+                            <a:rPr lang="en-US" altLang="ja-JP" sz="2000" b="0" i="1" smtClean="0">
+                              <a:latin typeface="Cambria Math" panose="02040503050406030204" pitchFamily="18" charset="0"/>
+                            </a:rPr>
+                            <m:t>,</m:t>
+                          </m:r>
+                          <m:f>
+                            <m:fPr>
+                              <m:ctrlPr>
+                                <a:rPr lang="en-US" altLang="ja-JP" sz="2000" b="0" i="1" smtClean="0">
+                                  <a:latin typeface="Cambria Math" panose="02040503050406030204" pitchFamily="18" charset="0"/>
+                                </a:rPr>
+                              </m:ctrlPr>
+                            </m:fPr>
+                            <m:num>
+                              <m:r>
+                                <a:rPr lang="en-US" altLang="ja-JP" sz="2000" b="0" i="1" smtClean="0">
+                                  <a:latin typeface="Cambria Math" panose="02040503050406030204" pitchFamily="18" charset="0"/>
+                                </a:rPr>
+                                <m:t>𝐴</m:t>
+                              </m:r>
+                            </m:num>
+                            <m:den>
+                              <m:r>
+                                <a:rPr lang="en-US" altLang="ja-JP" sz="2000" b="0" i="1" smtClean="0">
+                                  <a:latin typeface="Cambria Math" panose="02040503050406030204" pitchFamily="18" charset="0"/>
+                                </a:rPr>
+                                <m:t>𝐶</m:t>
+                              </m:r>
+                            </m:den>
+                          </m:f>
+                          <m:r>
+                            <a:rPr lang="en-US" altLang="ja-JP" sz="2000" b="0" i="1" smtClean="0">
+                              <a:latin typeface="Cambria Math" panose="02040503050406030204" pitchFamily="18" charset="0"/>
+                            </a:rPr>
+                            <m:t>+</m:t>
+                          </m:r>
+                          <m:f>
+                            <m:fPr>
+                              <m:ctrlPr>
+                                <a:rPr lang="en-US" altLang="ja-JP" sz="2000" b="0" i="1" smtClean="0">
+                                  <a:latin typeface="Cambria Math" panose="02040503050406030204" pitchFamily="18" charset="0"/>
+                                </a:rPr>
+                              </m:ctrlPr>
+                            </m:fPr>
+                            <m:num>
+                              <m:r>
+                                <a:rPr lang="en-US" altLang="ja-JP" sz="2000" b="0" i="1" smtClean="0">
+                                  <a:latin typeface="Cambria Math" panose="02040503050406030204" pitchFamily="18" charset="0"/>
+                                </a:rPr>
+                                <m:t>𝐷</m:t>
+                              </m:r>
+                            </m:num>
+                            <m:den>
+                              <m:r>
+                                <a:rPr lang="en-US" altLang="ja-JP" sz="2000" b="0" i="1" smtClean="0">
+                                  <a:latin typeface="Cambria Math" panose="02040503050406030204" pitchFamily="18" charset="0"/>
+                                </a:rPr>
+                                <m:t>𝛾</m:t>
+                              </m:r>
+                              <m:r>
+                                <a:rPr lang="en-US" altLang="ja-JP" sz="2000" b="0" i="1" smtClean="0">
+                                  <a:latin typeface="Cambria Math" panose="02040503050406030204" pitchFamily="18" charset="0"/>
+                                </a:rPr>
+                                <m:t>𝐶</m:t>
+                              </m:r>
+                            </m:den>
+                          </m:f>
+                        </m:e>
+                      </m:d>
+                    </m:oMath>
+                  </m:oMathPara>
+                </a14:m>
+                <a:endParaRPr lang="en-US" altLang="ja-JP" sz="2000" dirty="0" smtClean="0"/>
+              </a:p>
+              <a:p>
+                <a:pPr marL="0" indent="0">
+                  <a:buNone/>
+                </a:pPr>
+                <a:r>
+                  <a:rPr lang="ja-JP" altLang="en-US" sz="2000" dirty="0" smtClean="0"/>
+                  <a:t>である。また、上記を踏まえると、最適ポートフォリオは大域的最小分散ポートフォリオと接点ポートフォリオを</a:t>
+                </a:r>
+                <a14:m>
+                  <m:oMath xmlns:m="http://schemas.openxmlformats.org/officeDocument/2006/math">
+                    <m:f>
+                      <m:fPr>
+                        <m:ctrlPr>
+                          <a:rPr lang="en-US" altLang="ja-JP" sz="2000" b="0" i="1" smtClean="0">
+                            <a:latin typeface="Cambria Math" panose="02040503050406030204" pitchFamily="18" charset="0"/>
+                          </a:rPr>
+                        </m:ctrlPr>
+                      </m:fPr>
+                      <m:num>
+                        <m:r>
+                          <a:rPr lang="en-US" altLang="ja-JP" sz="2000" b="0" i="1" smtClean="0">
+                            <a:latin typeface="Cambria Math" panose="02040503050406030204" pitchFamily="18" charset="0"/>
+                          </a:rPr>
+                          <m:t>𝐴</m:t>
+                        </m:r>
+                      </m:num>
+                      <m:den>
+                        <m:r>
+                          <a:rPr lang="en-US" altLang="ja-JP" sz="2000" b="0" i="1" smtClean="0">
+                            <a:latin typeface="Cambria Math" panose="02040503050406030204" pitchFamily="18" charset="0"/>
+                          </a:rPr>
+                          <m:t>𝛾</m:t>
+                        </m:r>
+                      </m:den>
+                    </m:f>
+                    <m:r>
+                      <a:rPr lang="en-US" altLang="ja-JP" sz="2000" b="0" i="1" smtClean="0">
+                        <a:latin typeface="Cambria Math" panose="02040503050406030204" pitchFamily="18" charset="0"/>
+                      </a:rPr>
+                      <m:t>:</m:t>
+                    </m:r>
+                    <m:r>
+                      <a:rPr lang="en-US" altLang="ja-JP" sz="2000" b="0" i="1" smtClean="0">
+                        <a:latin typeface="Cambria Math" panose="02040503050406030204" pitchFamily="18" charset="0"/>
+                      </a:rPr>
+                      <m:t>1</m:t>
+                    </m:r>
+                    <m:r>
+                      <a:rPr lang="en-US" altLang="ja-JP" sz="2000" b="0" i="1" smtClean="0">
+                        <a:latin typeface="Cambria Math" panose="02040503050406030204" pitchFamily="18" charset="0"/>
+                      </a:rPr>
+                      <m:t>−</m:t>
+                    </m:r>
+                    <m:f>
+                      <m:fPr>
+                        <m:ctrlPr>
+                          <a:rPr lang="en-US" altLang="ja-JP" sz="2000" b="0" i="1" smtClean="0">
+                            <a:latin typeface="Cambria Math" panose="02040503050406030204" pitchFamily="18" charset="0"/>
+                          </a:rPr>
+                        </m:ctrlPr>
+                      </m:fPr>
+                      <m:num>
+                        <m:r>
+                          <a:rPr lang="en-US" altLang="ja-JP" sz="2000" b="0" i="1" smtClean="0">
+                            <a:latin typeface="Cambria Math" panose="02040503050406030204" pitchFamily="18" charset="0"/>
+                          </a:rPr>
+                          <m:t>𝐴</m:t>
+                        </m:r>
+                      </m:num>
+                      <m:den>
+                        <m:r>
+                          <a:rPr lang="en-US" altLang="ja-JP" sz="2000" b="0" i="1" smtClean="0">
+                            <a:latin typeface="Cambria Math" panose="02040503050406030204" pitchFamily="18" charset="0"/>
+                          </a:rPr>
+                          <m:t>𝛾</m:t>
+                        </m:r>
+                      </m:den>
+                    </m:f>
+                  </m:oMath>
+                </a14:m>
+                <a:r>
+                  <a:rPr lang="ja-JP" altLang="en-US" sz="2000" dirty="0" smtClean="0"/>
+                  <a:t>の比率で合成することで構成できる。</a:t>
+                </a:r>
+                <a:endParaRPr lang="en-US" altLang="ja-JP" sz="2000" dirty="0" smtClean="0"/>
+              </a:p>
+            </p:txBody>
+          </p:sp>
+        </mc:Choice>
+        <mc:Fallback>
+          <p:sp>
+            <p:nvSpPr>
+              <p:cNvPr id="3" name="コンテンツ プレースホルダー 2"/>
+              <p:cNvSpPr>
+                <a:spLocks noGrp="1" noRot="1" noChangeAspect="1" noMove="1" noResize="1" noEditPoints="1" noAdjustHandles="1" noChangeArrowheads="1" noChangeShapeType="1" noTextEdit="1"/>
+              </p:cNvSpPr>
+              <p:nvPr>
+                <p:ph idx="1"/>
+              </p:nvPr>
+            </p:nvSpPr>
+            <p:spPr>
+              <a:xfrm>
+                <a:off x="838200" y="1065476"/>
+                <a:ext cx="10515600" cy="5412962"/>
+              </a:xfrm>
+              <a:blipFill>
+                <a:blip r:embed="rId2"/>
+                <a:stretch>
+                  <a:fillRect l="-638" t="-1126"/>
+                </a:stretch>
+              </a:blipFill>
+            </p:spPr>
+            <p:txBody>
+              <a:bodyPr/>
+              <a:lstStyle/>
+              <a:p>
+                <a:r>
+                  <a:rPr lang="ja-JP" altLang="en-US">
+                    <a:noFill/>
+                  </a:rPr>
+                  <a:t> </a:t>
+                </a:r>
+              </a:p>
+            </p:txBody>
+          </p:sp>
+        </mc:Fallback>
+      </mc:AlternateContent>
+    </p:spTree>
+    <p:extLst>
+      <p:ext uri="{BB962C8B-B14F-4D97-AF65-F5344CB8AC3E}">
+        <p14:creationId xmlns:p14="http://schemas.microsoft.com/office/powerpoint/2010/main" val="650100006"/>
       </p:ext>
     </p:extLst>
   </p:cSld>
